--- a/1 - Planeacion/2 - Estrategia/Vison General TCP.pptx
+++ b/1 - Planeacion/2 - Estrategia/Vison General TCP.pptx
@@ -126,7 +126,7 @@
   </p:defaultTextStyle>
   <p:extLst>
     <p:ext uri="{EFAFB233-063F-42B5-8137-9DF3F51BA10A}">
-      <p15:sldGuideLst xmlns:p15="http://schemas.microsoft.com/office/powerpoint/2012/main">
+      <p15:sldGuideLst xmlns:p15="http://schemas.microsoft.com/office/powerpoint/2012/main" xmlns="">
         <p15:guide id="1" orient="horz" pos="2160">
           <p15:clr>
             <a:srgbClr val="A4A3A4"/>
@@ -225,7 +225,8 @@
           <a:p>
             <a:fld id="{913E59D8-236C-4128-A0EC-F62B5FBF1DF3}" type="datetimeFigureOut">
               <a:rPr lang="es-ES"/>
-              <a:t>10/03/2013</a:t>
+              <a:pPr/>
+              <a:t>18/03/2013</a:t>
             </a:fld>
             <a:endParaRPr lang="es-ES"/>
           </a:p>
@@ -383,6 +384,7 @@
           <a:p>
             <a:fld id="{1B79E786-4FD2-4A8F-B83F-9A68148B8C41}" type="slidenum">
               <a:rPr lang="es-ES"/>
+              <a:pPr/>
               <a:t>‹Nº›</a:t>
             </a:fld>
             <a:endParaRPr lang="es-ES"/>
@@ -392,7 +394,7 @@
     </p:spTree>
     <p:extLst>
       <p:ext uri="{BB962C8B-B14F-4D97-AF65-F5344CB8AC3E}">
-        <p14:creationId xmlns:p14="http://schemas.microsoft.com/office/powerpoint/2010/main" val="833443018"/>
+        <p14:creationId xmlns:p14="http://schemas.microsoft.com/office/powerpoint/2010/main" xmlns="" val="833443018"/>
       </p:ext>
     </p:extLst>
   </p:cSld>
@@ -557,7 +559,8 @@
           <a:p>
             <a:fld id="{1B79E786-4FD2-4A8F-B83F-9A68148B8C41}" type="slidenum">
               <a:rPr lang="es-ES"/>
-              <a:t>‹Nº›</a:t>
+              <a:pPr/>
+              <a:t>1</a:t>
             </a:fld>
             <a:endParaRPr lang="es-ES"/>
           </a:p>
@@ -566,7 +569,7 @@
     </p:spTree>
     <p:extLst>
       <p:ext uri="{BB962C8B-B14F-4D97-AF65-F5344CB8AC3E}">
-        <p14:creationId xmlns:p14="http://schemas.microsoft.com/office/powerpoint/2010/main" val="444573745"/>
+        <p14:creationId xmlns:p14="http://schemas.microsoft.com/office/powerpoint/2010/main" xmlns="" val="444573745"/>
       </p:ext>
     </p:extLst>
   </p:cSld>
@@ -641,7 +644,8 @@
           <a:p>
             <a:fld id="{1B79E786-4FD2-4A8F-B83F-9A68148B8C41}" type="slidenum">
               <a:rPr lang="es-ES"/>
-              <a:t>‹Nº›</a:t>
+              <a:pPr/>
+              <a:t>14</a:t>
             </a:fld>
             <a:endParaRPr lang="es-ES"/>
           </a:p>
@@ -650,7 +654,7 @@
     </p:spTree>
     <p:extLst>
       <p:ext uri="{BB962C8B-B14F-4D97-AF65-F5344CB8AC3E}">
-        <p14:creationId xmlns:p14="http://schemas.microsoft.com/office/powerpoint/2010/main" val="2671369434"/>
+        <p14:creationId xmlns:p14="http://schemas.microsoft.com/office/powerpoint/2010/main" xmlns="" val="2671369434"/>
       </p:ext>
     </p:extLst>
   </p:cSld>
@@ -725,7 +729,8 @@
           <a:p>
             <a:fld id="{1B79E786-4FD2-4A8F-B83F-9A68148B8C41}" type="slidenum">
               <a:rPr lang="es-ES"/>
-              <a:t>‹Nº›</a:t>
+              <a:pPr/>
+              <a:t>15</a:t>
             </a:fld>
             <a:endParaRPr lang="es-ES"/>
           </a:p>
@@ -734,7 +739,7 @@
     </p:spTree>
     <p:extLst>
       <p:ext uri="{BB962C8B-B14F-4D97-AF65-F5344CB8AC3E}">
-        <p14:creationId xmlns:p14="http://schemas.microsoft.com/office/powerpoint/2010/main" val="3107196932"/>
+        <p14:creationId xmlns:p14="http://schemas.microsoft.com/office/powerpoint/2010/main" xmlns="" val="3107196932"/>
       </p:ext>
     </p:extLst>
   </p:cSld>
@@ -809,7 +814,8 @@
           <a:p>
             <a:fld id="{1B79E786-4FD2-4A8F-B83F-9A68148B8C41}" type="slidenum">
               <a:rPr lang="es-ES"/>
-              <a:t>‹Nº›</a:t>
+              <a:pPr/>
+              <a:t>16</a:t>
             </a:fld>
             <a:endParaRPr lang="es-ES"/>
           </a:p>
@@ -818,7 +824,7 @@
     </p:spTree>
     <p:extLst>
       <p:ext uri="{BB962C8B-B14F-4D97-AF65-F5344CB8AC3E}">
-        <p14:creationId xmlns:p14="http://schemas.microsoft.com/office/powerpoint/2010/main" val="2450925760"/>
+        <p14:creationId xmlns:p14="http://schemas.microsoft.com/office/powerpoint/2010/main" xmlns="" val="2450925760"/>
       </p:ext>
     </p:extLst>
   </p:cSld>
@@ -893,7 +899,8 @@
           <a:p>
             <a:fld id="{1B79E786-4FD2-4A8F-B83F-9A68148B8C41}" type="slidenum">
               <a:rPr lang="es-ES"/>
-              <a:t>‹Nº›</a:t>
+              <a:pPr/>
+              <a:t>17</a:t>
             </a:fld>
             <a:endParaRPr lang="es-ES"/>
           </a:p>
@@ -902,7 +909,7 @@
     </p:spTree>
     <p:extLst>
       <p:ext uri="{BB962C8B-B14F-4D97-AF65-F5344CB8AC3E}">
-        <p14:creationId xmlns:p14="http://schemas.microsoft.com/office/powerpoint/2010/main" val="1338460518"/>
+        <p14:creationId xmlns:p14="http://schemas.microsoft.com/office/powerpoint/2010/main" xmlns="" val="1338460518"/>
       </p:ext>
     </p:extLst>
   </p:cSld>
@@ -977,7 +984,8 @@
           <a:p>
             <a:fld id="{1B79E786-4FD2-4A8F-B83F-9A68148B8C41}" type="slidenum">
               <a:rPr lang="es-ES"/>
-              <a:t>‹Nº›</a:t>
+              <a:pPr/>
+              <a:t>18</a:t>
             </a:fld>
             <a:endParaRPr lang="es-ES"/>
           </a:p>
@@ -986,7 +994,7 @@
     </p:spTree>
     <p:extLst>
       <p:ext uri="{BB962C8B-B14F-4D97-AF65-F5344CB8AC3E}">
-        <p14:creationId xmlns:p14="http://schemas.microsoft.com/office/powerpoint/2010/main" val="1305142560"/>
+        <p14:creationId xmlns:p14="http://schemas.microsoft.com/office/powerpoint/2010/main" xmlns="" val="1305142560"/>
       </p:ext>
     </p:extLst>
   </p:cSld>
@@ -1061,7 +1069,8 @@
           <a:p>
             <a:fld id="{1B79E786-4FD2-4A8F-B83F-9A68148B8C41}" type="slidenum">
               <a:rPr lang="es-ES"/>
-              <a:t>‹Nº›</a:t>
+              <a:pPr/>
+              <a:t>2</a:t>
             </a:fld>
             <a:endParaRPr lang="es-ES"/>
           </a:p>
@@ -1070,7 +1079,7 @@
     </p:spTree>
     <p:extLst>
       <p:ext uri="{BB962C8B-B14F-4D97-AF65-F5344CB8AC3E}">
-        <p14:creationId xmlns:p14="http://schemas.microsoft.com/office/powerpoint/2010/main" val="827615994"/>
+        <p14:creationId xmlns:p14="http://schemas.microsoft.com/office/powerpoint/2010/main" xmlns="" val="827615994"/>
       </p:ext>
     </p:extLst>
   </p:cSld>
@@ -1145,7 +1154,8 @@
           <a:p>
             <a:fld id="{1B79E786-4FD2-4A8F-B83F-9A68148B8C41}" type="slidenum">
               <a:rPr lang="es-ES"/>
-              <a:t>‹Nº›</a:t>
+              <a:pPr/>
+              <a:t>3</a:t>
             </a:fld>
             <a:endParaRPr lang="es-ES"/>
           </a:p>
@@ -1154,7 +1164,7 @@
     </p:spTree>
     <p:extLst>
       <p:ext uri="{BB962C8B-B14F-4D97-AF65-F5344CB8AC3E}">
-        <p14:creationId xmlns:p14="http://schemas.microsoft.com/office/powerpoint/2010/main" val="331256157"/>
+        <p14:creationId xmlns:p14="http://schemas.microsoft.com/office/powerpoint/2010/main" xmlns="" val="331256157"/>
       </p:ext>
     </p:extLst>
   </p:cSld>
@@ -1229,7 +1239,8 @@
           <a:p>
             <a:fld id="{1B79E786-4FD2-4A8F-B83F-9A68148B8C41}" type="slidenum">
               <a:rPr lang="es-ES"/>
-              <a:t>‹Nº›</a:t>
+              <a:pPr/>
+              <a:t>4</a:t>
             </a:fld>
             <a:endParaRPr lang="es-ES"/>
           </a:p>
@@ -1238,7 +1249,7 @@
     </p:spTree>
     <p:extLst>
       <p:ext uri="{BB962C8B-B14F-4D97-AF65-F5344CB8AC3E}">
-        <p14:creationId xmlns:p14="http://schemas.microsoft.com/office/powerpoint/2010/main" val="791004675"/>
+        <p14:creationId xmlns:p14="http://schemas.microsoft.com/office/powerpoint/2010/main" xmlns="" val="791004675"/>
       </p:ext>
     </p:extLst>
   </p:cSld>
@@ -1313,7 +1324,8 @@
           <a:p>
             <a:fld id="{1B79E786-4FD2-4A8F-B83F-9A68148B8C41}" type="slidenum">
               <a:rPr lang="es-ES"/>
-              <a:t>‹Nº›</a:t>
+              <a:pPr/>
+              <a:t>5</a:t>
             </a:fld>
             <a:endParaRPr lang="es-ES"/>
           </a:p>
@@ -1322,7 +1334,7 @@
     </p:spTree>
     <p:extLst>
       <p:ext uri="{BB962C8B-B14F-4D97-AF65-F5344CB8AC3E}">
-        <p14:creationId xmlns:p14="http://schemas.microsoft.com/office/powerpoint/2010/main" val="3210474303"/>
+        <p14:creationId xmlns:p14="http://schemas.microsoft.com/office/powerpoint/2010/main" xmlns="" val="3210474303"/>
       </p:ext>
     </p:extLst>
   </p:cSld>
@@ -1397,7 +1409,8 @@
           <a:p>
             <a:fld id="{1B79E786-4FD2-4A8F-B83F-9A68148B8C41}" type="slidenum">
               <a:rPr lang="es-ES"/>
-              <a:t>‹Nº›</a:t>
+              <a:pPr/>
+              <a:t>6</a:t>
             </a:fld>
             <a:endParaRPr lang="es-ES"/>
           </a:p>
@@ -1406,7 +1419,7 @@
     </p:spTree>
     <p:extLst>
       <p:ext uri="{BB962C8B-B14F-4D97-AF65-F5344CB8AC3E}">
-        <p14:creationId xmlns:p14="http://schemas.microsoft.com/office/powerpoint/2010/main" val="1282391733"/>
+        <p14:creationId xmlns:p14="http://schemas.microsoft.com/office/powerpoint/2010/main" xmlns="" val="1282391733"/>
       </p:ext>
     </p:extLst>
   </p:cSld>
@@ -1481,7 +1494,8 @@
           <a:p>
             <a:fld id="{1B79E786-4FD2-4A8F-B83F-9A68148B8C41}" type="slidenum">
               <a:rPr lang="es-ES"/>
-              <a:t>‹Nº›</a:t>
+              <a:pPr/>
+              <a:t>7</a:t>
             </a:fld>
             <a:endParaRPr lang="es-ES"/>
           </a:p>
@@ -1490,7 +1504,7 @@
     </p:spTree>
     <p:extLst>
       <p:ext uri="{BB962C8B-B14F-4D97-AF65-F5344CB8AC3E}">
-        <p14:creationId xmlns:p14="http://schemas.microsoft.com/office/powerpoint/2010/main" val="1182916069"/>
+        <p14:creationId xmlns:p14="http://schemas.microsoft.com/office/powerpoint/2010/main" xmlns="" val="1182916069"/>
       </p:ext>
     </p:extLst>
   </p:cSld>
@@ -1565,7 +1579,8 @@
           <a:p>
             <a:fld id="{1B79E786-4FD2-4A8F-B83F-9A68148B8C41}" type="slidenum">
               <a:rPr lang="es-ES"/>
-              <a:t>‹Nº›</a:t>
+              <a:pPr/>
+              <a:t>8</a:t>
             </a:fld>
             <a:endParaRPr lang="es-ES"/>
           </a:p>
@@ -1574,7 +1589,7 @@
     </p:spTree>
     <p:extLst>
       <p:ext uri="{BB962C8B-B14F-4D97-AF65-F5344CB8AC3E}">
-        <p14:creationId xmlns:p14="http://schemas.microsoft.com/office/powerpoint/2010/main" val="2720515047"/>
+        <p14:creationId xmlns:p14="http://schemas.microsoft.com/office/powerpoint/2010/main" xmlns="" val="2720515047"/>
       </p:ext>
     </p:extLst>
   </p:cSld>
@@ -1649,7 +1664,8 @@
           <a:p>
             <a:fld id="{1B79E786-4FD2-4A8F-B83F-9A68148B8C41}" type="slidenum">
               <a:rPr lang="es-ES"/>
-              <a:t>‹Nº›</a:t>
+              <a:pPr/>
+              <a:t>13</a:t>
             </a:fld>
             <a:endParaRPr lang="es-ES"/>
           </a:p>
@@ -1658,7 +1674,7 @@
     </p:spTree>
     <p:extLst>
       <p:ext uri="{BB962C8B-B14F-4D97-AF65-F5344CB8AC3E}">
-        <p14:creationId xmlns:p14="http://schemas.microsoft.com/office/powerpoint/2010/main" val="1163859630"/>
+        <p14:creationId xmlns:p14="http://schemas.microsoft.com/office/powerpoint/2010/main" xmlns="" val="1163859630"/>
       </p:ext>
     </p:extLst>
   </p:cSld>
@@ -1850,7 +1866,7 @@
             <a:fld id="{2C60F05F-D2FA-4626-9515-3950F186493E}" type="datetimeFigureOut">
               <a:rPr lang="es-CO" smtClean="0"/>
               <a:pPr/>
-              <a:t>10/03/2013</a:t>
+              <a:t>18/03/2013</a:t>
             </a:fld>
             <a:endParaRPr lang="es-CO"/>
           </a:p>
@@ -2017,7 +2033,7 @@
             <a:fld id="{2C60F05F-D2FA-4626-9515-3950F186493E}" type="datetimeFigureOut">
               <a:rPr lang="es-CO" smtClean="0"/>
               <a:pPr/>
-              <a:t>10/03/2013</a:t>
+              <a:t>18/03/2013</a:t>
             </a:fld>
             <a:endParaRPr lang="es-CO"/>
           </a:p>
@@ -2194,7 +2210,7 @@
             <a:fld id="{2C60F05F-D2FA-4626-9515-3950F186493E}" type="datetimeFigureOut">
               <a:rPr lang="es-CO" smtClean="0"/>
               <a:pPr/>
-              <a:t>10/03/2013</a:t>
+              <a:t>18/03/2013</a:t>
             </a:fld>
             <a:endParaRPr lang="es-CO"/>
           </a:p>
@@ -2361,7 +2377,7 @@
             <a:fld id="{2C60F05F-D2FA-4626-9515-3950F186493E}" type="datetimeFigureOut">
               <a:rPr lang="es-CO" smtClean="0"/>
               <a:pPr/>
-              <a:t>10/03/2013</a:t>
+              <a:t>18/03/2013</a:t>
             </a:fld>
             <a:endParaRPr lang="es-CO"/>
           </a:p>
@@ -2604,7 +2620,7 @@
             <a:fld id="{2C60F05F-D2FA-4626-9515-3950F186493E}" type="datetimeFigureOut">
               <a:rPr lang="es-CO" smtClean="0"/>
               <a:pPr/>
-              <a:t>10/03/2013</a:t>
+              <a:t>18/03/2013</a:t>
             </a:fld>
             <a:endParaRPr lang="es-CO"/>
           </a:p>
@@ -2889,7 +2905,7 @@
             <a:fld id="{2C60F05F-D2FA-4626-9515-3950F186493E}" type="datetimeFigureOut">
               <a:rPr lang="es-CO" smtClean="0"/>
               <a:pPr/>
-              <a:t>10/03/2013</a:t>
+              <a:t>18/03/2013</a:t>
             </a:fld>
             <a:endParaRPr lang="es-CO"/>
           </a:p>
@@ -3308,7 +3324,7 @@
             <a:fld id="{2C60F05F-D2FA-4626-9515-3950F186493E}" type="datetimeFigureOut">
               <a:rPr lang="es-CO" smtClean="0"/>
               <a:pPr/>
-              <a:t>10/03/2013</a:t>
+              <a:t>18/03/2013</a:t>
             </a:fld>
             <a:endParaRPr lang="es-CO"/>
           </a:p>
@@ -3423,7 +3439,7 @@
             <a:fld id="{2C60F05F-D2FA-4626-9515-3950F186493E}" type="datetimeFigureOut">
               <a:rPr lang="es-CO" smtClean="0"/>
               <a:pPr/>
-              <a:t>10/03/2013</a:t>
+              <a:t>18/03/2013</a:t>
             </a:fld>
             <a:endParaRPr lang="es-CO"/>
           </a:p>
@@ -3515,7 +3531,7 @@
             <a:fld id="{2C60F05F-D2FA-4626-9515-3950F186493E}" type="datetimeFigureOut">
               <a:rPr lang="es-CO" smtClean="0"/>
               <a:pPr/>
-              <a:t>10/03/2013</a:t>
+              <a:t>18/03/2013</a:t>
             </a:fld>
             <a:endParaRPr lang="es-CO"/>
           </a:p>
@@ -3789,7 +3805,7 @@
             <a:fld id="{2C60F05F-D2FA-4626-9515-3950F186493E}" type="datetimeFigureOut">
               <a:rPr lang="es-CO" smtClean="0"/>
               <a:pPr/>
-              <a:t>10/03/2013</a:t>
+              <a:t>18/03/2013</a:t>
             </a:fld>
             <a:endParaRPr lang="es-CO"/>
           </a:p>
@@ -4039,7 +4055,7 @@
             <a:fld id="{2C60F05F-D2FA-4626-9515-3950F186493E}" type="datetimeFigureOut">
               <a:rPr lang="es-CO" smtClean="0"/>
               <a:pPr/>
-              <a:t>10/03/2013</a:t>
+              <a:t>18/03/2013</a:t>
             </a:fld>
             <a:endParaRPr lang="es-CO"/>
           </a:p>
@@ -4249,7 +4265,7 @@
             <a:fld id="{2C60F05F-D2FA-4626-9515-3950F186493E}" type="datetimeFigureOut">
               <a:rPr lang="es-CO" smtClean="0"/>
               <a:pPr/>
-              <a:t>10/03/2013</a:t>
+              <a:t>18/03/2013</a:t>
             </a:fld>
             <a:endParaRPr lang="es-CO"/>
           </a:p>
@@ -5021,75 +5037,66 @@
         <p:spPr/>
         <p:txBody>
           <a:bodyPr>
-            <a:normAutofit fontScale="70000" lnSpcReduction="20000"/>
+            <a:normAutofit/>
           </a:bodyPr>
           <a:lstStyle/>
           <a:p>
             <a:r>
-              <a:rPr lang="es-CO" dirty="0" smtClean="0"/>
-              <a:t>Luis Andrés Olarte Zabala:</a:t>
-            </a:r>
-          </a:p>
-          <a:p>
-            <a:r>
-              <a:rPr lang="es-CO" smtClean="0"/>
-              <a:t>Objetivo General</a:t>
-            </a:r>
-            <a:endParaRPr lang="es-CO" dirty="0" smtClean="0"/>
+              <a:rPr lang="es-CO" b="1" dirty="0" smtClean="0"/>
+              <a:t>Luis Andrés Olarte Zabala</a:t>
+            </a:r>
+            <a:r>
+              <a:rPr lang="es-CO" b="1" dirty="0" smtClean="0"/>
+              <a:t>:</a:t>
+            </a:r>
           </a:p>
           <a:p>
             <a:pPr>
               <a:buNone/>
             </a:pPr>
             <a:r>
-              <a:rPr lang="es-CO" dirty="0" smtClean="0"/>
-              <a:t>     Facilitar técnica y conceptualmente los requerimientos del usuario y velar por el cumplimiento de estos.</a:t>
-            </a:r>
-          </a:p>
-          <a:p>
-            <a:r>
-              <a:rPr lang="es-CO" dirty="0" smtClean="0"/>
-              <a:t>Metas: </a:t>
-            </a:r>
+              <a:rPr lang="es-CO" b="1" dirty="0" smtClean="0"/>
+              <a:t> </a:t>
+            </a:r>
+            <a:r>
+              <a:rPr lang="es-CO" b="1" dirty="0" smtClean="0"/>
+              <a:t>	</a:t>
+            </a:r>
+            <a:r>
+              <a:rPr lang="es-CO" dirty="0" smtClean="0"/>
+              <a:t>Conocimientos técnicos en la plataforma seleccionada por el grupo.</a:t>
+            </a:r>
+          </a:p>
+          <a:p>
+            <a:pPr>
+              <a:buNone/>
+            </a:pPr>
+            <a:r>
+              <a:rPr lang="es-CO" b="1" dirty="0" smtClean="0"/>
+              <a:t>	</a:t>
+            </a:r>
+            <a:r>
+              <a:rPr lang="es-CO" dirty="0" smtClean="0"/>
+              <a:t>Capacidad en organización y conocimiento en el campo del desarrollo.</a:t>
+            </a:r>
+          </a:p>
+          <a:p>
+            <a:pPr>
+              <a:buNone/>
+            </a:pPr>
+            <a:r>
+              <a:rPr lang="es-CO" b="1" dirty="0" smtClean="0"/>
+              <a:t>	</a:t>
+            </a:r>
+            <a:r>
+              <a:rPr lang="es-CO" dirty="0" smtClean="0"/>
+              <a:t>Experiencia con problemas comunes en el desarrollo.</a:t>
+            </a:r>
+            <a:endParaRPr lang="es-CO" dirty="0" smtClean="0"/>
           </a:p>
           <a:p>
             <a:pPr lvl="1"/>
-            <a:r>
-              <a:rPr lang="es-CO" dirty="0" smtClean="0"/>
-              <a:t>Definir técnicamente el 100% de los requerimientos.</a:t>
-            </a:r>
-          </a:p>
-          <a:p>
-            <a:pPr lvl="1"/>
-            <a:r>
-              <a:rPr lang="es-CO" dirty="0" smtClean="0"/>
-              <a:t>Resolver el 100% de las dudas técnicas de los integrantes del grupo.</a:t>
-            </a:r>
-          </a:p>
-          <a:p>
-            <a:pPr lvl="1"/>
-            <a:r>
-              <a:rPr lang="es-CO" dirty="0" smtClean="0"/>
-              <a:t>Crear los estándares de codificación para la aplicación y velar por  el 100% del cumplimiento de estos.</a:t>
-            </a:r>
-          </a:p>
-          <a:p>
-            <a:pPr lvl="1"/>
-            <a:r>
-              <a:rPr lang="es-CO" dirty="0" smtClean="0"/>
-              <a:t>Analizar y plantear soluciones para el 100% de los problemas técnicos de los integrantes del grupo.</a:t>
-            </a:r>
-          </a:p>
-          <a:p>
-            <a:pPr lvl="1"/>
-            <a:r>
-              <a:rPr lang="es-CO" dirty="0" smtClean="0"/>
-              <a:t>Analizar y dar aval técnico al 100% de los casos de uso y encontrar los problemas durante el análisis de estos.</a:t>
-            </a:r>
-          </a:p>
-          <a:p>
-            <a:pPr lvl="1"/>
-            <a:endParaRPr lang="es-CO" dirty="0"/>
+            <a:endParaRPr lang="es-CO" u="sng" dirty="0"/>
           </a:p>
         </p:txBody>
       </p:sp>
@@ -6108,7 +6115,9 @@
         </p:nvSpPr>
         <p:spPr/>
         <p:txBody>
-          <a:bodyPr/>
+          <a:bodyPr>
+            <a:normAutofit fontScale="70000" lnSpcReduction="20000"/>
+          </a:bodyPr>
           <a:lstStyle/>
           <a:p>
             <a:r>
@@ -6117,7 +6126,130 @@
             </a:r>
           </a:p>
           <a:p>
+            <a:r>
+              <a:rPr lang="es-CO" b="1" dirty="0" smtClean="0"/>
+              <a:t>Objetivo General</a:t>
+            </a:r>
+          </a:p>
+          <a:p>
+            <a:pPr>
+              <a:buNone/>
+            </a:pPr>
+            <a:r>
+              <a:rPr lang="es-CO" dirty="0" smtClean="0"/>
+              <a:t>     Facilitar técnica y conceptualmente los requerimientos del usuario y velar por el desarrollo de estos y el cumplimiento de las normas establecidas por el grupo.</a:t>
+            </a:r>
+          </a:p>
+          <a:p>
+            <a:r>
+              <a:rPr lang="es-CO" b="1" dirty="0" smtClean="0"/>
+              <a:t>Metas: </a:t>
+            </a:r>
+          </a:p>
+          <a:p>
             <a:pPr lvl="1"/>
+            <a:r>
+              <a:rPr lang="es-CO" dirty="0" smtClean="0"/>
+              <a:t>Definir técnicamente por lo menos el </a:t>
+            </a:r>
+            <a:r>
+              <a:rPr lang="es-CO" dirty="0" smtClean="0">
+                <a:solidFill>
+                  <a:schemeClr val="tx2">
+                    <a:lumMod val="75000"/>
+                  </a:schemeClr>
+                </a:solidFill>
+              </a:rPr>
+              <a:t>80% </a:t>
+            </a:r>
+            <a:r>
+              <a:rPr lang="es-CO" dirty="0" smtClean="0"/>
+              <a:t>de los requerimientos.</a:t>
+            </a:r>
+          </a:p>
+          <a:p>
+            <a:pPr lvl="1"/>
+            <a:r>
+              <a:rPr lang="es-CO" dirty="0" smtClean="0"/>
+              <a:t>Resolver el </a:t>
+            </a:r>
+            <a:r>
+              <a:rPr lang="es-CO" dirty="0" smtClean="0">
+                <a:solidFill>
+                  <a:schemeClr val="tx2">
+                    <a:lumMod val="75000"/>
+                  </a:schemeClr>
+                </a:solidFill>
+              </a:rPr>
+              <a:t>80% </a:t>
+            </a:r>
+            <a:r>
+              <a:rPr lang="es-CO" dirty="0" smtClean="0"/>
+              <a:t>de las dudas técnicas de los integrantes del grupo.</a:t>
+            </a:r>
+          </a:p>
+          <a:p>
+            <a:pPr lvl="1"/>
+            <a:r>
+              <a:rPr lang="es-CO" dirty="0" smtClean="0"/>
+              <a:t>Crear los estándares de codificación para la aplicación y velar por  el </a:t>
+            </a:r>
+            <a:r>
+              <a:rPr lang="es-CO" dirty="0" smtClean="0">
+                <a:solidFill>
+                  <a:schemeClr val="tx2">
+                    <a:lumMod val="75000"/>
+                  </a:schemeClr>
+                </a:solidFill>
+              </a:rPr>
+              <a:t>80% </a:t>
+            </a:r>
+            <a:r>
+              <a:rPr lang="es-CO" dirty="0" smtClean="0"/>
+              <a:t>del cumplimiento de estos.</a:t>
+            </a:r>
+          </a:p>
+          <a:p>
+            <a:pPr lvl="1"/>
+            <a:r>
+              <a:rPr lang="es-CO" dirty="0" smtClean="0"/>
+              <a:t>Analizar y plantear soluciones para el </a:t>
+            </a:r>
+            <a:r>
+              <a:rPr lang="es-CO" dirty="0" smtClean="0">
+                <a:solidFill>
+                  <a:schemeClr val="tx2">
+                    <a:lumMod val="75000"/>
+                  </a:schemeClr>
+                </a:solidFill>
+              </a:rPr>
+              <a:t>80% </a:t>
+            </a:r>
+            <a:r>
+              <a:rPr lang="es-CO" dirty="0" smtClean="0"/>
+              <a:t>de los problemas técnicos de los integrantes del grupo.</a:t>
+            </a:r>
+          </a:p>
+          <a:p>
+            <a:pPr lvl="1"/>
+            <a:r>
+              <a:rPr lang="es-CO" dirty="0" smtClean="0"/>
+              <a:t>Analizar y dar aval técnico por lo menos al </a:t>
+            </a:r>
+            <a:r>
+              <a:rPr lang="es-CO" dirty="0" smtClean="0">
+                <a:solidFill>
+                  <a:schemeClr val="tx2">
+                    <a:lumMod val="75000"/>
+                  </a:schemeClr>
+                </a:solidFill>
+              </a:rPr>
+              <a:t>80% </a:t>
+            </a:r>
+            <a:r>
+              <a:rPr lang="es-CO" dirty="0" smtClean="0"/>
+              <a:t>de los casos de uso y encontrar los problemas durante el análisis de estos</a:t>
+            </a:r>
             <a:endParaRPr lang="es-CO" dirty="0"/>
           </a:p>
         </p:txBody>
@@ -6640,7 +6772,7 @@
     </a:clrScheme>
     <a:fontScheme name="Office">
       <a:majorFont>
-        <a:latin typeface="Calibri Light" panose="020F0302020204030204"/>
+        <a:latin typeface="Calibri Light"/>
         <a:ea typeface=""/>
         <a:cs typeface=""/>
         <a:font script="Jpan" typeface="ＭＳ Ｐゴシック"/>
@@ -6675,7 +6807,7 @@
         <a:font script="Geor" typeface="Sylfaen"/>
       </a:majorFont>
       <a:minorFont>
-        <a:latin typeface="Calibri" panose="020F0502020204030204"/>
+        <a:latin typeface="Calibri"/>
         <a:ea typeface=""/>
         <a:cs typeface=""/>
         <a:font script="Jpan" typeface="ＭＳ Ｐゴシック"/>
@@ -6852,7 +6984,7 @@
   <a:extraClrSchemeLst/>
   <a:extLst>
     <a:ext uri="{05A4C25C-085E-4340-85A3-A5531E510DB2}">
-      <thm15:themeFamily xmlns:thm15="http://schemas.microsoft.com/office/thememl/2012/main" name="Office Theme" id="{62F939B6-93AF-4DB8-9C6B-D6C7DFDC589F}" vid="{4A3C46E8-61CC-4603-A589-7422A47A8E4A}"/>
+      <thm15:themeFamily xmlns:thm15="http://schemas.microsoft.com/office/thememl/2012/main" xmlns="" name="Office Theme" id="{62F939B6-93AF-4DB8-9C6B-D6C7DFDC589F}" vid="{4A3C46E8-61CC-4603-A589-7422A47A8E4A}"/>
     </a:ext>
   </a:extLst>
 </a:theme>

--- a/1 - Planeacion/2 - Estrategia/Vison General TCP.pptx
+++ b/1 - Planeacion/2 - Estrategia/Vison General TCP.pptx
@@ -2,30 +2,32 @@
 <file path=ppt/presentation.xml><?xml version="1.0" encoding="utf-8"?>
 <p:presentation xmlns:a="http://schemas.openxmlformats.org/drawingml/2006/main" xmlns:r="http://schemas.openxmlformats.org/officeDocument/2006/relationships" xmlns:p="http://schemas.openxmlformats.org/presentationml/2006/main" saveSubsetFonts="1">
   <p:sldMasterIdLst>
-    <p:sldMasterId id="2147483648" r:id="rId1"/>
+    <p:sldMasterId id="2147483672" r:id="rId1"/>
   </p:sldMasterIdLst>
   <p:notesMasterIdLst>
-    <p:notesMasterId r:id="rId20"/>
+    <p:notesMasterId r:id="rId22"/>
   </p:notesMasterIdLst>
   <p:sldIdLst>
     <p:sldId id="256" r:id="rId2"/>
     <p:sldId id="257" r:id="rId3"/>
     <p:sldId id="258" r:id="rId4"/>
-    <p:sldId id="259" r:id="rId5"/>
-    <p:sldId id="260" r:id="rId6"/>
-    <p:sldId id="261" r:id="rId7"/>
-    <p:sldId id="262" r:id="rId8"/>
-    <p:sldId id="263" r:id="rId9"/>
-    <p:sldId id="264" r:id="rId10"/>
-    <p:sldId id="265" r:id="rId11"/>
-    <p:sldId id="266" r:id="rId12"/>
+    <p:sldId id="260" r:id="rId5"/>
+    <p:sldId id="261" r:id="rId6"/>
+    <p:sldId id="262" r:id="rId7"/>
+    <p:sldId id="263" r:id="rId8"/>
+    <p:sldId id="264" r:id="rId9"/>
+    <p:sldId id="265" r:id="rId10"/>
+    <p:sldId id="266" r:id="rId11"/>
+    <p:sldId id="275" r:id="rId12"/>
     <p:sldId id="267" r:id="rId13"/>
-    <p:sldId id="268" r:id="rId14"/>
-    <p:sldId id="269" r:id="rId15"/>
-    <p:sldId id="270" r:id="rId16"/>
-    <p:sldId id="271" r:id="rId17"/>
-    <p:sldId id="272" r:id="rId18"/>
-    <p:sldId id="273" r:id="rId19"/>
+    <p:sldId id="274" r:id="rId14"/>
+    <p:sldId id="268" r:id="rId15"/>
+    <p:sldId id="277" r:id="rId16"/>
+    <p:sldId id="269" r:id="rId17"/>
+    <p:sldId id="270" r:id="rId18"/>
+    <p:sldId id="271" r:id="rId19"/>
+    <p:sldId id="272" r:id="rId20"/>
+    <p:sldId id="273" r:id="rId21"/>
   </p:sldIdLst>
   <p:sldSz cx="9144000" cy="6858000" type="screen4x3"/>
   <p:notesSz cx="6858000" cy="9144000"/>
@@ -223,10 +225,9 @@
             </a:lvl1pPr>
           </a:lstStyle>
           <a:p>
-            <a:fld id="{913E59D8-236C-4128-A0EC-F62B5FBF1DF3}" type="datetimeFigureOut">
+            <a:fld id="{978C9BED-323D-4722-8F9A-3D9FEEE97F7C}" type="datetimeFigureOut">
               <a:rPr lang="es-ES"/>
-              <a:pPr/>
-              <a:t>18/03/2013</a:t>
+              <a:t>20/03/2013</a:t>
             </a:fld>
             <a:endParaRPr lang="es-ES"/>
           </a:p>
@@ -382,9 +383,8 @@
             </a:lvl1pPr>
           </a:lstStyle>
           <a:p>
-            <a:fld id="{1B79E786-4FD2-4A8F-B83F-9A68148B8C41}" type="slidenum">
+            <a:fld id="{1647FEBF-0E9C-4715-A13C-A7158B04A887}" type="slidenum">
               <a:rPr lang="es-ES"/>
-              <a:pPr/>
               <a:t>‹Nº›</a:t>
             </a:fld>
             <a:endParaRPr lang="es-ES"/>
@@ -394,7 +394,7 @@
     </p:spTree>
     <p:extLst>
       <p:ext uri="{BB962C8B-B14F-4D97-AF65-F5344CB8AC3E}">
-        <p14:creationId xmlns:p14="http://schemas.microsoft.com/office/powerpoint/2010/main" xmlns="" val="833443018"/>
+        <p14:creationId xmlns:p14="http://schemas.microsoft.com/office/powerpoint/2010/main" val="1257561363"/>
       </p:ext>
     </p:extLst>
   </p:cSld>
@@ -557,9 +557,8 @@
           <a:bodyPr/>
           <a:lstStyle/>
           <a:p>
-            <a:fld id="{1B79E786-4FD2-4A8F-B83F-9A68148B8C41}" type="slidenum">
+            <a:fld id="{1647FEBF-0E9C-4715-A13C-A7158B04A887}" type="slidenum">
               <a:rPr lang="es-ES"/>
-              <a:pPr/>
               <a:t>1</a:t>
             </a:fld>
             <a:endParaRPr lang="es-ES"/>
@@ -569,7 +568,7 @@
     </p:spTree>
     <p:extLst>
       <p:ext uri="{BB962C8B-B14F-4D97-AF65-F5344CB8AC3E}">
-        <p14:creationId xmlns:p14="http://schemas.microsoft.com/office/powerpoint/2010/main" xmlns="" val="444573745"/>
+        <p14:creationId xmlns:p14="http://schemas.microsoft.com/office/powerpoint/2010/main" val="3058141022"/>
       </p:ext>
     </p:extLst>
   </p:cSld>
@@ -642,10 +641,9 @@
           <a:bodyPr/>
           <a:lstStyle/>
           <a:p>
-            <a:fld id="{1B79E786-4FD2-4A8F-B83F-9A68148B8C41}" type="slidenum">
+            <a:fld id="{1647FEBF-0E9C-4715-A13C-A7158B04A887}" type="slidenum">
               <a:rPr lang="es-ES"/>
-              <a:pPr/>
-              <a:t>14</a:t>
+              <a:t>10</a:t>
             </a:fld>
             <a:endParaRPr lang="es-ES"/>
           </a:p>
@@ -654,7 +652,7 @@
     </p:spTree>
     <p:extLst>
       <p:ext uri="{BB962C8B-B14F-4D97-AF65-F5344CB8AC3E}">
-        <p14:creationId xmlns:p14="http://schemas.microsoft.com/office/powerpoint/2010/main" xmlns="" val="2671369434"/>
+        <p14:creationId xmlns:p14="http://schemas.microsoft.com/office/powerpoint/2010/main" val="3844099043"/>
       </p:ext>
     </p:extLst>
   </p:cSld>
@@ -727,10 +725,9 @@
           <a:bodyPr/>
           <a:lstStyle/>
           <a:p>
-            <a:fld id="{1B79E786-4FD2-4A8F-B83F-9A68148B8C41}" type="slidenum">
+            <a:fld id="{1647FEBF-0E9C-4715-A13C-A7158B04A887}" type="slidenum">
               <a:rPr lang="es-ES"/>
-              <a:pPr/>
-              <a:t>15</a:t>
+              <a:t>11</a:t>
             </a:fld>
             <a:endParaRPr lang="es-ES"/>
           </a:p>
@@ -739,7 +736,7 @@
     </p:spTree>
     <p:extLst>
       <p:ext uri="{BB962C8B-B14F-4D97-AF65-F5344CB8AC3E}">
-        <p14:creationId xmlns:p14="http://schemas.microsoft.com/office/powerpoint/2010/main" xmlns="" val="3107196932"/>
+        <p14:creationId xmlns:p14="http://schemas.microsoft.com/office/powerpoint/2010/main" val="433392755"/>
       </p:ext>
     </p:extLst>
   </p:cSld>
@@ -812,10 +809,9 @@
           <a:bodyPr/>
           <a:lstStyle/>
           <a:p>
-            <a:fld id="{1B79E786-4FD2-4A8F-B83F-9A68148B8C41}" type="slidenum">
+            <a:fld id="{1647FEBF-0E9C-4715-A13C-A7158B04A887}" type="slidenum">
               <a:rPr lang="es-ES"/>
-              <a:pPr/>
-              <a:t>16</a:t>
+              <a:t>12</a:t>
             </a:fld>
             <a:endParaRPr lang="es-ES"/>
           </a:p>
@@ -824,7 +820,7 @@
     </p:spTree>
     <p:extLst>
       <p:ext uri="{BB962C8B-B14F-4D97-AF65-F5344CB8AC3E}">
-        <p14:creationId xmlns:p14="http://schemas.microsoft.com/office/powerpoint/2010/main" xmlns="" val="2450925760"/>
+        <p14:creationId xmlns:p14="http://schemas.microsoft.com/office/powerpoint/2010/main" val="1994906933"/>
       </p:ext>
     </p:extLst>
   </p:cSld>
@@ -897,10 +893,9 @@
           <a:bodyPr/>
           <a:lstStyle/>
           <a:p>
-            <a:fld id="{1B79E786-4FD2-4A8F-B83F-9A68148B8C41}" type="slidenum">
+            <a:fld id="{1647FEBF-0E9C-4715-A13C-A7158B04A887}" type="slidenum">
               <a:rPr lang="es-ES"/>
-              <a:pPr/>
-              <a:t>17</a:t>
+              <a:t>13</a:t>
             </a:fld>
             <a:endParaRPr lang="es-ES"/>
           </a:p>
@@ -909,7 +904,7 @@
     </p:spTree>
     <p:extLst>
       <p:ext uri="{BB962C8B-B14F-4D97-AF65-F5344CB8AC3E}">
-        <p14:creationId xmlns:p14="http://schemas.microsoft.com/office/powerpoint/2010/main" xmlns="" val="1338460518"/>
+        <p14:creationId xmlns:p14="http://schemas.microsoft.com/office/powerpoint/2010/main" val="1426172308"/>
       </p:ext>
     </p:extLst>
   </p:cSld>
@@ -982,10 +977,9 @@
           <a:bodyPr/>
           <a:lstStyle/>
           <a:p>
-            <a:fld id="{1B79E786-4FD2-4A8F-B83F-9A68148B8C41}" type="slidenum">
+            <a:fld id="{1647FEBF-0E9C-4715-A13C-A7158B04A887}" type="slidenum">
               <a:rPr lang="es-ES"/>
-              <a:pPr/>
-              <a:t>18</a:t>
+              <a:t>14</a:t>
             </a:fld>
             <a:endParaRPr lang="es-ES"/>
           </a:p>
@@ -994,7 +988,91 @@
     </p:spTree>
     <p:extLst>
       <p:ext uri="{BB962C8B-B14F-4D97-AF65-F5344CB8AC3E}">
-        <p14:creationId xmlns:p14="http://schemas.microsoft.com/office/powerpoint/2010/main" xmlns="" val="1305142560"/>
+        <p14:creationId xmlns:p14="http://schemas.microsoft.com/office/powerpoint/2010/main" val="3947201609"/>
+      </p:ext>
+    </p:extLst>
+  </p:cSld>
+  <p:clrMapOvr>
+    <a:masterClrMapping/>
+  </p:clrMapOvr>
+</p:notes>
+</file>
+
+<file path=ppt/notesSlides/notesSlide15.xml><?xml version="1.0" encoding="utf-8"?>
+<p:notes xmlns:a="http://schemas.openxmlformats.org/drawingml/2006/main" xmlns:r="http://schemas.openxmlformats.org/officeDocument/2006/relationships" xmlns:p="http://schemas.openxmlformats.org/presentationml/2006/main">
+  <p:cSld>
+    <p:spTree>
+      <p:nvGrpSpPr>
+        <p:cNvPr id="1" name=""/>
+        <p:cNvGrpSpPr/>
+        <p:nvPr/>
+      </p:nvGrpSpPr>
+      <p:grpSpPr>
+        <a:xfrm>
+          <a:off x="0" y="0"/>
+          <a:ext cx="0" cy="0"/>
+          <a:chOff x="0" y="0"/>
+          <a:chExt cx="0" cy="0"/>
+        </a:xfrm>
+      </p:grpSpPr>
+      <p:sp>
+        <p:nvSpPr>
+          <p:cNvPr id="2" name="Marcador de imagen de diapositiva 1"/>
+          <p:cNvSpPr>
+            <a:spLocks noGrp="1" noRot="1" noChangeAspect="1"/>
+          </p:cNvSpPr>
+          <p:nvPr>
+            <p:ph type="sldImg"/>
+          </p:nvPr>
+        </p:nvSpPr>
+        <p:spPr/>
+      </p:sp>
+      <p:sp>
+        <p:nvSpPr>
+          <p:cNvPr id="3" name="Marcador de notas 2"/>
+          <p:cNvSpPr>
+            <a:spLocks noGrp="1"/>
+          </p:cNvSpPr>
+          <p:nvPr>
+            <p:ph type="body" idx="1"/>
+          </p:nvPr>
+        </p:nvSpPr>
+        <p:spPr/>
+        <p:txBody>
+          <a:bodyPr/>
+          <a:lstStyle/>
+          <a:p>
+            <a:endParaRPr lang="es-ES"/>
+          </a:p>
+        </p:txBody>
+      </p:sp>
+      <p:sp>
+        <p:nvSpPr>
+          <p:cNvPr id="4" name="Marcador de número de diapositiva 3"/>
+          <p:cNvSpPr>
+            <a:spLocks noGrp="1"/>
+          </p:cNvSpPr>
+          <p:nvPr>
+            <p:ph type="sldNum" sz="quarter" idx="10"/>
+          </p:nvPr>
+        </p:nvSpPr>
+        <p:spPr/>
+        <p:txBody>
+          <a:bodyPr/>
+          <a:lstStyle/>
+          <a:p>
+            <a:fld id="{1647FEBF-0E9C-4715-A13C-A7158B04A887}" type="slidenum">
+              <a:rPr lang="es-ES"/>
+              <a:t>15</a:t>
+            </a:fld>
+            <a:endParaRPr lang="es-ES"/>
+          </a:p>
+        </p:txBody>
+      </p:sp>
+    </p:spTree>
+    <p:extLst>
+      <p:ext uri="{BB962C8B-B14F-4D97-AF65-F5344CB8AC3E}">
+        <p14:creationId xmlns:p14="http://schemas.microsoft.com/office/powerpoint/2010/main" val="3947201609"/>
       </p:ext>
     </p:extLst>
   </p:cSld>
@@ -1067,9 +1145,8 @@
           <a:bodyPr/>
           <a:lstStyle/>
           <a:p>
-            <a:fld id="{1B79E786-4FD2-4A8F-B83F-9A68148B8C41}" type="slidenum">
+            <a:fld id="{1647FEBF-0E9C-4715-A13C-A7158B04A887}" type="slidenum">
               <a:rPr lang="es-ES"/>
-              <a:pPr/>
               <a:t>2</a:t>
             </a:fld>
             <a:endParaRPr lang="es-ES"/>
@@ -1079,7 +1156,7 @@
     </p:spTree>
     <p:extLst>
       <p:ext uri="{BB962C8B-B14F-4D97-AF65-F5344CB8AC3E}">
-        <p14:creationId xmlns:p14="http://schemas.microsoft.com/office/powerpoint/2010/main" xmlns="" val="827615994"/>
+        <p14:creationId xmlns:p14="http://schemas.microsoft.com/office/powerpoint/2010/main" val="1250422788"/>
       </p:ext>
     </p:extLst>
   </p:cSld>
@@ -1152,9 +1229,8 @@
           <a:bodyPr/>
           <a:lstStyle/>
           <a:p>
-            <a:fld id="{1B79E786-4FD2-4A8F-B83F-9A68148B8C41}" type="slidenum">
+            <a:fld id="{1647FEBF-0E9C-4715-A13C-A7158B04A887}" type="slidenum">
               <a:rPr lang="es-ES"/>
-              <a:pPr/>
               <a:t>3</a:t>
             </a:fld>
             <a:endParaRPr lang="es-ES"/>
@@ -1164,7 +1240,7 @@
     </p:spTree>
     <p:extLst>
       <p:ext uri="{BB962C8B-B14F-4D97-AF65-F5344CB8AC3E}">
-        <p14:creationId xmlns:p14="http://schemas.microsoft.com/office/powerpoint/2010/main" xmlns="" val="331256157"/>
+        <p14:creationId xmlns:p14="http://schemas.microsoft.com/office/powerpoint/2010/main" val="4101105578"/>
       </p:ext>
     </p:extLst>
   </p:cSld>
@@ -1237,9 +1313,8 @@
           <a:bodyPr/>
           <a:lstStyle/>
           <a:p>
-            <a:fld id="{1B79E786-4FD2-4A8F-B83F-9A68148B8C41}" type="slidenum">
+            <a:fld id="{1647FEBF-0E9C-4715-A13C-A7158B04A887}" type="slidenum">
               <a:rPr lang="es-ES"/>
-              <a:pPr/>
               <a:t>4</a:t>
             </a:fld>
             <a:endParaRPr lang="es-ES"/>
@@ -1249,7 +1324,7 @@
     </p:spTree>
     <p:extLst>
       <p:ext uri="{BB962C8B-B14F-4D97-AF65-F5344CB8AC3E}">
-        <p14:creationId xmlns:p14="http://schemas.microsoft.com/office/powerpoint/2010/main" xmlns="" val="791004675"/>
+        <p14:creationId xmlns:p14="http://schemas.microsoft.com/office/powerpoint/2010/main" val="1198359392"/>
       </p:ext>
     </p:extLst>
   </p:cSld>
@@ -1322,9 +1397,8 @@
           <a:bodyPr/>
           <a:lstStyle/>
           <a:p>
-            <a:fld id="{1B79E786-4FD2-4A8F-B83F-9A68148B8C41}" type="slidenum">
+            <a:fld id="{1647FEBF-0E9C-4715-A13C-A7158B04A887}" type="slidenum">
               <a:rPr lang="es-ES"/>
-              <a:pPr/>
               <a:t>5</a:t>
             </a:fld>
             <a:endParaRPr lang="es-ES"/>
@@ -1334,7 +1408,7 @@
     </p:spTree>
     <p:extLst>
       <p:ext uri="{BB962C8B-B14F-4D97-AF65-F5344CB8AC3E}">
-        <p14:creationId xmlns:p14="http://schemas.microsoft.com/office/powerpoint/2010/main" xmlns="" val="3210474303"/>
+        <p14:creationId xmlns:p14="http://schemas.microsoft.com/office/powerpoint/2010/main" val="1892299674"/>
       </p:ext>
     </p:extLst>
   </p:cSld>
@@ -1407,9 +1481,8 @@
           <a:bodyPr/>
           <a:lstStyle/>
           <a:p>
-            <a:fld id="{1B79E786-4FD2-4A8F-B83F-9A68148B8C41}" type="slidenum">
+            <a:fld id="{1647FEBF-0E9C-4715-A13C-A7158B04A887}" type="slidenum">
               <a:rPr lang="es-ES"/>
-              <a:pPr/>
               <a:t>6</a:t>
             </a:fld>
             <a:endParaRPr lang="es-ES"/>
@@ -1419,7 +1492,7 @@
     </p:spTree>
     <p:extLst>
       <p:ext uri="{BB962C8B-B14F-4D97-AF65-F5344CB8AC3E}">
-        <p14:creationId xmlns:p14="http://schemas.microsoft.com/office/powerpoint/2010/main" xmlns="" val="1282391733"/>
+        <p14:creationId xmlns:p14="http://schemas.microsoft.com/office/powerpoint/2010/main" val="3978227645"/>
       </p:ext>
     </p:extLst>
   </p:cSld>
@@ -1492,9 +1565,8 @@
           <a:bodyPr/>
           <a:lstStyle/>
           <a:p>
-            <a:fld id="{1B79E786-4FD2-4A8F-B83F-9A68148B8C41}" type="slidenum">
+            <a:fld id="{1647FEBF-0E9C-4715-A13C-A7158B04A887}" type="slidenum">
               <a:rPr lang="es-ES"/>
-              <a:pPr/>
               <a:t>7</a:t>
             </a:fld>
             <a:endParaRPr lang="es-ES"/>
@@ -1504,7 +1576,7 @@
     </p:spTree>
     <p:extLst>
       <p:ext uri="{BB962C8B-B14F-4D97-AF65-F5344CB8AC3E}">
-        <p14:creationId xmlns:p14="http://schemas.microsoft.com/office/powerpoint/2010/main" xmlns="" val="1182916069"/>
+        <p14:creationId xmlns:p14="http://schemas.microsoft.com/office/powerpoint/2010/main" val="623241201"/>
       </p:ext>
     </p:extLst>
   </p:cSld>
@@ -1577,9 +1649,8 @@
           <a:bodyPr/>
           <a:lstStyle/>
           <a:p>
-            <a:fld id="{1B79E786-4FD2-4A8F-B83F-9A68148B8C41}" type="slidenum">
+            <a:fld id="{1647FEBF-0E9C-4715-A13C-A7158B04A887}" type="slidenum">
               <a:rPr lang="es-ES"/>
-              <a:pPr/>
               <a:t>8</a:t>
             </a:fld>
             <a:endParaRPr lang="es-ES"/>
@@ -1589,7 +1660,7 @@
     </p:spTree>
     <p:extLst>
       <p:ext uri="{BB962C8B-B14F-4D97-AF65-F5344CB8AC3E}">
-        <p14:creationId xmlns:p14="http://schemas.microsoft.com/office/powerpoint/2010/main" xmlns="" val="2720515047"/>
+        <p14:creationId xmlns:p14="http://schemas.microsoft.com/office/powerpoint/2010/main" val="4276958325"/>
       </p:ext>
     </p:extLst>
   </p:cSld>
@@ -1662,10 +1733,9 @@
           <a:bodyPr/>
           <a:lstStyle/>
           <a:p>
-            <a:fld id="{1B79E786-4FD2-4A8F-B83F-9A68148B8C41}" type="slidenum">
+            <a:fld id="{1647FEBF-0E9C-4715-A13C-A7158B04A887}" type="slidenum">
               <a:rPr lang="es-ES"/>
-              <a:pPr/>
-              <a:t>13</a:t>
+              <a:t>9</a:t>
             </a:fld>
             <a:endParaRPr lang="es-ES"/>
           </a:p>
@@ -1674,7 +1744,7 @@
     </p:spTree>
     <p:extLst>
       <p:ext uri="{BB962C8B-B14F-4D97-AF65-F5344CB8AC3E}">
-        <p14:creationId xmlns:p14="http://schemas.microsoft.com/office/powerpoint/2010/main" xmlns="" val="1163859630"/>
+        <p14:creationId xmlns:p14="http://schemas.microsoft.com/office/powerpoint/2010/main" val="2802671452"/>
       </p:ext>
     </p:extLst>
   </p:cSld>
@@ -1685,7 +1755,7 @@
 </file>
 
 <file path=ppt/slideLayouts/slideLayout1.xml><?xml version="1.0" encoding="utf-8"?>
-<p:sldLayout xmlns:a="http://schemas.openxmlformats.org/drawingml/2006/main" xmlns:r="http://schemas.openxmlformats.org/officeDocument/2006/relationships" xmlns:p="http://schemas.openxmlformats.org/presentationml/2006/main" type="title" preserve="1">
+<p:sldLayout xmlns:a="http://schemas.openxmlformats.org/drawingml/2006/main" xmlns:r="http://schemas.openxmlformats.org/officeDocument/2006/relationships" xmlns:p="http://schemas.openxmlformats.org/presentationml/2006/main" showMasterSp="0" type="title" preserve="1">
   <p:cSld name="Diapositiva de título">
     <p:spTree>
       <p:nvGrpSpPr>
@@ -1703,7 +1773,7 @@
       </p:grpSpPr>
       <p:sp>
         <p:nvSpPr>
-          <p:cNvPr id="2" name="1 Título"/>
+          <p:cNvPr id="8" name="7 Título"/>
           <p:cNvSpPr>
             <a:spLocks noGrp="1"/>
           </p:cNvSpPr>
@@ -1713,25 +1783,33 @@
         </p:nvSpPr>
         <p:spPr>
           <a:xfrm>
-            <a:off x="685800" y="2130425"/>
-            <a:ext cx="7772400" cy="1470025"/>
+            <a:off x="1219200" y="3886200"/>
+            <a:ext cx="6858000" cy="990600"/>
           </a:xfrm>
         </p:spPr>
         <p:txBody>
-          <a:bodyPr/>
-          <a:lstStyle/>
-          <a:p>
-            <a:r>
-              <a:rPr lang="es-ES" smtClean="0"/>
+          <a:bodyPr anchor="t" anchorCtr="0"/>
+          <a:lstStyle>
+            <a:lvl1pPr algn="r">
+              <a:defRPr sz="3200">
+                <a:solidFill>
+                  <a:schemeClr val="tx1"/>
+                </a:solidFill>
+              </a:defRPr>
+            </a:lvl1pPr>
+          </a:lstStyle>
+          <a:p>
+            <a:r>
+              <a:rPr kumimoji="0" lang="es-ES" smtClean="0"/>
               <a:t>Haga clic para modificar el estilo de título del patrón</a:t>
             </a:r>
-            <a:endParaRPr lang="es-CO"/>
-          </a:p>
-        </p:txBody>
-      </p:sp>
-      <p:sp>
-        <p:nvSpPr>
-          <p:cNvPr id="3" name="2 Subtítulo"/>
+            <a:endParaRPr kumimoji="0" lang="en-US"/>
+          </a:p>
+        </p:txBody>
+      </p:sp>
+      <p:sp>
+        <p:nvSpPr>
+          <p:cNvPr id="9" name="8 Subtítulo"/>
           <p:cNvSpPr>
             <a:spLocks noGrp="1"/>
           </p:cNvSpPr>
@@ -1741,116 +1819,61 @@
         </p:nvSpPr>
         <p:spPr>
           <a:xfrm>
-            <a:off x="1371600" y="3886200"/>
-            <a:ext cx="6400800" cy="1752600"/>
+            <a:off x="1219200" y="5124450"/>
+            <a:ext cx="6858000" cy="533400"/>
           </a:xfrm>
         </p:spPr>
         <p:txBody>
           <a:bodyPr/>
           <a:lstStyle>
-            <a:lvl1pPr marL="0" indent="0" algn="ctr">
+            <a:lvl1pPr marL="0" indent="0" algn="r">
               <a:buNone/>
-              <a:defRPr>
+              <a:defRPr sz="2000">
                 <a:solidFill>
-                  <a:schemeClr val="tx1">
-                    <a:tint val="75000"/>
-                  </a:schemeClr>
+                  <a:schemeClr val="tx2"/>
                 </a:solidFill>
+                <a:latin typeface="+mj-lt"/>
+                <a:ea typeface="+mj-ea"/>
+                <a:cs typeface="+mj-cs"/>
               </a:defRPr>
             </a:lvl1pPr>
             <a:lvl2pPr marL="457200" indent="0" algn="ctr">
               <a:buNone/>
-              <a:defRPr>
-                <a:solidFill>
-                  <a:schemeClr val="tx1">
-                    <a:tint val="75000"/>
-                  </a:schemeClr>
-                </a:solidFill>
-              </a:defRPr>
             </a:lvl2pPr>
             <a:lvl3pPr marL="914400" indent="0" algn="ctr">
               <a:buNone/>
-              <a:defRPr>
-                <a:solidFill>
-                  <a:schemeClr val="tx1">
-                    <a:tint val="75000"/>
-                  </a:schemeClr>
-                </a:solidFill>
-              </a:defRPr>
             </a:lvl3pPr>
             <a:lvl4pPr marL="1371600" indent="0" algn="ctr">
               <a:buNone/>
-              <a:defRPr>
-                <a:solidFill>
-                  <a:schemeClr val="tx1">
-                    <a:tint val="75000"/>
-                  </a:schemeClr>
-                </a:solidFill>
-              </a:defRPr>
             </a:lvl4pPr>
             <a:lvl5pPr marL="1828800" indent="0" algn="ctr">
               <a:buNone/>
-              <a:defRPr>
-                <a:solidFill>
-                  <a:schemeClr val="tx1">
-                    <a:tint val="75000"/>
-                  </a:schemeClr>
-                </a:solidFill>
-              </a:defRPr>
             </a:lvl5pPr>
             <a:lvl6pPr marL="2286000" indent="0" algn="ctr">
               <a:buNone/>
-              <a:defRPr>
-                <a:solidFill>
-                  <a:schemeClr val="tx1">
-                    <a:tint val="75000"/>
-                  </a:schemeClr>
-                </a:solidFill>
-              </a:defRPr>
             </a:lvl6pPr>
             <a:lvl7pPr marL="2743200" indent="0" algn="ctr">
               <a:buNone/>
-              <a:defRPr>
-                <a:solidFill>
-                  <a:schemeClr val="tx1">
-                    <a:tint val="75000"/>
-                  </a:schemeClr>
-                </a:solidFill>
-              </a:defRPr>
             </a:lvl7pPr>
             <a:lvl8pPr marL="3200400" indent="0" algn="ctr">
               <a:buNone/>
-              <a:defRPr>
-                <a:solidFill>
-                  <a:schemeClr val="tx1">
-                    <a:tint val="75000"/>
-                  </a:schemeClr>
-                </a:solidFill>
-              </a:defRPr>
             </a:lvl8pPr>
             <a:lvl9pPr marL="3657600" indent="0" algn="ctr">
               <a:buNone/>
-              <a:defRPr>
-                <a:solidFill>
-                  <a:schemeClr val="tx1">
-                    <a:tint val="75000"/>
-                  </a:schemeClr>
-                </a:solidFill>
-              </a:defRPr>
             </a:lvl9pPr>
           </a:lstStyle>
           <a:p>
             <a:r>
-              <a:rPr lang="es-ES" smtClean="0"/>
+              <a:rPr kumimoji="0" lang="es-ES" smtClean="0"/>
               <a:t>Haga clic para modificar el estilo de subtítulo del patrón</a:t>
             </a:r>
-            <a:endParaRPr lang="es-CO"/>
-          </a:p>
-        </p:txBody>
-      </p:sp>
-      <p:sp>
-        <p:nvSpPr>
-          <p:cNvPr id="4" name="3 Marcador de fecha"/>
+            <a:endParaRPr kumimoji="0" lang="en-US"/>
+          </a:p>
+        </p:txBody>
+      </p:sp>
+      <p:sp>
+        <p:nvSpPr>
+          <p:cNvPr id="28" name="27 Marcador de fecha"/>
           <p:cNvSpPr>
             <a:spLocks noGrp="1"/>
           </p:cNvSpPr>
@@ -1858,15 +1881,23 @@
             <p:ph type="dt" sz="half" idx="10"/>
           </p:nvPr>
         </p:nvSpPr>
-        <p:spPr/>
-        <p:txBody>
-          <a:bodyPr/>
-          <a:lstStyle/>
+        <p:spPr>
+          <a:xfrm>
+            <a:off x="6400800" y="6355080"/>
+            <a:ext cx="2286000" cy="365760"/>
+          </a:xfrm>
+        </p:spPr>
+        <p:txBody>
+          <a:bodyPr/>
+          <a:lstStyle>
+            <a:lvl1pPr>
+              <a:defRPr sz="1400"/>
+            </a:lvl1pPr>
+          </a:lstStyle>
           <a:p>
             <a:fld id="{2C60F05F-D2FA-4626-9515-3950F186493E}" type="datetimeFigureOut">
               <a:rPr lang="es-CO" smtClean="0"/>
-              <a:pPr/>
-              <a:t>18/03/2013</a:t>
+              <a:t>20/03/2013</a:t>
             </a:fld>
             <a:endParaRPr lang="es-CO"/>
           </a:p>
@@ -1874,7 +1905,7 @@
       </p:sp>
       <p:sp>
         <p:nvSpPr>
-          <p:cNvPr id="5" name="4 Marcador de pie de página"/>
+          <p:cNvPr id="17" name="16 Marcador de pie de página"/>
           <p:cNvSpPr>
             <a:spLocks noGrp="1"/>
           </p:cNvSpPr>
@@ -1882,7 +1913,12 @@
             <p:ph type="ftr" sz="quarter" idx="11"/>
           </p:nvPr>
         </p:nvSpPr>
-        <p:spPr/>
+        <p:spPr>
+          <a:xfrm>
+            <a:off x="2898648" y="6355080"/>
+            <a:ext cx="3474720" cy="365760"/>
+          </a:xfrm>
+        </p:spPr>
         <p:txBody>
           <a:bodyPr/>
           <a:lstStyle/>
@@ -1893,7 +1929,7 @@
       </p:sp>
       <p:sp>
         <p:nvSpPr>
-          <p:cNvPr id="6" name="5 Marcador de número de diapositiva"/>
+          <p:cNvPr id="29" name="28 Marcador de número de diapositiva"/>
           <p:cNvSpPr>
             <a:spLocks noGrp="1"/>
           </p:cNvSpPr>
@@ -1901,17 +1937,205 @@
             <p:ph type="sldNum" sz="quarter" idx="12"/>
           </p:nvPr>
         </p:nvSpPr>
-        <p:spPr/>
+        <p:spPr>
+          <a:xfrm>
+            <a:off x="1216152" y="6355080"/>
+            <a:ext cx="1219200" cy="365760"/>
+          </a:xfrm>
+        </p:spPr>
         <p:txBody>
           <a:bodyPr/>
           <a:lstStyle/>
           <a:p>
             <a:fld id="{C6BFD629-12FF-45EB-8C4B-ED282B76E97E}" type="slidenum">
               <a:rPr lang="es-CO" smtClean="0"/>
-              <a:pPr/>
               <a:t>‹Nº›</a:t>
             </a:fld>
             <a:endParaRPr lang="es-CO"/>
+          </a:p>
+        </p:txBody>
+      </p:sp>
+      <p:sp>
+        <p:nvSpPr>
+          <p:cNvPr id="21" name="20 Rectángulo"/>
+          <p:cNvSpPr/>
+          <p:nvPr/>
+        </p:nvSpPr>
+        <p:spPr>
+          <a:xfrm>
+            <a:off x="904875" y="3648075"/>
+            <a:ext cx="7315200" cy="1280160"/>
+          </a:xfrm>
+          <a:prstGeom prst="rect">
+            <a:avLst/>
+          </a:prstGeom>
+          <a:noFill/>
+          <a:ln w="6350" cap="rnd" cmpd="sng" algn="ctr">
+            <a:solidFill>
+              <a:schemeClr val="accent1"/>
+            </a:solidFill>
+            <a:prstDash val="solid"/>
+          </a:ln>
+          <a:effectLst/>
+        </p:spPr>
+        <p:style>
+          <a:lnRef idx="3">
+            <a:schemeClr val="lt1"/>
+          </a:lnRef>
+          <a:fillRef idx="1">
+            <a:schemeClr val="accent1"/>
+          </a:fillRef>
+          <a:effectRef idx="1">
+            <a:schemeClr val="accent1"/>
+          </a:effectRef>
+          <a:fontRef idx="minor">
+            <a:schemeClr val="lt1"/>
+          </a:fontRef>
+        </p:style>
+        <p:txBody>
+          <a:bodyPr anchor="ctr"/>
+          <a:lstStyle/>
+          <a:p>
+            <a:pPr algn="ctr" eaLnBrk="1" latinLnBrk="0" hangingPunct="1"/>
+            <a:endParaRPr kumimoji="0" lang="en-US"/>
+          </a:p>
+        </p:txBody>
+      </p:sp>
+      <p:sp>
+        <p:nvSpPr>
+          <p:cNvPr id="33" name="32 Rectángulo"/>
+          <p:cNvSpPr/>
+          <p:nvPr/>
+        </p:nvSpPr>
+        <p:spPr>
+          <a:xfrm>
+            <a:off x="914400" y="5048250"/>
+            <a:ext cx="7315200" cy="685800"/>
+          </a:xfrm>
+          <a:prstGeom prst="rect">
+            <a:avLst/>
+          </a:prstGeom>
+          <a:noFill/>
+          <a:ln w="6350" cap="rnd" cmpd="sng" algn="ctr">
+            <a:solidFill>
+              <a:schemeClr val="accent2"/>
+            </a:solidFill>
+            <a:prstDash val="solid"/>
+          </a:ln>
+          <a:effectLst/>
+        </p:spPr>
+        <p:style>
+          <a:lnRef idx="3">
+            <a:schemeClr val="lt1"/>
+          </a:lnRef>
+          <a:fillRef idx="1">
+            <a:schemeClr val="accent1"/>
+          </a:fillRef>
+          <a:effectRef idx="1">
+            <a:schemeClr val="accent1"/>
+          </a:effectRef>
+          <a:fontRef idx="minor">
+            <a:schemeClr val="lt1"/>
+          </a:fontRef>
+        </p:style>
+        <p:txBody>
+          <a:bodyPr anchor="ctr"/>
+          <a:lstStyle/>
+          <a:p>
+            <a:pPr algn="ctr" eaLnBrk="1" latinLnBrk="0" hangingPunct="1"/>
+            <a:endParaRPr kumimoji="0" lang="en-US"/>
+          </a:p>
+        </p:txBody>
+      </p:sp>
+      <p:sp>
+        <p:nvSpPr>
+          <p:cNvPr id="22" name="21 Rectángulo"/>
+          <p:cNvSpPr/>
+          <p:nvPr/>
+        </p:nvSpPr>
+        <p:spPr>
+          <a:xfrm>
+            <a:off x="904875" y="3648075"/>
+            <a:ext cx="228600" cy="1280160"/>
+          </a:xfrm>
+          <a:prstGeom prst="rect">
+            <a:avLst/>
+          </a:prstGeom>
+          <a:solidFill>
+            <a:schemeClr val="accent1"/>
+          </a:solidFill>
+          <a:ln w="6350" cap="rnd" cmpd="sng" algn="ctr">
+            <a:noFill/>
+            <a:prstDash val="solid"/>
+          </a:ln>
+          <a:effectLst/>
+        </p:spPr>
+        <p:style>
+          <a:lnRef idx="3">
+            <a:schemeClr val="lt1"/>
+          </a:lnRef>
+          <a:fillRef idx="1">
+            <a:schemeClr val="accent1"/>
+          </a:fillRef>
+          <a:effectRef idx="1">
+            <a:schemeClr val="accent1"/>
+          </a:effectRef>
+          <a:fontRef idx="minor">
+            <a:schemeClr val="lt1"/>
+          </a:fontRef>
+        </p:style>
+        <p:txBody>
+          <a:bodyPr anchor="ctr"/>
+          <a:lstStyle/>
+          <a:p>
+            <a:pPr algn="ctr" eaLnBrk="1" latinLnBrk="0" hangingPunct="1"/>
+            <a:endParaRPr kumimoji="0" lang="en-US"/>
+          </a:p>
+        </p:txBody>
+      </p:sp>
+      <p:sp>
+        <p:nvSpPr>
+          <p:cNvPr id="32" name="31 Rectángulo"/>
+          <p:cNvSpPr/>
+          <p:nvPr/>
+        </p:nvSpPr>
+        <p:spPr>
+          <a:xfrm>
+            <a:off x="914400" y="5048250"/>
+            <a:ext cx="228600" cy="685800"/>
+          </a:xfrm>
+          <a:prstGeom prst="rect">
+            <a:avLst/>
+          </a:prstGeom>
+          <a:solidFill>
+            <a:schemeClr val="accent2"/>
+          </a:solidFill>
+          <a:ln w="6350" cap="rnd" cmpd="sng" algn="ctr">
+            <a:noFill/>
+            <a:prstDash val="solid"/>
+          </a:ln>
+          <a:effectLst/>
+        </p:spPr>
+        <p:style>
+          <a:lnRef idx="3">
+            <a:schemeClr val="lt1"/>
+          </a:lnRef>
+          <a:fillRef idx="1">
+            <a:schemeClr val="accent1"/>
+          </a:fillRef>
+          <a:effectRef idx="1">
+            <a:schemeClr val="accent1"/>
+          </a:effectRef>
+          <a:fontRef idx="minor">
+            <a:schemeClr val="lt1"/>
+          </a:fontRef>
+        </p:style>
+        <p:txBody>
+          <a:bodyPr anchor="ctr"/>
+          <a:lstStyle/>
+          <a:p>
+            <a:pPr algn="ctr" eaLnBrk="1" latinLnBrk="0" hangingPunct="1"/>
+            <a:endParaRPr kumimoji="0" lang="en-US"/>
           </a:p>
         </p:txBody>
       </p:sp>
@@ -1956,10 +2180,10 @@
           <a:lstStyle/>
           <a:p>
             <a:r>
-              <a:rPr lang="es-ES" smtClean="0"/>
+              <a:rPr kumimoji="0" lang="es-ES" smtClean="0"/>
               <a:t>Haga clic para modificar el estilo de título del patrón</a:t>
             </a:r>
-            <a:endParaRPr lang="es-CO"/>
+            <a:endParaRPr kumimoji="0" lang="en-US"/>
           </a:p>
         </p:txBody>
       </p:sp>
@@ -1978,40 +2202,40 @@
           <a:bodyPr vert="eaVert"/>
           <a:lstStyle/>
           <a:p>
-            <a:pPr lvl="0"/>
+            <a:pPr lvl="0" eaLnBrk="1" latinLnBrk="0" hangingPunct="1"/>
             <a:r>
               <a:rPr lang="es-ES" smtClean="0"/>
               <a:t>Haga clic para modificar el estilo de texto del patrón</a:t>
             </a:r>
           </a:p>
           <a:p>
-            <a:pPr lvl="1"/>
+            <a:pPr lvl="1" eaLnBrk="1" latinLnBrk="0" hangingPunct="1"/>
             <a:r>
               <a:rPr lang="es-ES" smtClean="0"/>
               <a:t>Segundo nivel</a:t>
             </a:r>
           </a:p>
           <a:p>
-            <a:pPr lvl="2"/>
+            <a:pPr lvl="2" eaLnBrk="1" latinLnBrk="0" hangingPunct="1"/>
             <a:r>
               <a:rPr lang="es-ES" smtClean="0"/>
               <a:t>Tercer nivel</a:t>
             </a:r>
           </a:p>
           <a:p>
-            <a:pPr lvl="3"/>
+            <a:pPr lvl="3" eaLnBrk="1" latinLnBrk="0" hangingPunct="1"/>
             <a:r>
               <a:rPr lang="es-ES" smtClean="0"/>
               <a:t>Cuarto nivel</a:t>
             </a:r>
           </a:p>
           <a:p>
-            <a:pPr lvl="4"/>
+            <a:pPr lvl="4" eaLnBrk="1" latinLnBrk="0" hangingPunct="1"/>
             <a:r>
               <a:rPr lang="es-ES" smtClean="0"/>
               <a:t>Quinto nivel</a:t>
             </a:r>
-            <a:endParaRPr lang="es-CO"/>
+            <a:endParaRPr kumimoji="0" lang="en-US"/>
           </a:p>
         </p:txBody>
       </p:sp>
@@ -2032,8 +2256,7 @@
           <a:p>
             <a:fld id="{2C60F05F-D2FA-4626-9515-3950F186493E}" type="datetimeFigureOut">
               <a:rPr lang="es-CO" smtClean="0"/>
-              <a:pPr/>
-              <a:t>18/03/2013</a:t>
+              <a:t>20/03/2013</a:t>
             </a:fld>
             <a:endParaRPr lang="es-CO"/>
           </a:p>
@@ -2075,7 +2298,6 @@
           <a:p>
             <a:fld id="{C6BFD629-12FF-45EB-8C4B-ED282B76E97E}" type="slidenum">
               <a:rPr lang="es-CO" smtClean="0"/>
-              <a:pPr/>
               <a:t>‹Nº›</a:t>
             </a:fld>
             <a:endParaRPr lang="es-CO"/>
@@ -2091,7 +2313,7 @@
 </file>
 
 <file path=ppt/slideLayouts/slideLayout11.xml><?xml version="1.0" encoding="utf-8"?>
-<p:sldLayout xmlns:a="http://schemas.openxmlformats.org/drawingml/2006/main" xmlns:r="http://schemas.openxmlformats.org/officeDocument/2006/relationships" xmlns:p="http://schemas.openxmlformats.org/presentationml/2006/main" type="vertTitleAndTx" preserve="1">
+<p:sldLayout xmlns:a="http://schemas.openxmlformats.org/drawingml/2006/main" xmlns:r="http://schemas.openxmlformats.org/officeDocument/2006/relationships" xmlns:p="http://schemas.openxmlformats.org/presentationml/2006/main" showMasterSp="0" type="vertTitleAndTx" preserve="1">
   <p:cSld name="Título vertical y texto">
     <p:spTree>
       <p:nvGrpSpPr>
@@ -2128,10 +2350,10 @@
           <a:lstStyle/>
           <a:p>
             <a:r>
-              <a:rPr lang="es-ES" smtClean="0"/>
+              <a:rPr kumimoji="0" lang="es-ES" smtClean="0"/>
               <a:t>Haga clic para modificar el estilo de título del patrón</a:t>
             </a:r>
-            <a:endParaRPr lang="es-CO"/>
+            <a:endParaRPr kumimoji="0" lang="en-US"/>
           </a:p>
         </p:txBody>
       </p:sp>
@@ -2155,40 +2377,40 @@
           <a:bodyPr vert="eaVert"/>
           <a:lstStyle/>
           <a:p>
-            <a:pPr lvl="0"/>
+            <a:pPr lvl="0" eaLnBrk="1" latinLnBrk="0" hangingPunct="1"/>
             <a:r>
               <a:rPr lang="es-ES" smtClean="0"/>
               <a:t>Haga clic para modificar el estilo de texto del patrón</a:t>
             </a:r>
           </a:p>
           <a:p>
-            <a:pPr lvl="1"/>
+            <a:pPr lvl="1" eaLnBrk="1" latinLnBrk="0" hangingPunct="1"/>
             <a:r>
               <a:rPr lang="es-ES" smtClean="0"/>
               <a:t>Segundo nivel</a:t>
             </a:r>
           </a:p>
           <a:p>
-            <a:pPr lvl="2"/>
+            <a:pPr lvl="2" eaLnBrk="1" latinLnBrk="0" hangingPunct="1"/>
             <a:r>
               <a:rPr lang="es-ES" smtClean="0"/>
               <a:t>Tercer nivel</a:t>
             </a:r>
           </a:p>
           <a:p>
-            <a:pPr lvl="3"/>
+            <a:pPr lvl="3" eaLnBrk="1" latinLnBrk="0" hangingPunct="1"/>
             <a:r>
               <a:rPr lang="es-ES" smtClean="0"/>
               <a:t>Cuarto nivel</a:t>
             </a:r>
           </a:p>
           <a:p>
-            <a:pPr lvl="4"/>
+            <a:pPr lvl="4" eaLnBrk="1" latinLnBrk="0" hangingPunct="1"/>
             <a:r>
               <a:rPr lang="es-ES" smtClean="0"/>
               <a:t>Quinto nivel</a:t>
             </a:r>
-            <a:endParaRPr lang="es-CO"/>
+            <a:endParaRPr kumimoji="0" lang="en-US"/>
           </a:p>
         </p:txBody>
       </p:sp>
@@ -2209,8 +2431,7 @@
           <a:p>
             <a:fld id="{2C60F05F-D2FA-4626-9515-3950F186493E}" type="datetimeFigureOut">
               <a:rPr lang="es-CO" smtClean="0"/>
-              <a:pPr/>
-              <a:t>18/03/2013</a:t>
+              <a:t>20/03/2013</a:t>
             </a:fld>
             <a:endParaRPr lang="es-CO"/>
           </a:p>
@@ -2252,10 +2473,131 @@
           <a:p>
             <a:fld id="{C6BFD629-12FF-45EB-8C4B-ED282B76E97E}" type="slidenum">
               <a:rPr lang="es-CO" smtClean="0"/>
-              <a:pPr/>
               <a:t>‹Nº›</a:t>
             </a:fld>
             <a:endParaRPr lang="es-CO"/>
+          </a:p>
+        </p:txBody>
+      </p:sp>
+      <p:sp>
+        <p:nvSpPr>
+          <p:cNvPr id="7" name="6 Conector recto"/>
+          <p:cNvSpPr>
+            <a:spLocks noChangeShapeType="1"/>
+          </p:cNvSpPr>
+          <p:nvPr/>
+        </p:nvSpPr>
+        <p:spPr bwMode="auto">
+          <a:xfrm>
+            <a:off x="457200" y="6353175"/>
+            <a:ext cx="8229600" cy="0"/>
+          </a:xfrm>
+          <a:prstGeom prst="line">
+            <a:avLst/>
+          </a:prstGeom>
+          <a:noFill/>
+          <a:ln w="9525" cap="flat" cmpd="sng" algn="ctr">
+            <a:solidFill>
+              <a:schemeClr val="accent2"/>
+            </a:solidFill>
+            <a:prstDash val="dash"/>
+            <a:round/>
+            <a:headEnd type="none" w="med" len="med"/>
+            <a:tailEnd type="none" w="med" len="med"/>
+          </a:ln>
+          <a:effectLst/>
+        </p:spPr>
+        <p:txBody>
+          <a:bodyPr vert="horz" wrap="square" lIns="91440" tIns="45720" rIns="91440" bIns="45720" anchor="t" compatLnSpc="1"/>
+          <a:lstStyle/>
+          <a:p>
+            <a:endParaRPr kumimoji="0" lang="en-US"/>
+          </a:p>
+        </p:txBody>
+      </p:sp>
+      <p:sp>
+        <p:nvSpPr>
+          <p:cNvPr id="8" name="7 Triángulo isósceles"/>
+          <p:cNvSpPr>
+            <a:spLocks noChangeAspect="1"/>
+          </p:cNvSpPr>
+          <p:nvPr/>
+        </p:nvSpPr>
+        <p:spPr>
+          <a:xfrm rot="5400000">
+            <a:off x="419100" y="6467475"/>
+            <a:ext cx="190849" cy="120314"/>
+          </a:xfrm>
+          <a:prstGeom prst="triangle">
+            <a:avLst>
+              <a:gd name="adj" fmla="val 50000"/>
+            </a:avLst>
+          </a:prstGeom>
+          <a:solidFill>
+            <a:schemeClr val="accent2"/>
+          </a:solidFill>
+          <a:ln w="25400" cap="rnd" cmpd="sng" algn="ctr">
+            <a:noFill/>
+            <a:prstDash val="solid"/>
+          </a:ln>
+          <a:effectLst/>
+        </p:spPr>
+        <p:style>
+          <a:lnRef idx="3">
+            <a:schemeClr val="lt1"/>
+          </a:lnRef>
+          <a:fillRef idx="1">
+            <a:schemeClr val="accent1"/>
+          </a:fillRef>
+          <a:effectRef idx="1">
+            <a:schemeClr val="accent1"/>
+          </a:effectRef>
+          <a:fontRef idx="minor">
+            <a:schemeClr val="lt1"/>
+          </a:fontRef>
+        </p:style>
+        <p:txBody>
+          <a:bodyPr anchor="ctr"/>
+          <a:lstStyle/>
+          <a:p>
+            <a:pPr algn="ctr" eaLnBrk="1" latinLnBrk="0" hangingPunct="1"/>
+            <a:endParaRPr kumimoji="0" lang="en-US"/>
+          </a:p>
+        </p:txBody>
+      </p:sp>
+      <p:sp>
+        <p:nvSpPr>
+          <p:cNvPr id="9" name="8 Conector recto"/>
+          <p:cNvSpPr>
+            <a:spLocks noChangeShapeType="1"/>
+          </p:cNvSpPr>
+          <p:nvPr/>
+        </p:nvSpPr>
+        <p:spPr bwMode="auto">
+          <a:xfrm rot="5400000">
+            <a:off x="3629607" y="3201952"/>
+            <a:ext cx="5852160" cy="0"/>
+          </a:xfrm>
+          <a:prstGeom prst="line">
+            <a:avLst/>
+          </a:prstGeom>
+          <a:noFill/>
+          <a:ln w="9525" cap="flat" cmpd="sng" algn="ctr">
+            <a:solidFill>
+              <a:schemeClr val="accent2"/>
+            </a:solidFill>
+            <a:prstDash val="dash"/>
+            <a:round/>
+            <a:headEnd type="none" w="med" len="med"/>
+            <a:tailEnd type="none" w="med" len="med"/>
+          </a:ln>
+          <a:effectLst/>
+        </p:spPr>
+        <p:txBody>
+          <a:bodyPr vert="horz" wrap="square" lIns="91440" tIns="45720" rIns="91440" bIns="45720" anchor="t" compatLnSpc="1"/>
+          <a:lstStyle/>
+          <a:p>
+            <a:endParaRPr kumimoji="0" lang="en-US"/>
           </a:p>
         </p:txBody>
       </p:sp>
@@ -2300,62 +2642,10 @@
           <a:lstStyle/>
           <a:p>
             <a:r>
-              <a:rPr lang="es-ES" smtClean="0"/>
+              <a:rPr kumimoji="0" lang="es-ES" smtClean="0"/>
               <a:t>Haga clic para modificar el estilo de título del patrón</a:t>
             </a:r>
-            <a:endParaRPr lang="es-CO"/>
-          </a:p>
-        </p:txBody>
-      </p:sp>
-      <p:sp>
-        <p:nvSpPr>
-          <p:cNvPr id="3" name="2 Marcador de contenido"/>
-          <p:cNvSpPr>
-            <a:spLocks noGrp="1"/>
-          </p:cNvSpPr>
-          <p:nvPr>
-            <p:ph idx="1"/>
-          </p:nvPr>
-        </p:nvSpPr>
-        <p:spPr/>
-        <p:txBody>
-          <a:bodyPr/>
-          <a:lstStyle/>
-          <a:p>
-            <a:pPr lvl="0"/>
-            <a:r>
-              <a:rPr lang="es-ES" smtClean="0"/>
-              <a:t>Haga clic para modificar el estilo de texto del patrón</a:t>
-            </a:r>
-          </a:p>
-          <a:p>
-            <a:pPr lvl="1"/>
-            <a:r>
-              <a:rPr lang="es-ES" smtClean="0"/>
-              <a:t>Segundo nivel</a:t>
-            </a:r>
-          </a:p>
-          <a:p>
-            <a:pPr lvl="2"/>
-            <a:r>
-              <a:rPr lang="es-ES" smtClean="0"/>
-              <a:t>Tercer nivel</a:t>
-            </a:r>
-          </a:p>
-          <a:p>
-            <a:pPr lvl="3"/>
-            <a:r>
-              <a:rPr lang="es-ES" smtClean="0"/>
-              <a:t>Cuarto nivel</a:t>
-            </a:r>
-          </a:p>
-          <a:p>
-            <a:pPr lvl="4"/>
-            <a:r>
-              <a:rPr lang="es-ES" smtClean="0"/>
-              <a:t>Quinto nivel</a:t>
-            </a:r>
-            <a:endParaRPr lang="es-CO"/>
+            <a:endParaRPr kumimoji="0" lang="en-US"/>
           </a:p>
         </p:txBody>
       </p:sp>
@@ -2376,8 +2666,7 @@
           <a:p>
             <a:fld id="{2C60F05F-D2FA-4626-9515-3950F186493E}" type="datetimeFigureOut">
               <a:rPr lang="es-CO" smtClean="0"/>
-              <a:pPr/>
-              <a:t>18/03/2013</a:t>
+              <a:t>20/03/2013</a:t>
             </a:fld>
             <a:endParaRPr lang="es-CO"/>
           </a:p>
@@ -2419,10 +2708,66 @@
           <a:p>
             <a:fld id="{C6BFD629-12FF-45EB-8C4B-ED282B76E97E}" type="slidenum">
               <a:rPr lang="es-CO" smtClean="0"/>
-              <a:pPr/>
               <a:t>‹Nº›</a:t>
             </a:fld>
             <a:endParaRPr lang="es-CO"/>
+          </a:p>
+        </p:txBody>
+      </p:sp>
+      <p:sp>
+        <p:nvSpPr>
+          <p:cNvPr id="8" name="7 Marcador de contenido"/>
+          <p:cNvSpPr>
+            <a:spLocks noGrp="1"/>
+          </p:cNvSpPr>
+          <p:nvPr>
+            <p:ph sz="quarter" idx="1"/>
+          </p:nvPr>
+        </p:nvSpPr>
+        <p:spPr>
+          <a:xfrm>
+            <a:off x="457200" y="1219200"/>
+            <a:ext cx="8229600" cy="4937760"/>
+          </a:xfrm>
+        </p:spPr>
+        <p:txBody>
+          <a:bodyPr/>
+          <a:lstStyle/>
+          <a:p>
+            <a:pPr lvl="0" eaLnBrk="1" latinLnBrk="0" hangingPunct="1"/>
+            <a:r>
+              <a:rPr lang="es-ES" smtClean="0"/>
+              <a:t>Haga clic para modificar el estilo de texto del patrón</a:t>
+            </a:r>
+          </a:p>
+          <a:p>
+            <a:pPr lvl="1" eaLnBrk="1" latinLnBrk="0" hangingPunct="1"/>
+            <a:r>
+              <a:rPr lang="es-ES" smtClean="0"/>
+              <a:t>Segundo nivel</a:t>
+            </a:r>
+          </a:p>
+          <a:p>
+            <a:pPr lvl="2" eaLnBrk="1" latinLnBrk="0" hangingPunct="1"/>
+            <a:r>
+              <a:rPr lang="es-ES" smtClean="0"/>
+              <a:t>Tercer nivel</a:t>
+            </a:r>
+          </a:p>
+          <a:p>
+            <a:pPr lvl="3" eaLnBrk="1" latinLnBrk="0" hangingPunct="1"/>
+            <a:r>
+              <a:rPr lang="es-ES" smtClean="0"/>
+              <a:t>Cuarto nivel</a:t>
+            </a:r>
+          </a:p>
+          <a:p>
+            <a:pPr lvl="4" eaLnBrk="1" latinLnBrk="0" hangingPunct="1"/>
+            <a:r>
+              <a:rPr lang="es-ES" smtClean="0"/>
+              <a:t>Quinto nivel</a:t>
+            </a:r>
+            <a:endParaRPr kumimoji="0" lang="en-US"/>
           </a:p>
         </p:txBody>
       </p:sp>
@@ -2435,8 +2780,13 @@
 </file>
 
 <file path=ppt/slideLayouts/slideLayout3.xml><?xml version="1.0" encoding="utf-8"?>
-<p:sldLayout xmlns:a="http://schemas.openxmlformats.org/drawingml/2006/main" xmlns:r="http://schemas.openxmlformats.org/officeDocument/2006/relationships" xmlns:p="http://schemas.openxmlformats.org/presentationml/2006/main" type="secHead" preserve="1">
+<p:sldLayout xmlns:a="http://schemas.openxmlformats.org/drawingml/2006/main" xmlns:r="http://schemas.openxmlformats.org/officeDocument/2006/relationships" xmlns:p="http://schemas.openxmlformats.org/presentationml/2006/main" showMasterSp="0" type="secHead" preserve="1">
   <p:cSld name="Encabezado de sección">
+    <p:bg>
+      <p:bgRef idx="1001">
+        <a:schemeClr val="bg2"/>
+      </p:bgRef>
+    </p:bg>
     <p:spTree>
       <p:nvGrpSpPr>
         <p:cNvPr id="1" name=""/>
@@ -2463,23 +2813,24 @@
         </p:nvSpPr>
         <p:spPr>
           <a:xfrm>
-            <a:off x="722313" y="4406900"/>
-            <a:ext cx="7772400" cy="1362075"/>
+            <a:off x="1219200" y="2971800"/>
+            <a:ext cx="6858000" cy="1066800"/>
           </a:xfrm>
         </p:spPr>
         <p:txBody>
-          <a:bodyPr anchor="t"/>
+          <a:bodyPr anchor="t" anchorCtr="0"/>
           <a:lstStyle>
-            <a:lvl1pPr algn="l">
-              <a:defRPr sz="4000" b="1" cap="all"/>
+            <a:lvl1pPr algn="r">
+              <a:buNone/>
+              <a:defRPr sz="3200" b="0" cap="none" baseline="0"/>
             </a:lvl1pPr>
           </a:lstStyle>
           <a:p>
             <a:r>
-              <a:rPr lang="es-ES" smtClean="0"/>
+              <a:rPr kumimoji="0" lang="es-ES" smtClean="0"/>
               <a:t>Haga clic para modificar el estilo de título del patrón</a:t>
             </a:r>
-            <a:endParaRPr lang="es-CO"/>
+            <a:endParaRPr kumimoji="0" lang="en-US"/>
           </a:p>
         </p:txBody>
       </p:sp>
@@ -2495,14 +2846,14 @@
         </p:nvSpPr>
         <p:spPr>
           <a:xfrm>
-            <a:off x="722313" y="2906713"/>
-            <a:ext cx="7772400" cy="1500187"/>
+            <a:off x="1295400" y="4267200"/>
+            <a:ext cx="6781800" cy="1143000"/>
           </a:xfrm>
         </p:spPr>
         <p:txBody>
-          <a:bodyPr anchor="b"/>
+          <a:bodyPr anchor="t" anchorCtr="0"/>
           <a:lstStyle>
-            <a:lvl1pPr marL="0" indent="0">
+            <a:lvl1pPr marL="0" indent="0" algn="r">
               <a:buNone/>
               <a:defRPr sz="2000">
                 <a:solidFill>
@@ -2512,7 +2863,7 @@
                 </a:solidFill>
               </a:defRPr>
             </a:lvl1pPr>
-            <a:lvl2pPr marL="457200" indent="0">
+            <a:lvl2pPr>
               <a:buNone/>
               <a:defRPr sz="1800">
                 <a:solidFill>
@@ -2522,7 +2873,7 @@
                 </a:solidFill>
               </a:defRPr>
             </a:lvl2pPr>
-            <a:lvl3pPr marL="914400" indent="0">
+            <a:lvl3pPr>
               <a:buNone/>
               <a:defRPr sz="1600">
                 <a:solidFill>
@@ -2532,7 +2883,7 @@
                 </a:solidFill>
               </a:defRPr>
             </a:lvl3pPr>
-            <a:lvl4pPr marL="1371600" indent="0">
+            <a:lvl4pPr>
               <a:buNone/>
               <a:defRPr sz="1400">
                 <a:solidFill>
@@ -2542,7 +2893,7 @@
                 </a:solidFill>
               </a:defRPr>
             </a:lvl4pPr>
-            <a:lvl5pPr marL="1828800" indent="0">
+            <a:lvl5pPr>
               <a:buNone/>
               <a:defRPr sz="1400">
                 <a:solidFill>
@@ -2552,51 +2903,11 @@
                 </a:solidFill>
               </a:defRPr>
             </a:lvl5pPr>
-            <a:lvl6pPr marL="2286000" indent="0">
-              <a:buNone/>
-              <a:defRPr sz="1400">
-                <a:solidFill>
-                  <a:schemeClr val="tx1">
-                    <a:tint val="75000"/>
-                  </a:schemeClr>
-                </a:solidFill>
-              </a:defRPr>
-            </a:lvl6pPr>
-            <a:lvl7pPr marL="2743200" indent="0">
-              <a:buNone/>
-              <a:defRPr sz="1400">
-                <a:solidFill>
-                  <a:schemeClr val="tx1">
-                    <a:tint val="75000"/>
-                  </a:schemeClr>
-                </a:solidFill>
-              </a:defRPr>
-            </a:lvl7pPr>
-            <a:lvl8pPr marL="3200400" indent="0">
-              <a:buNone/>
-              <a:defRPr sz="1400">
-                <a:solidFill>
-                  <a:schemeClr val="tx1">
-                    <a:tint val="75000"/>
-                  </a:schemeClr>
-                </a:solidFill>
-              </a:defRPr>
-            </a:lvl8pPr>
-            <a:lvl9pPr marL="3657600" indent="0">
-              <a:buNone/>
-              <a:defRPr sz="1400">
-                <a:solidFill>
-                  <a:schemeClr val="tx1">
-                    <a:tint val="75000"/>
-                  </a:schemeClr>
-                </a:solidFill>
-              </a:defRPr>
-            </a:lvl9pPr>
           </a:lstStyle>
           <a:p>
-            <a:pPr lvl="0"/>
-            <a:r>
-              <a:rPr lang="es-ES" smtClean="0"/>
+            <a:pPr lvl="0" eaLnBrk="1" latinLnBrk="0" hangingPunct="1"/>
+            <a:r>
+              <a:rPr kumimoji="0" lang="es-ES" smtClean="0"/>
               <a:t>Haga clic para modificar el estilo de texto del patrón</a:t>
             </a:r>
           </a:p>
@@ -2612,15 +2923,19 @@
             <p:ph type="dt" sz="half" idx="10"/>
           </p:nvPr>
         </p:nvSpPr>
-        <p:spPr/>
+        <p:spPr>
+          <a:xfrm>
+            <a:off x="6400800" y="6355080"/>
+            <a:ext cx="2286000" cy="365760"/>
+          </a:xfrm>
+        </p:spPr>
         <p:txBody>
           <a:bodyPr/>
           <a:lstStyle/>
           <a:p>
             <a:fld id="{2C60F05F-D2FA-4626-9515-3950F186493E}" type="datetimeFigureOut">
               <a:rPr lang="es-CO" smtClean="0"/>
-              <a:pPr/>
-              <a:t>18/03/2013</a:t>
+              <a:t>20/03/2013</a:t>
             </a:fld>
             <a:endParaRPr lang="es-CO"/>
           </a:p>
@@ -2636,7 +2951,12 @@
             <p:ph type="ftr" sz="quarter" idx="11"/>
           </p:nvPr>
         </p:nvSpPr>
-        <p:spPr/>
+        <p:spPr>
+          <a:xfrm>
+            <a:off x="2898648" y="6355080"/>
+            <a:ext cx="3474720" cy="365760"/>
+          </a:xfrm>
+        </p:spPr>
         <p:txBody>
           <a:bodyPr/>
           <a:lstStyle/>
@@ -2655,24 +2975,120 @@
             <p:ph type="sldNum" sz="quarter" idx="12"/>
           </p:nvPr>
         </p:nvSpPr>
-        <p:spPr/>
+        <p:spPr>
+          <a:xfrm>
+            <a:off x="1069848" y="6355080"/>
+            <a:ext cx="1520952" cy="365760"/>
+          </a:xfrm>
+        </p:spPr>
         <p:txBody>
           <a:bodyPr/>
           <a:lstStyle/>
           <a:p>
             <a:fld id="{C6BFD629-12FF-45EB-8C4B-ED282B76E97E}" type="slidenum">
               <a:rPr lang="es-CO" smtClean="0"/>
-              <a:pPr/>
               <a:t>‹Nº›</a:t>
             </a:fld>
             <a:endParaRPr lang="es-CO"/>
           </a:p>
         </p:txBody>
       </p:sp>
+      <p:sp>
+        <p:nvSpPr>
+          <p:cNvPr id="7" name="6 Rectángulo"/>
+          <p:cNvSpPr/>
+          <p:nvPr/>
+        </p:nvSpPr>
+        <p:spPr>
+          <a:xfrm>
+            <a:off x="914400" y="2819400"/>
+            <a:ext cx="7315200" cy="1280160"/>
+          </a:xfrm>
+          <a:prstGeom prst="rect">
+            <a:avLst/>
+          </a:prstGeom>
+          <a:noFill/>
+          <a:ln w="6350" cap="rnd" cmpd="sng" algn="ctr">
+            <a:solidFill>
+              <a:schemeClr val="accent1"/>
+            </a:solidFill>
+            <a:prstDash val="solid"/>
+          </a:ln>
+          <a:effectLst/>
+        </p:spPr>
+        <p:style>
+          <a:lnRef idx="3">
+            <a:schemeClr val="lt1"/>
+          </a:lnRef>
+          <a:fillRef idx="1">
+            <a:schemeClr val="accent1"/>
+          </a:fillRef>
+          <a:effectRef idx="1">
+            <a:schemeClr val="accent1"/>
+          </a:effectRef>
+          <a:fontRef idx="minor">
+            <a:schemeClr val="lt1"/>
+          </a:fontRef>
+        </p:style>
+        <p:txBody>
+          <a:bodyPr anchor="ctr"/>
+          <a:lstStyle/>
+          <a:p>
+            <a:pPr algn="ctr" eaLnBrk="1" latinLnBrk="0" hangingPunct="1"/>
+            <a:endParaRPr kumimoji="0" lang="en-US"/>
+          </a:p>
+        </p:txBody>
+      </p:sp>
+      <p:sp>
+        <p:nvSpPr>
+          <p:cNvPr id="8" name="7 Rectángulo"/>
+          <p:cNvSpPr/>
+          <p:nvPr/>
+        </p:nvSpPr>
+        <p:spPr>
+          <a:xfrm>
+            <a:off x="914400" y="2819400"/>
+            <a:ext cx="228600" cy="1280160"/>
+          </a:xfrm>
+          <a:prstGeom prst="rect">
+            <a:avLst/>
+          </a:prstGeom>
+          <a:solidFill>
+            <a:schemeClr val="accent1"/>
+          </a:solidFill>
+          <a:ln w="6350" cap="rnd" cmpd="sng" algn="ctr">
+            <a:noFill/>
+            <a:prstDash val="solid"/>
+          </a:ln>
+          <a:effectLst/>
+        </p:spPr>
+        <p:style>
+          <a:lnRef idx="3">
+            <a:schemeClr val="lt1"/>
+          </a:lnRef>
+          <a:fillRef idx="1">
+            <a:schemeClr val="accent1"/>
+          </a:fillRef>
+          <a:effectRef idx="1">
+            <a:schemeClr val="accent1"/>
+          </a:effectRef>
+          <a:fontRef idx="minor">
+            <a:schemeClr val="lt1"/>
+          </a:fontRef>
+        </p:style>
+        <p:txBody>
+          <a:bodyPr anchor="ctr"/>
+          <a:lstStyle/>
+          <a:p>
+            <a:pPr algn="ctr" eaLnBrk="1" latinLnBrk="0" hangingPunct="1"/>
+            <a:endParaRPr kumimoji="0" lang="en-US"/>
+          </a:p>
+        </p:txBody>
+      </p:sp>
     </p:spTree>
   </p:cSld>
   <p:clrMapOvr>
-    <a:masterClrMapping/>
+    <a:overrideClrMapping bg1="dk1" tx1="lt1" bg2="dk2" tx2="lt2" accent1="accent1" accent2="accent2" accent3="accent3" accent4="accent4" accent5="accent5" accent6="accent6" hlink="hlink" folHlink="folHlink"/>
   </p:clrMapOvr>
 </p:sldLayout>
 </file>
@@ -2704,186 +3120,21 @@
             <p:ph type="title"/>
           </p:nvPr>
         </p:nvSpPr>
-        <p:spPr/>
-        <p:txBody>
-          <a:bodyPr/>
-          <a:lstStyle/>
-          <a:p>
-            <a:r>
-              <a:rPr lang="es-ES" smtClean="0"/>
-              <a:t>Haga clic para modificar el estilo de título del patrón</a:t>
-            </a:r>
-            <a:endParaRPr lang="es-CO"/>
-          </a:p>
-        </p:txBody>
-      </p:sp>
-      <p:sp>
-        <p:nvSpPr>
-          <p:cNvPr id="3" name="2 Marcador de contenido"/>
-          <p:cNvSpPr>
-            <a:spLocks noGrp="1"/>
-          </p:cNvSpPr>
-          <p:nvPr>
-            <p:ph sz="half" idx="1"/>
-          </p:nvPr>
-        </p:nvSpPr>
         <p:spPr>
           <a:xfrm>
-            <a:off x="457200" y="1600200"/>
-            <a:ext cx="4038600" cy="4525963"/>
+            <a:off x="457200" y="228600"/>
+            <a:ext cx="8229600" cy="914400"/>
           </a:xfrm>
         </p:spPr>
         <p:txBody>
           <a:bodyPr/>
-          <a:lstStyle>
-            <a:lvl1pPr>
-              <a:defRPr sz="2800"/>
-            </a:lvl1pPr>
-            <a:lvl2pPr>
-              <a:defRPr sz="2400"/>
-            </a:lvl2pPr>
-            <a:lvl3pPr>
-              <a:defRPr sz="2000"/>
-            </a:lvl3pPr>
-            <a:lvl4pPr>
-              <a:defRPr sz="1800"/>
-            </a:lvl4pPr>
-            <a:lvl5pPr>
-              <a:defRPr sz="1800"/>
-            </a:lvl5pPr>
-            <a:lvl6pPr>
-              <a:defRPr sz="1800"/>
-            </a:lvl6pPr>
-            <a:lvl7pPr>
-              <a:defRPr sz="1800"/>
-            </a:lvl7pPr>
-            <a:lvl8pPr>
-              <a:defRPr sz="1800"/>
-            </a:lvl8pPr>
-            <a:lvl9pPr>
-              <a:defRPr sz="1800"/>
-            </a:lvl9pPr>
-          </a:lstStyle>
-          <a:p>
-            <a:pPr lvl="0"/>
-            <a:r>
-              <a:rPr lang="es-ES" smtClean="0"/>
-              <a:t>Haga clic para modificar el estilo de texto del patrón</a:t>
-            </a:r>
-          </a:p>
-          <a:p>
-            <a:pPr lvl="1"/>
-            <a:r>
-              <a:rPr lang="es-ES" smtClean="0"/>
-              <a:t>Segundo nivel</a:t>
-            </a:r>
-          </a:p>
-          <a:p>
-            <a:pPr lvl="2"/>
-            <a:r>
-              <a:rPr lang="es-ES" smtClean="0"/>
-              <a:t>Tercer nivel</a:t>
-            </a:r>
-          </a:p>
-          <a:p>
-            <a:pPr lvl="3"/>
-            <a:r>
-              <a:rPr lang="es-ES" smtClean="0"/>
-              <a:t>Cuarto nivel</a:t>
-            </a:r>
-          </a:p>
-          <a:p>
-            <a:pPr lvl="4"/>
-            <a:r>
-              <a:rPr lang="es-ES" smtClean="0"/>
-              <a:t>Quinto nivel</a:t>
-            </a:r>
-            <a:endParaRPr lang="es-CO"/>
-          </a:p>
-        </p:txBody>
-      </p:sp>
-      <p:sp>
-        <p:nvSpPr>
-          <p:cNvPr id="4" name="3 Marcador de contenido"/>
-          <p:cNvSpPr>
-            <a:spLocks noGrp="1"/>
-          </p:cNvSpPr>
-          <p:nvPr>
-            <p:ph sz="half" idx="2"/>
-          </p:nvPr>
-        </p:nvSpPr>
-        <p:spPr>
-          <a:xfrm>
-            <a:off x="4648200" y="1600200"/>
-            <a:ext cx="4038600" cy="4525963"/>
-          </a:xfrm>
-        </p:spPr>
-        <p:txBody>
-          <a:bodyPr/>
-          <a:lstStyle>
-            <a:lvl1pPr>
-              <a:defRPr sz="2800"/>
-            </a:lvl1pPr>
-            <a:lvl2pPr>
-              <a:defRPr sz="2400"/>
-            </a:lvl2pPr>
-            <a:lvl3pPr>
-              <a:defRPr sz="2000"/>
-            </a:lvl3pPr>
-            <a:lvl4pPr>
-              <a:defRPr sz="1800"/>
-            </a:lvl4pPr>
-            <a:lvl5pPr>
-              <a:defRPr sz="1800"/>
-            </a:lvl5pPr>
-            <a:lvl6pPr>
-              <a:defRPr sz="1800"/>
-            </a:lvl6pPr>
-            <a:lvl7pPr>
-              <a:defRPr sz="1800"/>
-            </a:lvl7pPr>
-            <a:lvl8pPr>
-              <a:defRPr sz="1800"/>
-            </a:lvl8pPr>
-            <a:lvl9pPr>
-              <a:defRPr sz="1800"/>
-            </a:lvl9pPr>
-          </a:lstStyle>
-          <a:p>
-            <a:pPr lvl="0"/>
-            <a:r>
-              <a:rPr lang="es-ES" smtClean="0"/>
-              <a:t>Haga clic para modificar el estilo de texto del patrón</a:t>
-            </a:r>
-          </a:p>
-          <a:p>
-            <a:pPr lvl="1"/>
-            <a:r>
-              <a:rPr lang="es-ES" smtClean="0"/>
-              <a:t>Segundo nivel</a:t>
-            </a:r>
-          </a:p>
-          <a:p>
-            <a:pPr lvl="2"/>
-            <a:r>
-              <a:rPr lang="es-ES" smtClean="0"/>
-              <a:t>Tercer nivel</a:t>
-            </a:r>
-          </a:p>
-          <a:p>
-            <a:pPr lvl="3"/>
-            <a:r>
-              <a:rPr lang="es-ES" smtClean="0"/>
-              <a:t>Cuarto nivel</a:t>
-            </a:r>
-          </a:p>
-          <a:p>
-            <a:pPr lvl="4"/>
-            <a:r>
-              <a:rPr lang="es-ES" smtClean="0"/>
-              <a:t>Quinto nivel</a:t>
-            </a:r>
-            <a:endParaRPr lang="es-CO"/>
+          <a:lstStyle/>
+          <a:p>
+            <a:r>
+              <a:rPr kumimoji="0" lang="es-ES" smtClean="0"/>
+              <a:t>Haga clic para modificar el estilo de título del patrón</a:t>
+            </a:r>
+            <a:endParaRPr kumimoji="0" lang="en-US"/>
           </a:p>
         </p:txBody>
       </p:sp>
@@ -2904,8 +3155,7 @@
           <a:p>
             <a:fld id="{2C60F05F-D2FA-4626-9515-3950F186493E}" type="datetimeFigureOut">
               <a:rPr lang="es-CO" smtClean="0"/>
-              <a:pPr/>
-              <a:t>18/03/2013</a:t>
+              <a:t>20/03/2013</a:t>
             </a:fld>
             <a:endParaRPr lang="es-CO"/>
           </a:p>
@@ -2947,10 +3197,123 @@
           <a:p>
             <a:fld id="{C6BFD629-12FF-45EB-8C4B-ED282B76E97E}" type="slidenum">
               <a:rPr lang="es-CO" smtClean="0"/>
-              <a:pPr/>
               <a:t>‹Nº›</a:t>
             </a:fld>
             <a:endParaRPr lang="es-CO"/>
+          </a:p>
+        </p:txBody>
+      </p:sp>
+      <p:sp>
+        <p:nvSpPr>
+          <p:cNvPr id="9" name="8 Marcador de contenido"/>
+          <p:cNvSpPr>
+            <a:spLocks noGrp="1"/>
+          </p:cNvSpPr>
+          <p:nvPr>
+            <p:ph sz="quarter" idx="1"/>
+          </p:nvPr>
+        </p:nvSpPr>
+        <p:spPr>
+          <a:xfrm>
+            <a:off x="457200" y="1219200"/>
+            <a:ext cx="4041648" cy="4937760"/>
+          </a:xfrm>
+        </p:spPr>
+        <p:txBody>
+          <a:bodyPr/>
+          <a:lstStyle/>
+          <a:p>
+            <a:pPr lvl="0" eaLnBrk="1" latinLnBrk="0" hangingPunct="1"/>
+            <a:r>
+              <a:rPr lang="es-ES" smtClean="0"/>
+              <a:t>Haga clic para modificar el estilo de texto del patrón</a:t>
+            </a:r>
+          </a:p>
+          <a:p>
+            <a:pPr lvl="1" eaLnBrk="1" latinLnBrk="0" hangingPunct="1"/>
+            <a:r>
+              <a:rPr lang="es-ES" smtClean="0"/>
+              <a:t>Segundo nivel</a:t>
+            </a:r>
+          </a:p>
+          <a:p>
+            <a:pPr lvl="2" eaLnBrk="1" latinLnBrk="0" hangingPunct="1"/>
+            <a:r>
+              <a:rPr lang="es-ES" smtClean="0"/>
+              <a:t>Tercer nivel</a:t>
+            </a:r>
+          </a:p>
+          <a:p>
+            <a:pPr lvl="3" eaLnBrk="1" latinLnBrk="0" hangingPunct="1"/>
+            <a:r>
+              <a:rPr lang="es-ES" smtClean="0"/>
+              <a:t>Cuarto nivel</a:t>
+            </a:r>
+          </a:p>
+          <a:p>
+            <a:pPr lvl="4" eaLnBrk="1" latinLnBrk="0" hangingPunct="1"/>
+            <a:r>
+              <a:rPr lang="es-ES" smtClean="0"/>
+              <a:t>Quinto nivel</a:t>
+            </a:r>
+            <a:endParaRPr kumimoji="0" lang="en-US"/>
+          </a:p>
+        </p:txBody>
+      </p:sp>
+      <p:sp>
+        <p:nvSpPr>
+          <p:cNvPr id="11" name="10 Marcador de contenido"/>
+          <p:cNvSpPr>
+            <a:spLocks noGrp="1"/>
+          </p:cNvSpPr>
+          <p:nvPr>
+            <p:ph sz="quarter" idx="2"/>
+          </p:nvPr>
+        </p:nvSpPr>
+        <p:spPr>
+          <a:xfrm>
+            <a:off x="4632198" y="1216152"/>
+            <a:ext cx="4041648" cy="4937760"/>
+          </a:xfrm>
+        </p:spPr>
+        <p:txBody>
+          <a:bodyPr/>
+          <a:lstStyle/>
+          <a:p>
+            <a:pPr lvl="0" eaLnBrk="1" latinLnBrk="0" hangingPunct="1"/>
+            <a:r>
+              <a:rPr lang="es-ES" smtClean="0"/>
+              <a:t>Haga clic para modificar el estilo de texto del patrón</a:t>
+            </a:r>
+          </a:p>
+          <a:p>
+            <a:pPr lvl="1" eaLnBrk="1" latinLnBrk="0" hangingPunct="1"/>
+            <a:r>
+              <a:rPr lang="es-ES" smtClean="0"/>
+              <a:t>Segundo nivel</a:t>
+            </a:r>
+          </a:p>
+          <a:p>
+            <a:pPr lvl="2" eaLnBrk="1" latinLnBrk="0" hangingPunct="1"/>
+            <a:r>
+              <a:rPr lang="es-ES" smtClean="0"/>
+              <a:t>Tercer nivel</a:t>
+            </a:r>
+          </a:p>
+          <a:p>
+            <a:pPr lvl="3" eaLnBrk="1" latinLnBrk="0" hangingPunct="1"/>
+            <a:r>
+              <a:rPr lang="es-ES" smtClean="0"/>
+              <a:t>Cuarto nivel</a:t>
+            </a:r>
+          </a:p>
+          <a:p>
+            <a:pPr lvl="4" eaLnBrk="1" latinLnBrk="0" hangingPunct="1"/>
+            <a:r>
+              <a:rPr lang="es-ES" smtClean="0"/>
+              <a:t>Quinto nivel</a:t>
+            </a:r>
+            <a:endParaRPr kumimoji="0" lang="en-US"/>
           </a:p>
         </p:txBody>
       </p:sp>
@@ -2989,9 +3352,14 @@
             <p:ph type="title"/>
           </p:nvPr>
         </p:nvSpPr>
-        <p:spPr/>
-        <p:txBody>
-          <a:bodyPr/>
+        <p:spPr>
+          <a:xfrm>
+            <a:off x="457200" y="228600"/>
+            <a:ext cx="8229600" cy="914400"/>
+          </a:xfrm>
+        </p:spPr>
+        <p:txBody>
+          <a:bodyPr anchor="ctr"/>
           <a:lstStyle>
             <a:lvl1pPr>
               <a:defRPr/>
@@ -2999,10 +3367,10 @@
           </a:lstStyle>
           <a:p>
             <a:r>
-              <a:rPr lang="es-ES" smtClean="0"/>
+              <a:rPr kumimoji="0" lang="es-ES" smtClean="0"/>
               <a:t>Haga clic para modificar el estilo de título del patrón</a:t>
             </a:r>
-            <a:endParaRPr lang="es-CO"/>
+            <a:endParaRPr kumimoji="0" lang="en-US"/>
           </a:p>
         </p:txBody>
       </p:sp>
@@ -3018,54 +3386,48 @@
         </p:nvSpPr>
         <p:spPr>
           <a:xfrm>
-            <a:off x="457200" y="1535113"/>
-            <a:ext cx="4040188" cy="639762"/>
+            <a:off x="457200" y="1285875"/>
+            <a:ext cx="4040188" cy="685800"/>
           </a:xfrm>
+          <a:noFill/>
+          <a:ln>
+            <a:noFill/>
+          </a:ln>
         </p:spPr>
         <p:txBody>
-          <a:bodyPr anchor="b"/>
+          <a:bodyPr lIns="91440" anchor="b" anchorCtr="0">
+            <a:noAutofit/>
+          </a:bodyPr>
           <a:lstStyle>
             <a:lvl1pPr marL="0" indent="0">
               <a:buNone/>
-              <a:defRPr sz="2400" b="1"/>
+              <a:defRPr sz="2400" b="1">
+                <a:solidFill>
+                  <a:schemeClr val="accent2"/>
+                </a:solidFill>
+              </a:defRPr>
             </a:lvl1pPr>
-            <a:lvl2pPr marL="457200" indent="0">
+            <a:lvl2pPr>
               <a:buNone/>
               <a:defRPr sz="2000" b="1"/>
             </a:lvl2pPr>
-            <a:lvl3pPr marL="914400" indent="0">
+            <a:lvl3pPr>
               <a:buNone/>
               <a:defRPr sz="1800" b="1"/>
             </a:lvl3pPr>
-            <a:lvl4pPr marL="1371600" indent="0">
+            <a:lvl4pPr>
               <a:buNone/>
               <a:defRPr sz="1600" b="1"/>
             </a:lvl4pPr>
-            <a:lvl5pPr marL="1828800" indent="0">
+            <a:lvl5pPr>
               <a:buNone/>
               <a:defRPr sz="1600" b="1"/>
             </a:lvl5pPr>
-            <a:lvl6pPr marL="2286000" indent="0">
-              <a:buNone/>
-              <a:defRPr sz="1600" b="1"/>
-            </a:lvl6pPr>
-            <a:lvl7pPr marL="2743200" indent="0">
-              <a:buNone/>
-              <a:defRPr sz="1600" b="1"/>
-            </a:lvl7pPr>
-            <a:lvl8pPr marL="3200400" indent="0">
-              <a:buNone/>
-              <a:defRPr sz="1600" b="1"/>
-            </a:lvl8pPr>
-            <a:lvl9pPr marL="3657600" indent="0">
-              <a:buNone/>
-              <a:defRPr sz="1600" b="1"/>
-            </a:lvl9pPr>
           </a:lstStyle>
           <a:p>
-            <a:pPr lvl="0"/>
-            <a:r>
-              <a:rPr lang="es-ES" smtClean="0"/>
+            <a:pPr lvl="0" eaLnBrk="1" latinLnBrk="0" hangingPunct="1"/>
+            <a:r>
+              <a:rPr kumimoji="0" lang="es-ES" smtClean="0"/>
               <a:t>Haga clic para modificar el estilo de texto del patrón</a:t>
             </a:r>
           </a:p>
@@ -3073,236 +3435,58 @@
       </p:sp>
       <p:sp>
         <p:nvSpPr>
-          <p:cNvPr id="4" name="3 Marcador de contenido"/>
-          <p:cNvSpPr>
-            <a:spLocks noGrp="1"/>
-          </p:cNvSpPr>
-          <p:nvPr>
-            <p:ph sz="half" idx="2"/>
+          <p:cNvPr id="4" name="3 Marcador de texto"/>
+          <p:cNvSpPr>
+            <a:spLocks noGrp="1"/>
+          </p:cNvSpPr>
+          <p:nvPr>
+            <p:ph type="body" sz="half" idx="3"/>
           </p:nvPr>
         </p:nvSpPr>
         <p:spPr>
           <a:xfrm>
-            <a:off x="457200" y="2174875"/>
-            <a:ext cx="4040188" cy="3951288"/>
+            <a:off x="4648200" y="1295400"/>
+            <a:ext cx="4041775" cy="685800"/>
           </a:xfrm>
+          <a:noFill/>
+          <a:ln>
+            <a:noFill/>
+          </a:ln>
         </p:spPr>
         <p:txBody>
-          <a:bodyPr/>
-          <a:lstStyle>
-            <a:lvl1pPr>
-              <a:defRPr sz="2400"/>
-            </a:lvl1pPr>
-            <a:lvl2pPr>
-              <a:defRPr sz="2000"/>
-            </a:lvl2pPr>
-            <a:lvl3pPr>
-              <a:defRPr sz="1800"/>
-            </a:lvl3pPr>
-            <a:lvl4pPr>
-              <a:defRPr sz="1600"/>
-            </a:lvl4pPr>
-            <a:lvl5pPr>
-              <a:defRPr sz="1600"/>
-            </a:lvl5pPr>
-            <a:lvl6pPr>
-              <a:defRPr sz="1600"/>
-            </a:lvl6pPr>
-            <a:lvl7pPr>
-              <a:defRPr sz="1600"/>
-            </a:lvl7pPr>
-            <a:lvl8pPr>
-              <a:defRPr sz="1600"/>
-            </a:lvl8pPr>
-            <a:lvl9pPr>
-              <a:defRPr sz="1600"/>
-            </a:lvl9pPr>
-          </a:lstStyle>
-          <a:p>
-            <a:pPr lvl="0"/>
-            <a:r>
-              <a:rPr lang="es-ES" smtClean="0"/>
-              <a:t>Haga clic para modificar el estilo de texto del patrón</a:t>
-            </a:r>
-          </a:p>
-          <a:p>
-            <a:pPr lvl="1"/>
-            <a:r>
-              <a:rPr lang="es-ES" smtClean="0"/>
-              <a:t>Segundo nivel</a:t>
-            </a:r>
-          </a:p>
-          <a:p>
-            <a:pPr lvl="2"/>
-            <a:r>
-              <a:rPr lang="es-ES" smtClean="0"/>
-              <a:t>Tercer nivel</a:t>
-            </a:r>
-          </a:p>
-          <a:p>
-            <a:pPr lvl="3"/>
-            <a:r>
-              <a:rPr lang="es-ES" smtClean="0"/>
-              <a:t>Cuarto nivel</a:t>
-            </a:r>
-          </a:p>
-          <a:p>
-            <a:pPr lvl="4"/>
-            <a:r>
-              <a:rPr lang="es-ES" smtClean="0"/>
-              <a:t>Quinto nivel</a:t>
-            </a:r>
-            <a:endParaRPr lang="es-CO"/>
-          </a:p>
-        </p:txBody>
-      </p:sp>
-      <p:sp>
-        <p:nvSpPr>
-          <p:cNvPr id="5" name="4 Marcador de texto"/>
-          <p:cNvSpPr>
-            <a:spLocks noGrp="1"/>
-          </p:cNvSpPr>
-          <p:nvPr>
-            <p:ph type="body" sz="quarter" idx="3"/>
-          </p:nvPr>
-        </p:nvSpPr>
-        <p:spPr>
-          <a:xfrm>
-            <a:off x="4645025" y="1535113"/>
-            <a:ext cx="4041775" cy="639762"/>
-          </a:xfrm>
-        </p:spPr>
-        <p:txBody>
-          <a:bodyPr anchor="b"/>
+          <a:bodyPr lIns="91440" anchor="b" anchorCtr="0"/>
           <a:lstStyle>
             <a:lvl1pPr marL="0" indent="0">
               <a:buNone/>
-              <a:defRPr sz="2400" b="1"/>
+              <a:defRPr sz="2400" b="1">
+                <a:solidFill>
+                  <a:schemeClr val="accent2"/>
+                </a:solidFill>
+              </a:defRPr>
             </a:lvl1pPr>
-            <a:lvl2pPr marL="457200" indent="0">
+            <a:lvl2pPr>
               <a:buNone/>
               <a:defRPr sz="2000" b="1"/>
             </a:lvl2pPr>
-            <a:lvl3pPr marL="914400" indent="0">
+            <a:lvl3pPr>
               <a:buNone/>
               <a:defRPr sz="1800" b="1"/>
             </a:lvl3pPr>
-            <a:lvl4pPr marL="1371600" indent="0">
+            <a:lvl4pPr>
               <a:buNone/>
               <a:defRPr sz="1600" b="1"/>
             </a:lvl4pPr>
-            <a:lvl5pPr marL="1828800" indent="0">
+            <a:lvl5pPr>
               <a:buNone/>
               <a:defRPr sz="1600" b="1"/>
             </a:lvl5pPr>
-            <a:lvl6pPr marL="2286000" indent="0">
-              <a:buNone/>
-              <a:defRPr sz="1600" b="1"/>
-            </a:lvl6pPr>
-            <a:lvl7pPr marL="2743200" indent="0">
-              <a:buNone/>
-              <a:defRPr sz="1600" b="1"/>
-            </a:lvl7pPr>
-            <a:lvl8pPr marL="3200400" indent="0">
-              <a:buNone/>
-              <a:defRPr sz="1600" b="1"/>
-            </a:lvl8pPr>
-            <a:lvl9pPr marL="3657600" indent="0">
-              <a:buNone/>
-              <a:defRPr sz="1600" b="1"/>
-            </a:lvl9pPr>
           </a:lstStyle>
           <a:p>
-            <a:pPr lvl="0"/>
-            <a:r>
-              <a:rPr lang="es-ES" smtClean="0"/>
+            <a:pPr lvl="0" eaLnBrk="1" latinLnBrk="0" hangingPunct="1"/>
+            <a:r>
+              <a:rPr kumimoji="0" lang="es-ES" smtClean="0"/>
               <a:t>Haga clic para modificar el estilo de texto del patrón</a:t>
             </a:r>
-          </a:p>
-        </p:txBody>
-      </p:sp>
-      <p:sp>
-        <p:nvSpPr>
-          <p:cNvPr id="6" name="5 Marcador de contenido"/>
-          <p:cNvSpPr>
-            <a:spLocks noGrp="1"/>
-          </p:cNvSpPr>
-          <p:nvPr>
-            <p:ph sz="quarter" idx="4"/>
-          </p:nvPr>
-        </p:nvSpPr>
-        <p:spPr>
-          <a:xfrm>
-            <a:off x="4645025" y="2174875"/>
-            <a:ext cx="4041775" cy="3951288"/>
-          </a:xfrm>
-        </p:spPr>
-        <p:txBody>
-          <a:bodyPr/>
-          <a:lstStyle>
-            <a:lvl1pPr>
-              <a:defRPr sz="2400"/>
-            </a:lvl1pPr>
-            <a:lvl2pPr>
-              <a:defRPr sz="2000"/>
-            </a:lvl2pPr>
-            <a:lvl3pPr>
-              <a:defRPr sz="1800"/>
-            </a:lvl3pPr>
-            <a:lvl4pPr>
-              <a:defRPr sz="1600"/>
-            </a:lvl4pPr>
-            <a:lvl5pPr>
-              <a:defRPr sz="1600"/>
-            </a:lvl5pPr>
-            <a:lvl6pPr>
-              <a:defRPr sz="1600"/>
-            </a:lvl6pPr>
-            <a:lvl7pPr>
-              <a:defRPr sz="1600"/>
-            </a:lvl7pPr>
-            <a:lvl8pPr>
-              <a:defRPr sz="1600"/>
-            </a:lvl8pPr>
-            <a:lvl9pPr>
-              <a:defRPr sz="1600"/>
-            </a:lvl9pPr>
-          </a:lstStyle>
-          <a:p>
-            <a:pPr lvl="0"/>
-            <a:r>
-              <a:rPr lang="es-ES" smtClean="0"/>
-              <a:t>Haga clic para modificar el estilo de texto del patrón</a:t>
-            </a:r>
-          </a:p>
-          <a:p>
-            <a:pPr lvl="1"/>
-            <a:r>
-              <a:rPr lang="es-ES" smtClean="0"/>
-              <a:t>Segundo nivel</a:t>
-            </a:r>
-          </a:p>
-          <a:p>
-            <a:pPr lvl="2"/>
-            <a:r>
-              <a:rPr lang="es-ES" smtClean="0"/>
-              <a:t>Tercer nivel</a:t>
-            </a:r>
-          </a:p>
-          <a:p>
-            <a:pPr lvl="3"/>
-            <a:r>
-              <a:rPr lang="es-ES" smtClean="0"/>
-              <a:t>Cuarto nivel</a:t>
-            </a:r>
-          </a:p>
-          <a:p>
-            <a:pPr lvl="4"/>
-            <a:r>
-              <a:rPr lang="es-ES" smtClean="0"/>
-              <a:t>Quinto nivel</a:t>
-            </a:r>
-            <a:endParaRPr lang="es-CO"/>
           </a:p>
         </p:txBody>
       </p:sp>
@@ -3323,8 +3507,7 @@
           <a:p>
             <a:fld id="{2C60F05F-D2FA-4626-9515-3950F186493E}" type="datetimeFigureOut">
               <a:rPr lang="es-CO" smtClean="0"/>
-              <a:pPr/>
-              <a:t>18/03/2013</a:t>
+              <a:t>20/03/2013</a:t>
             </a:fld>
             <a:endParaRPr lang="es-CO"/>
           </a:p>
@@ -3366,10 +3549,123 @@
           <a:p>
             <a:fld id="{C6BFD629-12FF-45EB-8C4B-ED282B76E97E}" type="slidenum">
               <a:rPr lang="es-CO" smtClean="0"/>
-              <a:pPr/>
               <a:t>‹Nº›</a:t>
             </a:fld>
             <a:endParaRPr lang="es-CO"/>
+          </a:p>
+        </p:txBody>
+      </p:sp>
+      <p:sp>
+        <p:nvSpPr>
+          <p:cNvPr id="11" name="10 Marcador de contenido"/>
+          <p:cNvSpPr>
+            <a:spLocks noGrp="1"/>
+          </p:cNvSpPr>
+          <p:nvPr>
+            <p:ph sz="quarter" idx="2"/>
+          </p:nvPr>
+        </p:nvSpPr>
+        <p:spPr>
+          <a:xfrm>
+            <a:off x="457200" y="2133600"/>
+            <a:ext cx="4038600" cy="4038600"/>
+          </a:xfrm>
+        </p:spPr>
+        <p:txBody>
+          <a:bodyPr/>
+          <a:lstStyle/>
+          <a:p>
+            <a:pPr lvl="0" eaLnBrk="1" latinLnBrk="0" hangingPunct="1"/>
+            <a:r>
+              <a:rPr lang="es-ES" smtClean="0"/>
+              <a:t>Haga clic para modificar el estilo de texto del patrón</a:t>
+            </a:r>
+          </a:p>
+          <a:p>
+            <a:pPr lvl="1" eaLnBrk="1" latinLnBrk="0" hangingPunct="1"/>
+            <a:r>
+              <a:rPr lang="es-ES" smtClean="0"/>
+              <a:t>Segundo nivel</a:t>
+            </a:r>
+          </a:p>
+          <a:p>
+            <a:pPr lvl="2" eaLnBrk="1" latinLnBrk="0" hangingPunct="1"/>
+            <a:r>
+              <a:rPr lang="es-ES" smtClean="0"/>
+              <a:t>Tercer nivel</a:t>
+            </a:r>
+          </a:p>
+          <a:p>
+            <a:pPr lvl="3" eaLnBrk="1" latinLnBrk="0" hangingPunct="1"/>
+            <a:r>
+              <a:rPr lang="es-ES" smtClean="0"/>
+              <a:t>Cuarto nivel</a:t>
+            </a:r>
+          </a:p>
+          <a:p>
+            <a:pPr lvl="4" eaLnBrk="1" latinLnBrk="0" hangingPunct="1"/>
+            <a:r>
+              <a:rPr lang="es-ES" smtClean="0"/>
+              <a:t>Quinto nivel</a:t>
+            </a:r>
+            <a:endParaRPr kumimoji="0" lang="en-US"/>
+          </a:p>
+        </p:txBody>
+      </p:sp>
+      <p:sp>
+        <p:nvSpPr>
+          <p:cNvPr id="13" name="12 Marcador de contenido"/>
+          <p:cNvSpPr>
+            <a:spLocks noGrp="1"/>
+          </p:cNvSpPr>
+          <p:nvPr>
+            <p:ph sz="quarter" idx="4"/>
+          </p:nvPr>
+        </p:nvSpPr>
+        <p:spPr>
+          <a:xfrm>
+            <a:off x="4648200" y="2133600"/>
+            <a:ext cx="4038600" cy="4038600"/>
+          </a:xfrm>
+        </p:spPr>
+        <p:txBody>
+          <a:bodyPr/>
+          <a:lstStyle/>
+          <a:p>
+            <a:pPr lvl="0" eaLnBrk="1" latinLnBrk="0" hangingPunct="1"/>
+            <a:r>
+              <a:rPr lang="es-ES" smtClean="0"/>
+              <a:t>Haga clic para modificar el estilo de texto del patrón</a:t>
+            </a:r>
+          </a:p>
+          <a:p>
+            <a:pPr lvl="1" eaLnBrk="1" latinLnBrk="0" hangingPunct="1"/>
+            <a:r>
+              <a:rPr lang="es-ES" smtClean="0"/>
+              <a:t>Segundo nivel</a:t>
+            </a:r>
+          </a:p>
+          <a:p>
+            <a:pPr lvl="2" eaLnBrk="1" latinLnBrk="0" hangingPunct="1"/>
+            <a:r>
+              <a:rPr lang="es-ES" smtClean="0"/>
+              <a:t>Tercer nivel</a:t>
+            </a:r>
+          </a:p>
+          <a:p>
+            <a:pPr lvl="3" eaLnBrk="1" latinLnBrk="0" hangingPunct="1"/>
+            <a:r>
+              <a:rPr lang="es-ES" smtClean="0"/>
+              <a:t>Cuarto nivel</a:t>
+            </a:r>
+          </a:p>
+          <a:p>
+            <a:pPr lvl="4" eaLnBrk="1" latinLnBrk="0" hangingPunct="1"/>
+            <a:r>
+              <a:rPr lang="es-ES" smtClean="0"/>
+              <a:t>Quinto nivel</a:t>
+            </a:r>
+            <a:endParaRPr kumimoji="0" lang="en-US"/>
           </a:p>
         </p:txBody>
       </p:sp>
@@ -3408,16 +3704,21 @@
             <p:ph type="title"/>
           </p:nvPr>
         </p:nvSpPr>
-        <p:spPr/>
-        <p:txBody>
-          <a:bodyPr/>
-          <a:lstStyle/>
-          <a:p>
-            <a:r>
-              <a:rPr lang="es-ES" smtClean="0"/>
+        <p:spPr>
+          <a:xfrm>
+            <a:off x="457200" y="228600"/>
+            <a:ext cx="8229600" cy="914400"/>
+          </a:xfrm>
+        </p:spPr>
+        <p:txBody>
+          <a:bodyPr/>
+          <a:lstStyle/>
+          <a:p>
+            <a:r>
+              <a:rPr kumimoji="0" lang="es-ES" smtClean="0"/>
               <a:t>Haga clic para modificar el estilo de título del patrón</a:t>
             </a:r>
-            <a:endParaRPr lang="es-CO"/>
+            <a:endParaRPr kumimoji="0" lang="en-US"/>
           </a:p>
         </p:txBody>
       </p:sp>
@@ -3438,8 +3739,7 @@
           <a:p>
             <a:fld id="{2C60F05F-D2FA-4626-9515-3950F186493E}" type="datetimeFigureOut">
               <a:rPr lang="es-CO" smtClean="0"/>
-              <a:pPr/>
-              <a:t>18/03/2013</a:t>
+              <a:t>20/03/2013</a:t>
             </a:fld>
             <a:endParaRPr lang="es-CO"/>
           </a:p>
@@ -3481,10 +3781,59 @@
           <a:p>
             <a:fld id="{C6BFD629-12FF-45EB-8C4B-ED282B76E97E}" type="slidenum">
               <a:rPr lang="es-CO" smtClean="0"/>
-              <a:pPr/>
               <a:t>‹Nº›</a:t>
             </a:fld>
             <a:endParaRPr lang="es-CO"/>
+          </a:p>
+        </p:txBody>
+      </p:sp>
+      <p:sp>
+        <p:nvSpPr>
+          <p:cNvPr id="6" name="5 Triángulo isósceles"/>
+          <p:cNvSpPr>
+            <a:spLocks noChangeAspect="1"/>
+          </p:cNvSpPr>
+          <p:nvPr/>
+        </p:nvSpPr>
+        <p:spPr>
+          <a:xfrm rot="5400000">
+            <a:off x="419100" y="6467475"/>
+            <a:ext cx="190849" cy="120314"/>
+          </a:xfrm>
+          <a:prstGeom prst="triangle">
+            <a:avLst>
+              <a:gd name="adj" fmla="val 50000"/>
+            </a:avLst>
+          </a:prstGeom>
+          <a:solidFill>
+            <a:schemeClr val="accent2"/>
+          </a:solidFill>
+          <a:ln w="25400" cap="rnd" cmpd="sng" algn="ctr">
+            <a:noFill/>
+            <a:prstDash val="solid"/>
+          </a:ln>
+          <a:effectLst/>
+        </p:spPr>
+        <p:style>
+          <a:lnRef idx="3">
+            <a:schemeClr val="lt1"/>
+          </a:lnRef>
+          <a:fillRef idx="1">
+            <a:schemeClr val="accent1"/>
+          </a:fillRef>
+          <a:effectRef idx="1">
+            <a:schemeClr val="accent1"/>
+          </a:effectRef>
+          <a:fontRef idx="minor">
+            <a:schemeClr val="lt1"/>
+          </a:fontRef>
+        </p:style>
+        <p:txBody>
+          <a:bodyPr anchor="ctr"/>
+          <a:lstStyle/>
+          <a:p>
+            <a:pPr algn="ctr" eaLnBrk="1" latinLnBrk="0" hangingPunct="1"/>
+            <a:endParaRPr kumimoji="0" lang="en-US"/>
           </a:p>
         </p:txBody>
       </p:sp>
@@ -3497,7 +3846,7 @@
 </file>
 
 <file path=ppt/slideLayouts/slideLayout7.xml><?xml version="1.0" encoding="utf-8"?>
-<p:sldLayout xmlns:a="http://schemas.openxmlformats.org/drawingml/2006/main" xmlns:r="http://schemas.openxmlformats.org/officeDocument/2006/relationships" xmlns:p="http://schemas.openxmlformats.org/presentationml/2006/main" type="blank" preserve="1">
+<p:sldLayout xmlns:a="http://schemas.openxmlformats.org/drawingml/2006/main" xmlns:r="http://schemas.openxmlformats.org/officeDocument/2006/relationships" xmlns:p="http://schemas.openxmlformats.org/presentationml/2006/main" showMasterSp="0" type="blank" preserve="1">
   <p:cSld name="En blanco">
     <p:spTree>
       <p:nvGrpSpPr>
@@ -3530,8 +3879,7 @@
           <a:p>
             <a:fld id="{2C60F05F-D2FA-4626-9515-3950F186493E}" type="datetimeFigureOut">
               <a:rPr lang="es-CO" smtClean="0"/>
-              <a:pPr/>
-              <a:t>18/03/2013</a:t>
+              <a:t>20/03/2013</a:t>
             </a:fld>
             <a:endParaRPr lang="es-CO"/>
           </a:p>
@@ -3573,10 +3921,95 @@
           <a:p>
             <a:fld id="{C6BFD629-12FF-45EB-8C4B-ED282B76E97E}" type="slidenum">
               <a:rPr lang="es-CO" smtClean="0"/>
-              <a:pPr/>
               <a:t>‹Nº›</a:t>
             </a:fld>
             <a:endParaRPr lang="es-CO"/>
+          </a:p>
+        </p:txBody>
+      </p:sp>
+      <p:sp>
+        <p:nvSpPr>
+          <p:cNvPr id="5" name="4 Conector recto"/>
+          <p:cNvSpPr>
+            <a:spLocks noChangeShapeType="1"/>
+          </p:cNvSpPr>
+          <p:nvPr/>
+        </p:nvSpPr>
+        <p:spPr bwMode="auto">
+          <a:xfrm>
+            <a:off x="457200" y="6353175"/>
+            <a:ext cx="8229600" cy="0"/>
+          </a:xfrm>
+          <a:prstGeom prst="line">
+            <a:avLst/>
+          </a:prstGeom>
+          <a:noFill/>
+          <a:ln w="9525" cap="flat" cmpd="sng" algn="ctr">
+            <a:solidFill>
+              <a:schemeClr val="accent2"/>
+            </a:solidFill>
+            <a:prstDash val="dash"/>
+            <a:round/>
+            <a:headEnd type="none" w="med" len="med"/>
+            <a:tailEnd type="none" w="med" len="med"/>
+          </a:ln>
+          <a:effectLst/>
+        </p:spPr>
+        <p:txBody>
+          <a:bodyPr vert="horz" wrap="square" lIns="91440" tIns="45720" rIns="91440" bIns="45720" anchor="t" compatLnSpc="1"/>
+          <a:lstStyle/>
+          <a:p>
+            <a:endParaRPr kumimoji="0" lang="en-US"/>
+          </a:p>
+        </p:txBody>
+      </p:sp>
+      <p:sp>
+        <p:nvSpPr>
+          <p:cNvPr id="6" name="5 Triángulo isósceles"/>
+          <p:cNvSpPr>
+            <a:spLocks noChangeAspect="1"/>
+          </p:cNvSpPr>
+          <p:nvPr/>
+        </p:nvSpPr>
+        <p:spPr>
+          <a:xfrm rot="5400000">
+            <a:off x="419100" y="6467475"/>
+            <a:ext cx="190849" cy="120314"/>
+          </a:xfrm>
+          <a:prstGeom prst="triangle">
+            <a:avLst>
+              <a:gd name="adj" fmla="val 50000"/>
+            </a:avLst>
+          </a:prstGeom>
+          <a:solidFill>
+            <a:schemeClr val="accent2"/>
+          </a:solidFill>
+          <a:ln w="25400" cap="rnd" cmpd="sng" algn="ctr">
+            <a:noFill/>
+            <a:prstDash val="solid"/>
+          </a:ln>
+          <a:effectLst/>
+        </p:spPr>
+        <p:style>
+          <a:lnRef idx="3">
+            <a:schemeClr val="lt1"/>
+          </a:lnRef>
+          <a:fillRef idx="1">
+            <a:schemeClr val="accent1"/>
+          </a:fillRef>
+          <a:effectRef idx="1">
+            <a:schemeClr val="accent1"/>
+          </a:effectRef>
+          <a:fontRef idx="minor">
+            <a:schemeClr val="lt1"/>
+          </a:fontRef>
+        </p:style>
+        <p:txBody>
+          <a:bodyPr anchor="ctr"/>
+          <a:lstStyle/>
+          <a:p>
+            <a:pPr algn="ctr" eaLnBrk="1" latinLnBrk="0" hangingPunct="1"/>
+            <a:endParaRPr kumimoji="0" lang="en-US"/>
           </a:p>
         </p:txBody>
       </p:sp>
@@ -3589,7 +4022,7 @@
 </file>
 
 <file path=ppt/slideLayouts/slideLayout8.xml><?xml version="1.0" encoding="utf-8"?>
-<p:sldLayout xmlns:a="http://schemas.openxmlformats.org/drawingml/2006/main" xmlns:r="http://schemas.openxmlformats.org/officeDocument/2006/relationships" xmlns:p="http://schemas.openxmlformats.org/presentationml/2006/main" type="objTx" preserve="1">
+<p:sldLayout xmlns:a="http://schemas.openxmlformats.org/drawingml/2006/main" xmlns:r="http://schemas.openxmlformats.org/officeDocument/2006/relationships" xmlns:p="http://schemas.openxmlformats.org/presentationml/2006/main" showMasterSp="0" type="objTx" preserve="1">
   <p:cSld name="Contenido con título">
     <p:spTree>
       <p:nvGrpSpPr>
@@ -3617,171 +4050,90 @@
         </p:nvSpPr>
         <p:spPr>
           <a:xfrm>
-            <a:off x="457200" y="273050"/>
-            <a:ext cx="3008313" cy="1162050"/>
+            <a:off x="6324600" y="304800"/>
+            <a:ext cx="2514600" cy="838200"/>
           </a:xfrm>
         </p:spPr>
         <p:txBody>
-          <a:bodyPr anchor="b"/>
+          <a:bodyPr anchor="b" anchorCtr="0">
+            <a:noAutofit/>
+          </a:bodyPr>
           <a:lstStyle>
             <a:lvl1pPr algn="l">
-              <a:defRPr sz="2000" b="1"/>
+              <a:buNone/>
+              <a:defRPr sz="2000" b="1">
+                <a:solidFill>
+                  <a:schemeClr val="tx2"/>
+                </a:solidFill>
+                <a:latin typeface="+mn-lt"/>
+                <a:ea typeface="+mn-ea"/>
+                <a:cs typeface="+mn-cs"/>
+              </a:defRPr>
             </a:lvl1pPr>
           </a:lstStyle>
           <a:p>
             <a:r>
-              <a:rPr lang="es-ES" smtClean="0"/>
+              <a:rPr kumimoji="0" lang="es-ES" smtClean="0"/>
               <a:t>Haga clic para modificar el estilo de título del patrón</a:t>
             </a:r>
-            <a:endParaRPr lang="es-CO"/>
-          </a:p>
-        </p:txBody>
-      </p:sp>
-      <p:sp>
-        <p:nvSpPr>
-          <p:cNvPr id="3" name="2 Marcador de contenido"/>
-          <p:cNvSpPr>
-            <a:spLocks noGrp="1"/>
-          </p:cNvSpPr>
-          <p:nvPr>
-            <p:ph idx="1"/>
+            <a:endParaRPr kumimoji="0" lang="en-US"/>
+          </a:p>
+        </p:txBody>
+      </p:sp>
+      <p:sp>
+        <p:nvSpPr>
+          <p:cNvPr id="3" name="2 Marcador de texto"/>
+          <p:cNvSpPr>
+            <a:spLocks noGrp="1"/>
+          </p:cNvSpPr>
+          <p:nvPr>
+            <p:ph type="body" idx="2"/>
           </p:nvPr>
         </p:nvSpPr>
         <p:spPr>
           <a:xfrm>
-            <a:off x="3575050" y="273050"/>
-            <a:ext cx="5111750" cy="5853113"/>
+            <a:off x="6324600" y="1219200"/>
+            <a:ext cx="2514600" cy="4843463"/>
           </a:xfrm>
         </p:spPr>
         <p:txBody>
           <a:bodyPr/>
           <a:lstStyle>
-            <a:lvl1pPr>
-              <a:defRPr sz="3200"/>
+            <a:lvl1pPr marL="0" indent="0">
+              <a:lnSpc>
+                <a:spcPts val="2200"/>
+              </a:lnSpc>
+              <a:spcAft>
+                <a:spcPts val="1000"/>
+              </a:spcAft>
+              <a:buNone/>
+              <a:defRPr sz="1600">
+                <a:solidFill>
+                  <a:schemeClr val="tx2"/>
+                </a:solidFill>
+              </a:defRPr>
             </a:lvl1pPr>
             <a:lvl2pPr>
-              <a:defRPr sz="2800"/>
-            </a:lvl2pPr>
-            <a:lvl3pPr>
-              <a:defRPr sz="2400"/>
-            </a:lvl3pPr>
-            <a:lvl4pPr>
-              <a:defRPr sz="2000"/>
-            </a:lvl4pPr>
-            <a:lvl5pPr>
-              <a:defRPr sz="2000"/>
-            </a:lvl5pPr>
-            <a:lvl6pPr>
-              <a:defRPr sz="2000"/>
-            </a:lvl6pPr>
-            <a:lvl7pPr>
-              <a:defRPr sz="2000"/>
-            </a:lvl7pPr>
-            <a:lvl8pPr>
-              <a:defRPr sz="2000"/>
-            </a:lvl8pPr>
-            <a:lvl9pPr>
-              <a:defRPr sz="2000"/>
-            </a:lvl9pPr>
-          </a:lstStyle>
-          <a:p>
-            <a:pPr lvl="0"/>
-            <a:r>
-              <a:rPr lang="es-ES" smtClean="0"/>
-              <a:t>Haga clic para modificar el estilo de texto del patrón</a:t>
-            </a:r>
-          </a:p>
-          <a:p>
-            <a:pPr lvl="1"/>
-            <a:r>
-              <a:rPr lang="es-ES" smtClean="0"/>
-              <a:t>Segundo nivel</a:t>
-            </a:r>
-          </a:p>
-          <a:p>
-            <a:pPr lvl="2"/>
-            <a:r>
-              <a:rPr lang="es-ES" smtClean="0"/>
-              <a:t>Tercer nivel</a:t>
-            </a:r>
-          </a:p>
-          <a:p>
-            <a:pPr lvl="3"/>
-            <a:r>
-              <a:rPr lang="es-ES" smtClean="0"/>
-              <a:t>Cuarto nivel</a:t>
-            </a:r>
-          </a:p>
-          <a:p>
-            <a:pPr lvl="4"/>
-            <a:r>
-              <a:rPr lang="es-ES" smtClean="0"/>
-              <a:t>Quinto nivel</a:t>
-            </a:r>
-            <a:endParaRPr lang="es-CO"/>
-          </a:p>
-        </p:txBody>
-      </p:sp>
-      <p:sp>
-        <p:nvSpPr>
-          <p:cNvPr id="4" name="3 Marcador de texto"/>
-          <p:cNvSpPr>
-            <a:spLocks noGrp="1"/>
-          </p:cNvSpPr>
-          <p:nvPr>
-            <p:ph type="body" sz="half" idx="2"/>
-          </p:nvPr>
-        </p:nvSpPr>
-        <p:spPr>
-          <a:xfrm>
-            <a:off x="457200" y="1435100"/>
-            <a:ext cx="3008313" cy="4691063"/>
-          </a:xfrm>
-        </p:spPr>
-        <p:txBody>
-          <a:bodyPr/>
-          <a:lstStyle>
-            <a:lvl1pPr marL="0" indent="0">
-              <a:buNone/>
-              <a:defRPr sz="1400"/>
-            </a:lvl1pPr>
-            <a:lvl2pPr marL="457200" indent="0">
               <a:buNone/>
               <a:defRPr sz="1200"/>
             </a:lvl2pPr>
-            <a:lvl3pPr marL="914400" indent="0">
+            <a:lvl3pPr>
               <a:buNone/>
               <a:defRPr sz="1000"/>
             </a:lvl3pPr>
-            <a:lvl4pPr marL="1371600" indent="0">
+            <a:lvl4pPr>
               <a:buNone/>
               <a:defRPr sz="900"/>
             </a:lvl4pPr>
-            <a:lvl5pPr marL="1828800" indent="0">
+            <a:lvl5pPr>
               <a:buNone/>
               <a:defRPr sz="900"/>
             </a:lvl5pPr>
-            <a:lvl6pPr marL="2286000" indent="0">
-              <a:buNone/>
-              <a:defRPr sz="900"/>
-            </a:lvl6pPr>
-            <a:lvl7pPr marL="2743200" indent="0">
-              <a:buNone/>
-              <a:defRPr sz="900"/>
-            </a:lvl7pPr>
-            <a:lvl8pPr marL="3200400" indent="0">
-              <a:buNone/>
-              <a:defRPr sz="900"/>
-            </a:lvl8pPr>
-            <a:lvl9pPr marL="3657600" indent="0">
-              <a:buNone/>
-              <a:defRPr sz="900"/>
-            </a:lvl9pPr>
           </a:lstStyle>
           <a:p>
-            <a:pPr lvl="0"/>
-            <a:r>
-              <a:rPr lang="es-ES" smtClean="0"/>
+            <a:pPr lvl="0" eaLnBrk="1" latinLnBrk="0" hangingPunct="1"/>
+            <a:r>
+              <a:rPr kumimoji="0" lang="es-ES" smtClean="0"/>
               <a:t>Haga clic para modificar el estilo de texto del patrón</a:t>
             </a:r>
           </a:p>
@@ -3804,8 +4156,7 @@
           <a:p>
             <a:fld id="{2C60F05F-D2FA-4626-9515-3950F186493E}" type="datetimeFigureOut">
               <a:rPr lang="es-CO" smtClean="0"/>
-              <a:pPr/>
-              <a:t>18/03/2013</a:t>
+              <a:t>20/03/2013</a:t>
             </a:fld>
             <a:endParaRPr lang="es-CO"/>
           </a:p>
@@ -3847,10 +4198,188 @@
           <a:p>
             <a:fld id="{C6BFD629-12FF-45EB-8C4B-ED282B76E97E}" type="slidenum">
               <a:rPr lang="es-CO" smtClean="0"/>
-              <a:pPr/>
               <a:t>‹Nº›</a:t>
             </a:fld>
             <a:endParaRPr lang="es-CO"/>
+          </a:p>
+        </p:txBody>
+      </p:sp>
+      <p:sp>
+        <p:nvSpPr>
+          <p:cNvPr id="8" name="7 Conector recto"/>
+          <p:cNvSpPr>
+            <a:spLocks noChangeShapeType="1"/>
+          </p:cNvSpPr>
+          <p:nvPr/>
+        </p:nvSpPr>
+        <p:spPr bwMode="auto">
+          <a:xfrm>
+            <a:off x="457200" y="6353175"/>
+            <a:ext cx="8229600" cy="0"/>
+          </a:xfrm>
+          <a:prstGeom prst="line">
+            <a:avLst/>
+          </a:prstGeom>
+          <a:noFill/>
+          <a:ln w="9525" cap="flat" cmpd="sng" algn="ctr">
+            <a:solidFill>
+              <a:schemeClr val="accent2"/>
+            </a:solidFill>
+            <a:prstDash val="dash"/>
+            <a:round/>
+            <a:headEnd type="none" w="med" len="med"/>
+            <a:tailEnd type="none" w="med" len="med"/>
+          </a:ln>
+          <a:effectLst/>
+        </p:spPr>
+        <p:txBody>
+          <a:bodyPr vert="horz" wrap="square" lIns="91440" tIns="45720" rIns="91440" bIns="45720" anchor="t" compatLnSpc="1"/>
+          <a:lstStyle/>
+          <a:p>
+            <a:endParaRPr kumimoji="0" lang="en-US"/>
+          </a:p>
+        </p:txBody>
+      </p:sp>
+      <p:sp>
+        <p:nvSpPr>
+          <p:cNvPr id="10" name="9 Conector recto"/>
+          <p:cNvSpPr>
+            <a:spLocks noChangeShapeType="1"/>
+          </p:cNvSpPr>
+          <p:nvPr/>
+        </p:nvSpPr>
+        <p:spPr bwMode="auto">
+          <a:xfrm rot="5400000">
+            <a:off x="3160645" y="3324225"/>
+            <a:ext cx="6035040" cy="0"/>
+          </a:xfrm>
+          <a:prstGeom prst="line">
+            <a:avLst/>
+          </a:prstGeom>
+          <a:noFill/>
+          <a:ln w="9525" cap="flat" cmpd="sng" algn="ctr">
+            <a:solidFill>
+              <a:schemeClr val="accent2"/>
+            </a:solidFill>
+            <a:prstDash val="dash"/>
+            <a:round/>
+            <a:headEnd type="none" w="med" len="med"/>
+            <a:tailEnd type="none" w="med" len="med"/>
+          </a:ln>
+          <a:effectLst/>
+        </p:spPr>
+        <p:txBody>
+          <a:bodyPr vert="horz" wrap="square" lIns="91440" tIns="45720" rIns="91440" bIns="45720" anchor="t" compatLnSpc="1"/>
+          <a:lstStyle/>
+          <a:p>
+            <a:endParaRPr kumimoji="0" lang="en-US" dirty="0"/>
+          </a:p>
+        </p:txBody>
+      </p:sp>
+      <p:sp>
+        <p:nvSpPr>
+          <p:cNvPr id="9" name="8 Triángulo isósceles"/>
+          <p:cNvSpPr>
+            <a:spLocks noChangeAspect="1"/>
+          </p:cNvSpPr>
+          <p:nvPr/>
+        </p:nvSpPr>
+        <p:spPr>
+          <a:xfrm rot="5400000">
+            <a:off x="419100" y="6467475"/>
+            <a:ext cx="190849" cy="120314"/>
+          </a:xfrm>
+          <a:prstGeom prst="triangle">
+            <a:avLst>
+              <a:gd name="adj" fmla="val 50000"/>
+            </a:avLst>
+          </a:prstGeom>
+          <a:solidFill>
+            <a:schemeClr val="accent2"/>
+          </a:solidFill>
+          <a:ln w="25400" cap="rnd" cmpd="sng" algn="ctr">
+            <a:noFill/>
+            <a:prstDash val="solid"/>
+          </a:ln>
+          <a:effectLst/>
+        </p:spPr>
+        <p:style>
+          <a:lnRef idx="3">
+            <a:schemeClr val="lt1"/>
+          </a:lnRef>
+          <a:fillRef idx="1">
+            <a:schemeClr val="accent1"/>
+          </a:fillRef>
+          <a:effectRef idx="1">
+            <a:schemeClr val="accent1"/>
+          </a:effectRef>
+          <a:fontRef idx="minor">
+            <a:schemeClr val="lt1"/>
+          </a:fontRef>
+        </p:style>
+        <p:txBody>
+          <a:bodyPr anchor="ctr"/>
+          <a:lstStyle/>
+          <a:p>
+            <a:pPr algn="ctr" eaLnBrk="1" latinLnBrk="0" hangingPunct="1"/>
+            <a:endParaRPr kumimoji="0" lang="en-US"/>
+          </a:p>
+        </p:txBody>
+      </p:sp>
+      <p:sp>
+        <p:nvSpPr>
+          <p:cNvPr id="12" name="11 Marcador de contenido"/>
+          <p:cNvSpPr>
+            <a:spLocks noGrp="1"/>
+          </p:cNvSpPr>
+          <p:nvPr>
+            <p:ph sz="quarter" idx="1"/>
+          </p:nvPr>
+        </p:nvSpPr>
+        <p:spPr>
+          <a:xfrm>
+            <a:off x="304800" y="304800"/>
+            <a:ext cx="5715000" cy="5715000"/>
+          </a:xfrm>
+        </p:spPr>
+        <p:txBody>
+          <a:bodyPr/>
+          <a:lstStyle/>
+          <a:p>
+            <a:pPr lvl="0" eaLnBrk="1" latinLnBrk="0" hangingPunct="1"/>
+            <a:r>
+              <a:rPr lang="es-ES" smtClean="0"/>
+              <a:t>Haga clic para modificar el estilo de texto del patrón</a:t>
+            </a:r>
+          </a:p>
+          <a:p>
+            <a:pPr lvl="1" eaLnBrk="1" latinLnBrk="0" hangingPunct="1"/>
+            <a:r>
+              <a:rPr lang="es-ES" smtClean="0"/>
+              <a:t>Segundo nivel</a:t>
+            </a:r>
+          </a:p>
+          <a:p>
+            <a:pPr lvl="2" eaLnBrk="1" latinLnBrk="0" hangingPunct="1"/>
+            <a:r>
+              <a:rPr lang="es-ES" smtClean="0"/>
+              <a:t>Tercer nivel</a:t>
+            </a:r>
+          </a:p>
+          <a:p>
+            <a:pPr lvl="3" eaLnBrk="1" latinLnBrk="0" hangingPunct="1"/>
+            <a:r>
+              <a:rPr lang="es-ES" smtClean="0"/>
+              <a:t>Cuarto nivel</a:t>
+            </a:r>
+          </a:p>
+          <a:p>
+            <a:pPr lvl="4" eaLnBrk="1" latinLnBrk="0" hangingPunct="1"/>
+            <a:r>
+              <a:rPr lang="es-ES" smtClean="0"/>
+              <a:t>Quinto nivel</a:t>
+            </a:r>
+            <a:endParaRPr kumimoji="0" lang="en-US"/>
           </a:p>
         </p:txBody>
       </p:sp>
@@ -3863,8 +4392,13 @@
 </file>
 
 <file path=ppt/slideLayouts/slideLayout9.xml><?xml version="1.0" encoding="utf-8"?>
-<p:sldLayout xmlns:a="http://schemas.openxmlformats.org/drawingml/2006/main" xmlns:r="http://schemas.openxmlformats.org/officeDocument/2006/relationships" xmlns:p="http://schemas.openxmlformats.org/presentationml/2006/main" type="picTx" preserve="1">
+<p:sldLayout xmlns:a="http://schemas.openxmlformats.org/drawingml/2006/main" xmlns:r="http://schemas.openxmlformats.org/officeDocument/2006/relationships" xmlns:p="http://schemas.openxmlformats.org/presentationml/2006/main" showMasterSp="0" type="picTx" preserve="1">
   <p:cSld name="Imagen con título">
+    <p:bg>
+      <p:bgRef idx="1001">
+        <a:schemeClr val="bg2"/>
+      </p:bgRef>
+    </p:bg>
     <p:spTree>
       <p:nvGrpSpPr>
         <p:cNvPr id="1" name=""/>
@@ -3891,23 +4425,33 @@
         </p:nvSpPr>
         <p:spPr>
           <a:xfrm>
-            <a:off x="1792288" y="4800600"/>
-            <a:ext cx="5486400" cy="566738"/>
+            <a:off x="457200" y="500856"/>
+            <a:ext cx="8229600" cy="674688"/>
           </a:xfrm>
+          <a:ln>
+            <a:solidFill>
+              <a:schemeClr val="accent1"/>
+            </a:solidFill>
+          </a:ln>
         </p:spPr>
         <p:txBody>
-          <a:bodyPr anchor="b"/>
+          <a:bodyPr lIns="274320" anchor="ctr"/>
           <a:lstStyle>
-            <a:lvl1pPr algn="l">
-              <a:defRPr sz="2000" b="1"/>
+            <a:lvl1pPr algn="r">
+              <a:buNone/>
+              <a:defRPr sz="2000" b="0">
+                <a:solidFill>
+                  <a:schemeClr val="tx1"/>
+                </a:solidFill>
+              </a:defRPr>
             </a:lvl1pPr>
           </a:lstStyle>
           <a:p>
             <a:r>
-              <a:rPr lang="es-ES" smtClean="0"/>
+              <a:rPr kumimoji="0" lang="es-ES" smtClean="0"/>
               <a:t>Haga clic para modificar el estilo de título del patrón</a:t>
             </a:r>
-            <a:endParaRPr lang="es-CO"/>
+            <a:endParaRPr kumimoji="0" lang="en-US"/>
           </a:p>
         </p:txBody>
       </p:sp>
@@ -3923,52 +4467,36 @@
         </p:nvSpPr>
         <p:spPr>
           <a:xfrm>
-            <a:off x="1792288" y="612775"/>
-            <a:ext cx="5486400" cy="4114800"/>
+            <a:off x="457200" y="1905000"/>
+            <a:ext cx="8229600" cy="4270248"/>
           </a:xfrm>
+          <a:solidFill>
+            <a:schemeClr val="tx1">
+              <a:shade val="50000"/>
+            </a:schemeClr>
+          </a:solidFill>
+          <a:ln>
+            <a:noFill/>
+          </a:ln>
+          <a:effectLst/>
         </p:spPr>
         <p:txBody>
           <a:bodyPr/>
           <a:lstStyle>
             <a:lvl1pPr marL="0" indent="0">
+              <a:spcBef>
+                <a:spcPts val="600"/>
+              </a:spcBef>
               <a:buNone/>
               <a:defRPr sz="3200"/>
             </a:lvl1pPr>
-            <a:lvl2pPr marL="457200" indent="0">
-              <a:buNone/>
-              <a:defRPr sz="2800"/>
-            </a:lvl2pPr>
-            <a:lvl3pPr marL="914400" indent="0">
-              <a:buNone/>
-              <a:defRPr sz="2400"/>
-            </a:lvl3pPr>
-            <a:lvl4pPr marL="1371600" indent="0">
-              <a:buNone/>
-              <a:defRPr sz="2000"/>
-            </a:lvl4pPr>
-            <a:lvl5pPr marL="1828800" indent="0">
-              <a:buNone/>
-              <a:defRPr sz="2000"/>
-            </a:lvl5pPr>
-            <a:lvl6pPr marL="2286000" indent="0">
-              <a:buNone/>
-              <a:defRPr sz="2000"/>
-            </a:lvl6pPr>
-            <a:lvl7pPr marL="2743200" indent="0">
-              <a:buNone/>
-              <a:defRPr sz="2000"/>
-            </a:lvl7pPr>
-            <a:lvl8pPr marL="3200400" indent="0">
-              <a:buNone/>
-              <a:defRPr sz="2000"/>
-            </a:lvl8pPr>
-            <a:lvl9pPr marL="3657600" indent="0">
-              <a:buNone/>
-              <a:defRPr sz="2000"/>
-            </a:lvl9pPr>
           </a:lstStyle>
           <a:p>
-            <a:endParaRPr lang="es-CO"/>
+            <a:r>
+              <a:rPr kumimoji="0" lang="es-ES" smtClean="0"/>
+              <a:t>Haga clic en el icono para agregar una imagen</a:t>
+            </a:r>
+            <a:endParaRPr kumimoji="0" lang="en-US" dirty="0"/>
           </a:p>
         </p:txBody>
       </p:sp>
@@ -3984,54 +4512,35 @@
         </p:nvSpPr>
         <p:spPr>
           <a:xfrm>
-            <a:off x="1792288" y="5367338"/>
-            <a:ext cx="5486400" cy="804862"/>
+            <a:off x="457200" y="1219200"/>
+            <a:ext cx="8229600" cy="533400"/>
           </a:xfrm>
         </p:spPr>
         <p:txBody>
-          <a:bodyPr/>
+          <a:bodyPr anchor="ctr" anchorCtr="0"/>
           <a:lstStyle>
-            <a:lvl1pPr marL="0" indent="0">
+            <a:lvl1pPr marL="0" indent="0" algn="l">
+              <a:buFontTx/>
               <a:buNone/>
               <a:defRPr sz="1400"/>
             </a:lvl1pPr>
-            <a:lvl2pPr marL="457200" indent="0">
-              <a:buNone/>
+            <a:lvl2pPr>
               <a:defRPr sz="1200"/>
             </a:lvl2pPr>
-            <a:lvl3pPr marL="914400" indent="0">
-              <a:buNone/>
+            <a:lvl3pPr>
               <a:defRPr sz="1000"/>
             </a:lvl3pPr>
-            <a:lvl4pPr marL="1371600" indent="0">
-              <a:buNone/>
+            <a:lvl4pPr>
               <a:defRPr sz="900"/>
             </a:lvl4pPr>
-            <a:lvl5pPr marL="1828800" indent="0">
-              <a:buNone/>
+            <a:lvl5pPr>
               <a:defRPr sz="900"/>
             </a:lvl5pPr>
-            <a:lvl6pPr marL="2286000" indent="0">
-              <a:buNone/>
-              <a:defRPr sz="900"/>
-            </a:lvl6pPr>
-            <a:lvl7pPr marL="2743200" indent="0">
-              <a:buNone/>
-              <a:defRPr sz="900"/>
-            </a:lvl7pPr>
-            <a:lvl8pPr marL="3200400" indent="0">
-              <a:buNone/>
-              <a:defRPr sz="900"/>
-            </a:lvl8pPr>
-            <a:lvl9pPr marL="3657600" indent="0">
-              <a:buNone/>
-              <a:defRPr sz="900"/>
-            </a:lvl9pPr>
           </a:lstStyle>
           <a:p>
-            <a:pPr lvl="0"/>
-            <a:r>
-              <a:rPr lang="es-ES" smtClean="0"/>
+            <a:pPr lvl="0" eaLnBrk="1" latinLnBrk="0" hangingPunct="1"/>
+            <a:r>
+              <a:rPr kumimoji="0" lang="es-ES" smtClean="0"/>
               <a:t>Haga clic para modificar el estilo de texto del patrón</a:t>
             </a:r>
           </a:p>
@@ -4054,8 +4563,7 @@
           <a:p>
             <a:fld id="{2C60F05F-D2FA-4626-9515-3950F186493E}" type="datetimeFigureOut">
               <a:rPr lang="es-CO" smtClean="0"/>
-              <a:pPr/>
-              <a:t>18/03/2013</a:t>
+              <a:t>20/03/2013</a:t>
             </a:fld>
             <a:endParaRPr lang="es-CO"/>
           </a:p>
@@ -4097,17 +4605,148 @@
           <a:p>
             <a:fld id="{C6BFD629-12FF-45EB-8C4B-ED282B76E97E}" type="slidenum">
               <a:rPr lang="es-CO" smtClean="0"/>
-              <a:pPr/>
               <a:t>‹Nº›</a:t>
             </a:fld>
             <a:endParaRPr lang="es-CO"/>
           </a:p>
         </p:txBody>
       </p:sp>
+      <p:sp>
+        <p:nvSpPr>
+          <p:cNvPr id="8" name="7 Conector recto"/>
+          <p:cNvSpPr>
+            <a:spLocks noChangeShapeType="1"/>
+          </p:cNvSpPr>
+          <p:nvPr/>
+        </p:nvSpPr>
+        <p:spPr bwMode="auto">
+          <a:xfrm>
+            <a:off x="457200" y="6353175"/>
+            <a:ext cx="8229600" cy="0"/>
+          </a:xfrm>
+          <a:prstGeom prst="line">
+            <a:avLst/>
+          </a:prstGeom>
+          <a:noFill/>
+          <a:ln w="9525" cap="flat" cmpd="sng" algn="ctr">
+            <a:solidFill>
+              <a:schemeClr val="accent2"/>
+            </a:solidFill>
+            <a:prstDash val="dash"/>
+            <a:round/>
+            <a:headEnd type="none" w="med" len="med"/>
+            <a:tailEnd type="none" w="med" len="med"/>
+          </a:ln>
+          <a:effectLst/>
+        </p:spPr>
+        <p:txBody>
+          <a:bodyPr vert="horz" wrap="square" lIns="91440" tIns="45720" rIns="91440" bIns="45720" anchor="t" compatLnSpc="1"/>
+          <a:lstStyle/>
+          <a:p>
+            <a:endParaRPr kumimoji="0" lang="en-US"/>
+          </a:p>
+        </p:txBody>
+      </p:sp>
+      <p:sp>
+        <p:nvSpPr>
+          <p:cNvPr id="9" name="8 Triángulo isósceles"/>
+          <p:cNvSpPr>
+            <a:spLocks noChangeAspect="1"/>
+          </p:cNvSpPr>
+          <p:nvPr/>
+        </p:nvSpPr>
+        <p:spPr>
+          <a:xfrm rot="5400000">
+            <a:off x="419100" y="6467475"/>
+            <a:ext cx="190849" cy="120314"/>
+          </a:xfrm>
+          <a:prstGeom prst="triangle">
+            <a:avLst>
+              <a:gd name="adj" fmla="val 50000"/>
+            </a:avLst>
+          </a:prstGeom>
+          <a:solidFill>
+            <a:schemeClr val="accent2"/>
+          </a:solidFill>
+          <a:ln w="25400" cap="rnd" cmpd="sng" algn="ctr">
+            <a:noFill/>
+            <a:prstDash val="solid"/>
+          </a:ln>
+          <a:effectLst/>
+        </p:spPr>
+        <p:style>
+          <a:lnRef idx="3">
+            <a:schemeClr val="lt1"/>
+          </a:lnRef>
+          <a:fillRef idx="1">
+            <a:schemeClr val="accent1"/>
+          </a:fillRef>
+          <a:effectRef idx="1">
+            <a:schemeClr val="accent1"/>
+          </a:effectRef>
+          <a:fontRef idx="minor">
+            <a:schemeClr val="lt1"/>
+          </a:fontRef>
+        </p:style>
+        <p:txBody>
+          <a:bodyPr anchor="ctr"/>
+          <a:lstStyle/>
+          <a:p>
+            <a:pPr algn="ctr" eaLnBrk="1" latinLnBrk="0" hangingPunct="1"/>
+            <a:endParaRPr kumimoji="0" lang="en-US"/>
+          </a:p>
+        </p:txBody>
+      </p:sp>
+      <p:sp>
+        <p:nvSpPr>
+          <p:cNvPr id="10" name="9 Rectángulo"/>
+          <p:cNvSpPr/>
+          <p:nvPr/>
+        </p:nvSpPr>
+        <p:spPr>
+          <a:xfrm>
+            <a:off x="457200" y="500856"/>
+            <a:ext cx="182880" cy="685800"/>
+          </a:xfrm>
+          <a:prstGeom prst="rect">
+            <a:avLst/>
+          </a:prstGeom>
+          <a:solidFill>
+            <a:schemeClr val="accent1"/>
+          </a:solidFill>
+          <a:ln w="6350" cap="rnd" cmpd="sng" algn="ctr">
+            <a:noFill/>
+            <a:prstDash val="solid"/>
+          </a:ln>
+          <a:effectLst/>
+        </p:spPr>
+        <p:style>
+          <a:lnRef idx="3">
+            <a:schemeClr val="lt1"/>
+          </a:lnRef>
+          <a:fillRef idx="1">
+            <a:schemeClr val="accent1"/>
+          </a:fillRef>
+          <a:effectRef idx="1">
+            <a:schemeClr val="accent1"/>
+          </a:effectRef>
+          <a:fontRef idx="minor">
+            <a:schemeClr val="lt1"/>
+          </a:fontRef>
+        </p:style>
+        <p:txBody>
+          <a:bodyPr anchor="ctr"/>
+          <a:lstStyle/>
+          <a:p>
+            <a:pPr algn="ctr" eaLnBrk="1" latinLnBrk="0" hangingPunct="1"/>
+            <a:endParaRPr kumimoji="0" lang="en-US"/>
+          </a:p>
+        </p:txBody>
+      </p:sp>
     </p:spTree>
   </p:cSld>
   <p:clrMapOvr>
-    <a:masterClrMapping/>
+    <a:overrideClrMapping bg1="dk1" tx1="lt1" bg2="dk2" tx2="lt2" accent1="accent1" accent2="accent2" accent3="accent3" accent4="accent4" accent5="accent5" accent6="accent6" hlink="hlink" folHlink="folHlink"/>
   </p:clrMapOvr>
 </p:sldLayout>
 </file>
@@ -4136,7 +4775,7 @@
       </p:grpSpPr>
       <p:sp>
         <p:nvSpPr>
-          <p:cNvPr id="2" name="1 Marcador de título"/>
+          <p:cNvPr id="22" name="21 Marcador de título"/>
           <p:cNvSpPr>
             <a:spLocks noGrp="1"/>
           </p:cNvSpPr>
@@ -4146,30 +4785,30 @@
         </p:nvSpPr>
         <p:spPr>
           <a:xfrm>
-            <a:off x="457200" y="274638"/>
-            <a:ext cx="8229600" cy="1143000"/>
+            <a:off x="457200" y="152400"/>
+            <a:ext cx="8229600" cy="990600"/>
           </a:xfrm>
           <a:prstGeom prst="rect">
             <a:avLst/>
           </a:prstGeom>
         </p:spPr>
         <p:txBody>
-          <a:bodyPr vert="horz" lIns="91440" tIns="45720" rIns="91440" bIns="45720" rtlCol="0" anchor="ctr">
+          <a:bodyPr vert="horz" anchor="b" anchorCtr="0">
             <a:normAutofit/>
           </a:bodyPr>
           <a:lstStyle/>
           <a:p>
             <a:r>
-              <a:rPr lang="es-ES" smtClean="0"/>
+              <a:rPr kumimoji="0" lang="es-ES" smtClean="0"/>
               <a:t>Haga clic para modificar el estilo de título del patrón</a:t>
             </a:r>
-            <a:endParaRPr lang="es-CO"/>
-          </a:p>
-        </p:txBody>
-      </p:sp>
-      <p:sp>
-        <p:nvSpPr>
-          <p:cNvPr id="3" name="2 Marcador de texto"/>
+            <a:endParaRPr kumimoji="0" lang="en-US"/>
+          </a:p>
+        </p:txBody>
+      </p:sp>
+      <p:sp>
+        <p:nvSpPr>
+          <p:cNvPr id="13" name="12 Marcador de texto"/>
           <p:cNvSpPr>
             <a:spLocks noGrp="1"/>
           </p:cNvSpPr>
@@ -4179,59 +4818,59 @@
         </p:nvSpPr>
         <p:spPr>
           <a:xfrm>
-            <a:off x="457200" y="1600200"/>
-            <a:ext cx="8229600" cy="4525963"/>
+            <a:off x="457200" y="1219200"/>
+            <a:ext cx="8229600" cy="4910328"/>
           </a:xfrm>
           <a:prstGeom prst="rect">
             <a:avLst/>
           </a:prstGeom>
         </p:spPr>
         <p:txBody>
-          <a:bodyPr vert="horz" lIns="91440" tIns="45720" rIns="91440" bIns="45720" rtlCol="0">
+          <a:bodyPr vert="horz">
             <a:normAutofit/>
           </a:bodyPr>
           <a:lstStyle/>
           <a:p>
-            <a:pPr lvl="0"/>
-            <a:r>
-              <a:rPr lang="es-ES" smtClean="0"/>
+            <a:pPr lvl="0" eaLnBrk="1" latinLnBrk="0" hangingPunct="1"/>
+            <a:r>
+              <a:rPr kumimoji="0" lang="es-ES" smtClean="0"/>
               <a:t>Haga clic para modificar el estilo de texto del patrón</a:t>
             </a:r>
           </a:p>
           <a:p>
-            <a:pPr lvl="1"/>
-            <a:r>
-              <a:rPr lang="es-ES" smtClean="0"/>
+            <a:pPr lvl="1" eaLnBrk="1" latinLnBrk="0" hangingPunct="1"/>
+            <a:r>
+              <a:rPr kumimoji="0" lang="es-ES" smtClean="0"/>
               <a:t>Segundo nivel</a:t>
             </a:r>
           </a:p>
           <a:p>
-            <a:pPr lvl="2"/>
-            <a:r>
-              <a:rPr lang="es-ES" smtClean="0"/>
+            <a:pPr lvl="2" eaLnBrk="1" latinLnBrk="0" hangingPunct="1"/>
+            <a:r>
+              <a:rPr kumimoji="0" lang="es-ES" smtClean="0"/>
               <a:t>Tercer nivel</a:t>
             </a:r>
           </a:p>
           <a:p>
-            <a:pPr lvl="3"/>
-            <a:r>
-              <a:rPr lang="es-ES" smtClean="0"/>
+            <a:pPr lvl="3" eaLnBrk="1" latinLnBrk="0" hangingPunct="1"/>
+            <a:r>
+              <a:rPr kumimoji="0" lang="es-ES" smtClean="0"/>
               <a:t>Cuarto nivel</a:t>
             </a:r>
           </a:p>
           <a:p>
-            <a:pPr lvl="4"/>
-            <a:r>
-              <a:rPr lang="es-ES" smtClean="0"/>
+            <a:pPr lvl="4" eaLnBrk="1" latinLnBrk="0" hangingPunct="1"/>
+            <a:r>
+              <a:rPr kumimoji="0" lang="es-ES" smtClean="0"/>
               <a:t>Quinto nivel</a:t>
             </a:r>
-            <a:endParaRPr lang="es-CO"/>
-          </a:p>
-        </p:txBody>
-      </p:sp>
-      <p:sp>
-        <p:nvSpPr>
-          <p:cNvPr id="4" name="3 Marcador de fecha"/>
+            <a:endParaRPr kumimoji="0" lang="en-US"/>
+          </a:p>
+        </p:txBody>
+      </p:sp>
+      <p:sp>
+        <p:nvSpPr>
+          <p:cNvPr id="14" name="13 Marcador de fecha"/>
           <p:cNvSpPr>
             <a:spLocks noGrp="1"/>
           </p:cNvSpPr>
@@ -4241,22 +4880,20 @@
         </p:nvSpPr>
         <p:spPr>
           <a:xfrm>
-            <a:off x="457200" y="6356350"/>
-            <a:ext cx="2133600" cy="365125"/>
+            <a:off x="6400800" y="6356350"/>
+            <a:ext cx="2289048" cy="365760"/>
           </a:xfrm>
           <a:prstGeom prst="rect">
             <a:avLst/>
           </a:prstGeom>
         </p:spPr>
         <p:txBody>
-          <a:bodyPr vert="horz" lIns="91440" tIns="45720" rIns="91440" bIns="45720" rtlCol="0" anchor="ctr"/>
+          <a:bodyPr vert="horz"/>
           <a:lstStyle>
-            <a:lvl1pPr algn="l">
-              <a:defRPr sz="1200">
+            <a:lvl1pPr algn="l" eaLnBrk="1" latinLnBrk="0" hangingPunct="1">
+              <a:defRPr kumimoji="0" sz="1400">
                 <a:solidFill>
-                  <a:schemeClr val="tx1">
-                    <a:tint val="75000"/>
-                  </a:schemeClr>
+                  <a:schemeClr val="tx2"/>
                 </a:solidFill>
               </a:defRPr>
             </a:lvl1pPr>
@@ -4264,8 +4901,7 @@
           <a:p>
             <a:fld id="{2C60F05F-D2FA-4626-9515-3950F186493E}" type="datetimeFigureOut">
               <a:rPr lang="es-CO" smtClean="0"/>
-              <a:pPr/>
-              <a:t>18/03/2013</a:t>
+              <a:t>20/03/2013</a:t>
             </a:fld>
             <a:endParaRPr lang="es-CO"/>
           </a:p>
@@ -4273,7 +4909,7 @@
       </p:sp>
       <p:sp>
         <p:nvSpPr>
-          <p:cNvPr id="5" name="4 Marcador de pie de página"/>
+          <p:cNvPr id="3" name="2 Marcador de pie de página"/>
           <p:cNvSpPr>
             <a:spLocks noGrp="1"/>
           </p:cNvSpPr>
@@ -4283,22 +4919,20 @@
         </p:nvSpPr>
         <p:spPr>
           <a:xfrm>
-            <a:off x="3124200" y="6356350"/>
-            <a:ext cx="2895600" cy="365125"/>
+            <a:off x="2898648" y="6356350"/>
+            <a:ext cx="3505200" cy="365760"/>
           </a:xfrm>
           <a:prstGeom prst="rect">
             <a:avLst/>
           </a:prstGeom>
         </p:spPr>
         <p:txBody>
-          <a:bodyPr vert="horz" lIns="91440" tIns="45720" rIns="91440" bIns="45720" rtlCol="0" anchor="ctr"/>
+          <a:bodyPr vert="horz"/>
           <a:lstStyle>
-            <a:lvl1pPr algn="ctr">
-              <a:defRPr sz="1200">
+            <a:lvl1pPr algn="r" eaLnBrk="1" latinLnBrk="0" hangingPunct="1">
+              <a:defRPr kumimoji="0" sz="1400">
                 <a:solidFill>
-                  <a:schemeClr val="tx1">
-                    <a:tint val="75000"/>
-                  </a:schemeClr>
+                  <a:schemeClr val="tx2"/>
                 </a:solidFill>
               </a:defRPr>
             </a:lvl1pPr>
@@ -4310,7 +4944,7 @@
       </p:sp>
       <p:sp>
         <p:nvSpPr>
-          <p:cNvPr id="6" name="5 Marcador de número de diapositiva"/>
+          <p:cNvPr id="23" name="22 Marcador de número de diapositiva"/>
           <p:cNvSpPr>
             <a:spLocks noGrp="1"/>
           </p:cNvSpPr>
@@ -4320,22 +4954,20 @@
         </p:nvSpPr>
         <p:spPr>
           <a:xfrm>
-            <a:off x="6553200" y="6356350"/>
-            <a:ext cx="2133600" cy="365125"/>
+            <a:off x="612648" y="6356350"/>
+            <a:ext cx="1981200" cy="365760"/>
           </a:xfrm>
           <a:prstGeom prst="rect">
             <a:avLst/>
           </a:prstGeom>
         </p:spPr>
         <p:txBody>
-          <a:bodyPr vert="horz" lIns="91440" tIns="45720" rIns="91440" bIns="45720" rtlCol="0" anchor="ctr"/>
+          <a:bodyPr vert="horz"/>
           <a:lstStyle>
-            <a:lvl1pPr algn="r">
-              <a:defRPr sz="1200">
+            <a:lvl1pPr algn="l" eaLnBrk="1" latinLnBrk="0" hangingPunct="1">
+              <a:defRPr kumimoji="0" sz="1400">
                 <a:solidFill>
-                  <a:schemeClr val="tx1">
-                    <a:tint val="75000"/>
-                  </a:schemeClr>
+                  <a:schemeClr val="tx2"/>
                 </a:solidFill>
               </a:defRPr>
             </a:lvl1pPr>
@@ -4343,10 +4975,131 @@
           <a:p>
             <a:fld id="{C6BFD629-12FF-45EB-8C4B-ED282B76E97E}" type="slidenum">
               <a:rPr lang="es-CO" smtClean="0"/>
-              <a:pPr/>
               <a:t>‹Nº›</a:t>
             </a:fld>
             <a:endParaRPr lang="es-CO"/>
+          </a:p>
+        </p:txBody>
+      </p:sp>
+      <p:sp>
+        <p:nvSpPr>
+          <p:cNvPr id="28" name="27 Conector recto"/>
+          <p:cNvSpPr>
+            <a:spLocks noChangeShapeType="1"/>
+          </p:cNvSpPr>
+          <p:nvPr/>
+        </p:nvSpPr>
+        <p:spPr bwMode="auto">
+          <a:xfrm>
+            <a:off x="457200" y="6353175"/>
+            <a:ext cx="8229600" cy="0"/>
+          </a:xfrm>
+          <a:prstGeom prst="line">
+            <a:avLst/>
+          </a:prstGeom>
+          <a:noFill/>
+          <a:ln w="9525" cap="flat" cmpd="sng" algn="ctr">
+            <a:solidFill>
+              <a:schemeClr val="accent2"/>
+            </a:solidFill>
+            <a:prstDash val="dash"/>
+            <a:round/>
+            <a:headEnd type="none" w="med" len="med"/>
+            <a:tailEnd type="none" w="med" len="med"/>
+          </a:ln>
+          <a:effectLst/>
+        </p:spPr>
+        <p:txBody>
+          <a:bodyPr vert="horz" wrap="square" lIns="91440" tIns="45720" rIns="91440" bIns="45720" anchor="t" compatLnSpc="1"/>
+          <a:lstStyle/>
+          <a:p>
+            <a:endParaRPr kumimoji="0" lang="en-US"/>
+          </a:p>
+        </p:txBody>
+      </p:sp>
+      <p:sp>
+        <p:nvSpPr>
+          <p:cNvPr id="29" name="28 Conector recto"/>
+          <p:cNvSpPr>
+            <a:spLocks noChangeShapeType="1"/>
+          </p:cNvSpPr>
+          <p:nvPr/>
+        </p:nvSpPr>
+        <p:spPr bwMode="auto">
+          <a:xfrm>
+            <a:off x="457200" y="1143000"/>
+            <a:ext cx="8229600" cy="0"/>
+          </a:xfrm>
+          <a:prstGeom prst="line">
+            <a:avLst/>
+          </a:prstGeom>
+          <a:noFill/>
+          <a:ln w="9525" cap="flat" cmpd="sng" algn="ctr">
+            <a:solidFill>
+              <a:schemeClr val="accent2"/>
+            </a:solidFill>
+            <a:prstDash val="dash"/>
+            <a:round/>
+            <a:headEnd type="none" w="med" len="med"/>
+            <a:tailEnd type="none" w="med" len="med"/>
+          </a:ln>
+          <a:effectLst/>
+        </p:spPr>
+        <p:txBody>
+          <a:bodyPr vert="horz" wrap="square" lIns="91440" tIns="45720" rIns="91440" bIns="45720" anchor="t" compatLnSpc="1"/>
+          <a:lstStyle/>
+          <a:p>
+            <a:endParaRPr kumimoji="0" lang="en-US"/>
+          </a:p>
+        </p:txBody>
+      </p:sp>
+      <p:sp>
+        <p:nvSpPr>
+          <p:cNvPr id="10" name="9 Triángulo isósceles"/>
+          <p:cNvSpPr>
+            <a:spLocks noChangeAspect="1"/>
+          </p:cNvSpPr>
+          <p:nvPr/>
+        </p:nvSpPr>
+        <p:spPr>
+          <a:xfrm rot="5400000">
+            <a:off x="419100" y="6467475"/>
+            <a:ext cx="190849" cy="120314"/>
+          </a:xfrm>
+          <a:prstGeom prst="triangle">
+            <a:avLst>
+              <a:gd name="adj" fmla="val 50000"/>
+            </a:avLst>
+          </a:prstGeom>
+          <a:solidFill>
+            <a:schemeClr val="accent2"/>
+          </a:solidFill>
+          <a:ln w="25400" cap="rnd" cmpd="sng" algn="ctr">
+            <a:noFill/>
+            <a:prstDash val="solid"/>
+          </a:ln>
+          <a:effectLst/>
+        </p:spPr>
+        <p:style>
+          <a:lnRef idx="3">
+            <a:schemeClr val="lt1"/>
+          </a:lnRef>
+          <a:fillRef idx="1">
+            <a:schemeClr val="accent1"/>
+          </a:fillRef>
+          <a:effectRef idx="1">
+            <a:schemeClr val="accent1"/>
+          </a:effectRef>
+          <a:fontRef idx="minor">
+            <a:schemeClr val="lt1"/>
+          </a:fontRef>
+        </p:style>
+        <p:txBody>
+          <a:bodyPr anchor="ctr"/>
+          <a:lstStyle/>
+          <a:p>
+            <a:pPr algn="ctr" eaLnBrk="1" latinLnBrk="0" hangingPunct="1"/>
+            <a:endParaRPr kumimoji="0" lang="en-US"/>
           </a:p>
         </p:txBody>
       </p:sp>
@@ -4354,28 +5107,28 @@
   </p:cSld>
   <p:clrMap bg1="lt1" tx1="dk1" bg2="lt2" tx2="dk2" accent1="accent1" accent2="accent2" accent3="accent3" accent4="accent4" accent5="accent5" accent6="accent6" hlink="hlink" folHlink="folHlink"/>
   <p:sldLayoutIdLst>
-    <p:sldLayoutId id="2147483649" r:id="rId1"/>
-    <p:sldLayoutId id="2147483650" r:id="rId2"/>
-    <p:sldLayoutId id="2147483651" r:id="rId3"/>
-    <p:sldLayoutId id="2147483652" r:id="rId4"/>
-    <p:sldLayoutId id="2147483653" r:id="rId5"/>
-    <p:sldLayoutId id="2147483654" r:id="rId6"/>
-    <p:sldLayoutId id="2147483655" r:id="rId7"/>
-    <p:sldLayoutId id="2147483656" r:id="rId8"/>
-    <p:sldLayoutId id="2147483657" r:id="rId9"/>
-    <p:sldLayoutId id="2147483658" r:id="rId10"/>
-    <p:sldLayoutId id="2147483659" r:id="rId11"/>
+    <p:sldLayoutId id="2147483673" r:id="rId1"/>
+    <p:sldLayoutId id="2147483674" r:id="rId2"/>
+    <p:sldLayoutId id="2147483675" r:id="rId3"/>
+    <p:sldLayoutId id="2147483676" r:id="rId4"/>
+    <p:sldLayoutId id="2147483677" r:id="rId5"/>
+    <p:sldLayoutId id="2147483678" r:id="rId6"/>
+    <p:sldLayoutId id="2147483679" r:id="rId7"/>
+    <p:sldLayoutId id="2147483680" r:id="rId8"/>
+    <p:sldLayoutId id="2147483681" r:id="rId9"/>
+    <p:sldLayoutId id="2147483682" r:id="rId10"/>
+    <p:sldLayoutId id="2147483683" r:id="rId11"/>
   </p:sldLayoutIdLst>
   <p:txStyles>
     <p:titleStyle>
-      <a:lvl1pPr algn="ctr" defTabSz="914400" rtl="0" eaLnBrk="1" latinLnBrk="0" hangingPunct="1">
+      <a:lvl1pPr algn="l" rtl="0" eaLnBrk="1" latinLnBrk="0" hangingPunct="1">
         <a:spcBef>
           <a:spcPct val="0"/>
         </a:spcBef>
         <a:buNone/>
-        <a:defRPr sz="4400" kern="1200">
+        <a:defRPr kumimoji="0" sz="3200" kern="1200">
           <a:solidFill>
-            <a:schemeClr val="tx1"/>
+            <a:schemeClr val="tx2"/>
           </a:solidFill>
           <a:latin typeface="+mj-lt"/>
           <a:ea typeface="+mj-ea"/>
@@ -4384,13 +5137,17 @@
       </a:lvl1pPr>
     </p:titleStyle>
     <p:bodyStyle>
-      <a:lvl1pPr marL="342900" indent="-342900" algn="l" defTabSz="914400" rtl="0" eaLnBrk="1" latinLnBrk="0" hangingPunct="1">
+      <a:lvl1pPr marL="274320" indent="-274320" algn="l" rtl="0" eaLnBrk="1" latinLnBrk="0" hangingPunct="1">
         <a:spcBef>
-          <a:spcPct val="20000"/>
+          <a:spcPts val="600"/>
         </a:spcBef>
-        <a:buFont typeface="Arial" pitchFamily="34" charset="0"/>
-        <a:buChar char="•"/>
-        <a:defRPr sz="3200" kern="1200">
+        <a:buClr>
+          <a:schemeClr val="accent1"/>
+        </a:buClr>
+        <a:buSzPct val="76000"/>
+        <a:buFont typeface="Wingdings 3"/>
+        <a:buChar char=""/>
+        <a:defRPr kumimoji="0" sz="2600" kern="1200">
           <a:solidFill>
             <a:schemeClr val="tx1"/>
           </a:solidFill>
@@ -4399,28 +5156,38 @@
           <a:cs typeface="+mn-cs"/>
         </a:defRPr>
       </a:lvl1pPr>
-      <a:lvl2pPr marL="742950" indent="-285750" algn="l" defTabSz="914400" rtl="0" eaLnBrk="1" latinLnBrk="0" hangingPunct="1">
+      <a:lvl2pPr marL="548640" indent="-274320" algn="l" rtl="0" eaLnBrk="1" latinLnBrk="0" hangingPunct="1">
         <a:spcBef>
-          <a:spcPct val="20000"/>
+          <a:spcPts val="500"/>
         </a:spcBef>
-        <a:buFont typeface="Arial" pitchFamily="34" charset="0"/>
-        <a:buChar char="–"/>
-        <a:defRPr sz="2800" kern="1200">
+        <a:buClr>
+          <a:schemeClr val="accent2"/>
+        </a:buClr>
+        <a:buSzPct val="76000"/>
+        <a:buFont typeface="Wingdings 3"/>
+        <a:buChar char=""/>
+        <a:defRPr kumimoji="0" sz="2300" kern="1200">
           <a:solidFill>
-            <a:schemeClr val="tx1"/>
+            <a:schemeClr val="tx2"/>
           </a:solidFill>
           <a:latin typeface="+mn-lt"/>
           <a:ea typeface="+mn-ea"/>
           <a:cs typeface="+mn-cs"/>
         </a:defRPr>
       </a:lvl2pPr>
-      <a:lvl3pPr marL="1143000" indent="-228600" algn="l" defTabSz="914400" rtl="0" eaLnBrk="1" latinLnBrk="0" hangingPunct="1">
+      <a:lvl3pPr marL="822960" indent="-228600" algn="l" rtl="0" eaLnBrk="1" latinLnBrk="0" hangingPunct="1">
         <a:spcBef>
-          <a:spcPct val="20000"/>
+          <a:spcPts val="500"/>
         </a:spcBef>
-        <a:buFont typeface="Arial" pitchFamily="34" charset="0"/>
-        <a:buChar char="•"/>
-        <a:defRPr sz="2400" kern="1200">
+        <a:buClr>
+          <a:schemeClr val="bg1">
+            <a:shade val="50000"/>
+          </a:schemeClr>
+        </a:buClr>
+        <a:buSzPct val="76000"/>
+        <a:buFont typeface="Wingdings 3"/>
+        <a:buChar char=""/>
+        <a:defRPr kumimoji="0" sz="2000" kern="1200">
           <a:solidFill>
             <a:schemeClr val="tx1"/>
           </a:solidFill>
@@ -4429,13 +5196,19 @@
           <a:cs typeface="+mn-cs"/>
         </a:defRPr>
       </a:lvl3pPr>
-      <a:lvl4pPr marL="1600200" indent="-228600" algn="l" defTabSz="914400" rtl="0" eaLnBrk="1" latinLnBrk="0" hangingPunct="1">
+      <a:lvl4pPr marL="1097280" indent="-228600" algn="l" rtl="0" eaLnBrk="1" latinLnBrk="0" hangingPunct="1">
         <a:spcBef>
-          <a:spcPct val="20000"/>
+          <a:spcPts val="400"/>
         </a:spcBef>
-        <a:buFont typeface="Arial" pitchFamily="34" charset="0"/>
-        <a:buChar char="–"/>
-        <a:defRPr sz="2000" kern="1200">
+        <a:buClr>
+          <a:schemeClr val="accent2">
+            <a:shade val="75000"/>
+          </a:schemeClr>
+        </a:buClr>
+        <a:buSzPct val="70000"/>
+        <a:buFont typeface="Wingdings"/>
+        <a:buChar char=""/>
+        <a:defRPr kumimoji="0" sz="1800" kern="1200">
           <a:solidFill>
             <a:schemeClr val="tx1"/>
           </a:solidFill>
@@ -4444,13 +5217,17 @@
           <a:cs typeface="+mn-cs"/>
         </a:defRPr>
       </a:lvl4pPr>
-      <a:lvl5pPr marL="2057400" indent="-228600" algn="l" defTabSz="914400" rtl="0" eaLnBrk="1" latinLnBrk="0" hangingPunct="1">
+      <a:lvl5pPr marL="1371600" indent="-228600" algn="l" rtl="0" eaLnBrk="1" latinLnBrk="0" hangingPunct="1">
         <a:spcBef>
-          <a:spcPct val="20000"/>
+          <a:spcPts val="300"/>
         </a:spcBef>
-        <a:buFont typeface="Arial" pitchFamily="34" charset="0"/>
-        <a:buChar char="»"/>
-        <a:defRPr sz="2000" kern="1200">
+        <a:buClr>
+          <a:schemeClr val="accent2"/>
+        </a:buClr>
+        <a:buSzPct val="70000"/>
+        <a:buFont typeface="Wingdings"/>
+        <a:buChar char=""/>
+        <a:defRPr kumimoji="0" sz="1600" kern="1200">
           <a:solidFill>
             <a:schemeClr val="tx1"/>
           </a:solidFill>
@@ -4459,13 +5236,19 @@
           <a:cs typeface="+mn-cs"/>
         </a:defRPr>
       </a:lvl5pPr>
-      <a:lvl6pPr marL="2514600" indent="-228600" algn="l" defTabSz="914400" rtl="0" eaLnBrk="1" latinLnBrk="0" hangingPunct="1">
+      <a:lvl6pPr marL="1645920" indent="-182880" algn="l" rtl="0" eaLnBrk="1" latinLnBrk="0" hangingPunct="1">
         <a:spcBef>
-          <a:spcPct val="20000"/>
+          <a:spcPts val="300"/>
         </a:spcBef>
-        <a:buFont typeface="Arial" pitchFamily="34" charset="0"/>
-        <a:buChar char="•"/>
-        <a:defRPr sz="2000" kern="1200">
+        <a:buClr>
+          <a:srgbClr val="9FB8CD">
+            <a:shade val="75000"/>
+          </a:srgbClr>
+        </a:buClr>
+        <a:buSzPct val="75000"/>
+        <a:buFont typeface="Wingdings 3"/>
+        <a:buChar char=""/>
+        <a:defRPr kumimoji="0" lang="en-US" sz="1600" kern="1200" smtClean="0">
           <a:solidFill>
             <a:schemeClr val="tx1"/>
           </a:solidFill>
@@ -4474,13 +5257,19 @@
           <a:cs typeface="+mn-cs"/>
         </a:defRPr>
       </a:lvl6pPr>
-      <a:lvl7pPr marL="2971800" indent="-228600" algn="l" defTabSz="914400" rtl="0" eaLnBrk="1" latinLnBrk="0" hangingPunct="1">
+      <a:lvl7pPr marL="1828800" indent="-182880" algn="l" rtl="0" eaLnBrk="1" latinLnBrk="0" hangingPunct="1">
         <a:spcBef>
-          <a:spcPct val="20000"/>
+          <a:spcPts val="300"/>
         </a:spcBef>
-        <a:buFont typeface="Arial" pitchFamily="34" charset="0"/>
-        <a:buChar char="•"/>
-        <a:defRPr sz="2000" kern="1200">
+        <a:buClr>
+          <a:srgbClr val="727CA3">
+            <a:shade val="75000"/>
+          </a:srgbClr>
+        </a:buClr>
+        <a:buSzPct val="75000"/>
+        <a:buFont typeface="Wingdings 3"/>
+        <a:buChar char=""/>
+        <a:defRPr kumimoji="0" lang="en-US" sz="1400" kern="1200" smtClean="0">
           <a:solidFill>
             <a:schemeClr val="tx1"/>
           </a:solidFill>
@@ -4489,13 +5278,19 @@
           <a:cs typeface="+mn-cs"/>
         </a:defRPr>
       </a:lvl7pPr>
-      <a:lvl8pPr marL="3429000" indent="-228600" algn="l" defTabSz="914400" rtl="0" eaLnBrk="1" latinLnBrk="0" hangingPunct="1">
+      <a:lvl8pPr marL="2011680" indent="-182880" algn="l" rtl="0" eaLnBrk="1" latinLnBrk="0" hangingPunct="1">
         <a:spcBef>
-          <a:spcPct val="20000"/>
+          <a:spcPts val="300"/>
         </a:spcBef>
-        <a:buFont typeface="Arial" pitchFamily="34" charset="0"/>
-        <a:buChar char="•"/>
-        <a:defRPr sz="2000" kern="1200">
+        <a:buClr>
+          <a:prstClr val="white">
+            <a:shade val="50000"/>
+          </a:prstClr>
+        </a:buClr>
+        <a:buSzPct val="75000"/>
+        <a:buFont typeface="Wingdings 3"/>
+        <a:buChar char=""/>
+        <a:defRPr kumimoji="0" lang="en-US" sz="1400" kern="1200" smtClean="0">
           <a:solidFill>
             <a:schemeClr val="tx1"/>
           </a:solidFill>
@@ -4504,13 +5299,17 @@
           <a:cs typeface="+mn-cs"/>
         </a:defRPr>
       </a:lvl8pPr>
-      <a:lvl9pPr marL="3886200" indent="-228600" algn="l" defTabSz="914400" rtl="0" eaLnBrk="1" latinLnBrk="0" hangingPunct="1">
+      <a:lvl9pPr marL="2194560" indent="-182880" algn="l" rtl="0" eaLnBrk="1" latinLnBrk="0" hangingPunct="1">
         <a:spcBef>
-          <a:spcPct val="20000"/>
+          <a:spcPts val="300"/>
         </a:spcBef>
-        <a:buFont typeface="Arial" pitchFamily="34" charset="0"/>
-        <a:buChar char="•"/>
-        <a:defRPr sz="2000" kern="1200">
+        <a:buClr>
+          <a:srgbClr val="9FB8CD"/>
+        </a:buClr>
+        <a:buSzPct val="75000"/>
+        <a:buFont typeface="Wingdings 3"/>
+        <a:buChar char=""/>
+        <a:defRPr kumimoji="0" lang="en-US" sz="1200" kern="1200" smtClean="0">
           <a:solidFill>
             <a:schemeClr val="tx1"/>
           </a:solidFill>
@@ -4521,11 +5320,8 @@
       </a:lvl9pPr>
     </p:bodyStyle>
     <p:otherStyle>
-      <a:defPPr>
-        <a:defRPr lang="es-CO"/>
-      </a:defPPr>
-      <a:lvl1pPr marL="0" algn="l" defTabSz="914400" rtl="0" eaLnBrk="1" latinLnBrk="0" hangingPunct="1">
-        <a:defRPr sz="1800" kern="1200">
+      <a:lvl1pPr marL="0" algn="l" rtl="0" eaLnBrk="1" latinLnBrk="0" hangingPunct="1">
+        <a:defRPr kumimoji="0" kern="1200">
           <a:solidFill>
             <a:schemeClr val="tx1"/>
           </a:solidFill>
@@ -4534,8 +5330,8 @@
           <a:cs typeface="+mn-cs"/>
         </a:defRPr>
       </a:lvl1pPr>
-      <a:lvl2pPr marL="457200" algn="l" defTabSz="914400" rtl="0" eaLnBrk="1" latinLnBrk="0" hangingPunct="1">
-        <a:defRPr sz="1800" kern="1200">
+      <a:lvl2pPr marL="457200" algn="l" rtl="0" eaLnBrk="1" latinLnBrk="0" hangingPunct="1">
+        <a:defRPr kumimoji="0" kern="1200">
           <a:solidFill>
             <a:schemeClr val="tx1"/>
           </a:solidFill>
@@ -4544,8 +5340,8 @@
           <a:cs typeface="+mn-cs"/>
         </a:defRPr>
       </a:lvl2pPr>
-      <a:lvl3pPr marL="914400" algn="l" defTabSz="914400" rtl="0" eaLnBrk="1" latinLnBrk="0" hangingPunct="1">
-        <a:defRPr sz="1800" kern="1200">
+      <a:lvl3pPr marL="914400" algn="l" rtl="0" eaLnBrk="1" latinLnBrk="0" hangingPunct="1">
+        <a:defRPr kumimoji="0" kern="1200">
           <a:solidFill>
             <a:schemeClr val="tx1"/>
           </a:solidFill>
@@ -4554,8 +5350,8 @@
           <a:cs typeface="+mn-cs"/>
         </a:defRPr>
       </a:lvl3pPr>
-      <a:lvl4pPr marL="1371600" algn="l" defTabSz="914400" rtl="0" eaLnBrk="1" latinLnBrk="0" hangingPunct="1">
-        <a:defRPr sz="1800" kern="1200">
+      <a:lvl4pPr marL="1371600" algn="l" rtl="0" eaLnBrk="1" latinLnBrk="0" hangingPunct="1">
+        <a:defRPr kumimoji="0" kern="1200">
           <a:solidFill>
             <a:schemeClr val="tx1"/>
           </a:solidFill>
@@ -4564,8 +5360,8 @@
           <a:cs typeface="+mn-cs"/>
         </a:defRPr>
       </a:lvl4pPr>
-      <a:lvl5pPr marL="1828800" algn="l" defTabSz="914400" rtl="0" eaLnBrk="1" latinLnBrk="0" hangingPunct="1">
-        <a:defRPr sz="1800" kern="1200">
+      <a:lvl5pPr marL="1828800" algn="l" rtl="0" eaLnBrk="1" latinLnBrk="0" hangingPunct="1">
+        <a:defRPr kumimoji="0" kern="1200">
           <a:solidFill>
             <a:schemeClr val="tx1"/>
           </a:solidFill>
@@ -4574,8 +5370,8 @@
           <a:cs typeface="+mn-cs"/>
         </a:defRPr>
       </a:lvl5pPr>
-      <a:lvl6pPr marL="2286000" algn="l" defTabSz="914400" rtl="0" eaLnBrk="1" latinLnBrk="0" hangingPunct="1">
-        <a:defRPr sz="1800" kern="1200">
+      <a:lvl6pPr marL="2286000" algn="l" rtl="0" eaLnBrk="1" latinLnBrk="0" hangingPunct="1">
+        <a:defRPr kumimoji="0" kern="1200">
           <a:solidFill>
             <a:schemeClr val="tx1"/>
           </a:solidFill>
@@ -4584,8 +5380,8 @@
           <a:cs typeface="+mn-cs"/>
         </a:defRPr>
       </a:lvl6pPr>
-      <a:lvl7pPr marL="2743200" algn="l" defTabSz="914400" rtl="0" eaLnBrk="1" latinLnBrk="0" hangingPunct="1">
-        <a:defRPr sz="1800" kern="1200">
+      <a:lvl7pPr marL="2743200" algn="l" rtl="0" eaLnBrk="1" latinLnBrk="0" hangingPunct="1">
+        <a:defRPr kumimoji="0" kern="1200">
           <a:solidFill>
             <a:schemeClr val="tx1"/>
           </a:solidFill>
@@ -4594,8 +5390,8 @@
           <a:cs typeface="+mn-cs"/>
         </a:defRPr>
       </a:lvl7pPr>
-      <a:lvl8pPr marL="3200400" algn="l" defTabSz="914400" rtl="0" eaLnBrk="1" latinLnBrk="0" hangingPunct="1">
-        <a:defRPr sz="1800" kern="1200">
+      <a:lvl8pPr marL="3200400" algn="l" rtl="0" eaLnBrk="1" latinLnBrk="0" hangingPunct="1">
+        <a:defRPr kumimoji="0" kern="1200">
           <a:solidFill>
             <a:schemeClr val="tx1"/>
           </a:solidFill>
@@ -4604,8 +5400,8 @@
           <a:cs typeface="+mn-cs"/>
         </a:defRPr>
       </a:lvl8pPr>
-      <a:lvl9pPr marL="3657600" algn="l" defTabSz="914400" rtl="0" eaLnBrk="1" latinLnBrk="0" hangingPunct="1">
-        <a:defRPr sz="1800" kern="1200">
+      <a:lvl9pPr marL="3657600" algn="l" rtl="0" eaLnBrk="1" latinLnBrk="0" hangingPunct="1">
+        <a:defRPr kumimoji="0" kern="1200">
           <a:solidFill>
             <a:schemeClr val="tx1"/>
           </a:solidFill>
@@ -4648,7 +5444,9 @@
         </p:nvSpPr>
         <p:spPr/>
         <p:txBody>
-          <a:bodyPr/>
+          <a:bodyPr>
+            <a:normAutofit fontScale="90000"/>
+          </a:bodyPr>
           <a:lstStyle/>
           <a:p>
             <a:r>
@@ -4683,7 +5481,7 @@
           <a:p>
             <a:r>
               <a:rPr lang="es-CO" dirty="0" smtClean="0"/>
-              <a:t>“nombre del grupo”</a:t>
+              <a:t>QUICK  ORDER</a:t>
             </a:r>
             <a:endParaRPr lang="es-CO" dirty="0"/>
           </a:p>
@@ -4694,12 +5492,24 @@
   <p:clrMapOvr>
     <a:masterClrMapping/>
   </p:clrMapOvr>
+  <p:timing>
+    <p:tnLst>
+      <p:par>
+        <p:cTn id="1" dur="indefinite" restart="never" nodeType="tmRoot"/>
+      </p:par>
+    </p:tnLst>
+  </p:timing>
 </p:sld>
 </file>
 
 <file path=ppt/slides/slide10.xml><?xml version="1.0" encoding="utf-8"?>
 <p:sld xmlns:a="http://schemas.openxmlformats.org/drawingml/2006/main" xmlns:r="http://schemas.openxmlformats.org/officeDocument/2006/relationships" xmlns:p="http://schemas.openxmlformats.org/presentationml/2006/main">
   <p:cSld>
+    <p:bg>
+      <p:bgRef idx="1001">
+        <a:schemeClr val="bg1"/>
+      </p:bgRef>
+    </p:bg>
     <p:spTree>
       <p:nvGrpSpPr>
         <p:cNvPr id="1" name=""/>
@@ -4731,7 +5541,7 @@
           <a:p>
             <a:r>
               <a:rPr lang="es-CO" dirty="0" smtClean="0"/>
-              <a:t>Roles</a:t>
+              <a:t>Líder de Grupo</a:t>
             </a:r>
             <a:endParaRPr lang="es-CO" dirty="0"/>
           </a:p>
@@ -4744,18 +5554,55 @@
             <a:spLocks noGrp="1"/>
           </p:cNvSpPr>
           <p:nvPr>
-            <p:ph idx="1"/>
-          </p:nvPr>
-        </p:nvSpPr>
-        <p:spPr/>
-        <p:txBody>
-          <a:bodyPr/>
+            <p:ph sz="quarter" idx="1"/>
+          </p:nvPr>
+        </p:nvSpPr>
+        <p:spPr/>
+        <p:txBody>
+          <a:bodyPr anchor="ctr"/>
           <a:lstStyle/>
           <a:p>
             <a:r>
               <a:rPr lang="es-CO" dirty="0" smtClean="0"/>
-              <a:t>Asignación, objetivos y metas</a:t>
-            </a:r>
+              <a:t>Iván Darío Vargas Rojas:</a:t>
+            </a:r>
+          </a:p>
+          <a:p>
+            <a:pPr lvl="1"/>
+            <a:r>
+              <a:rPr lang="es-CO" dirty="0" smtClean="0"/>
+              <a:t>Capacidad en expresión oral y escrita.</a:t>
+            </a:r>
+          </a:p>
+          <a:p>
+            <a:pPr lvl="1"/>
+            <a:r>
+              <a:rPr lang="es-CO" dirty="0" smtClean="0"/>
+              <a:t>Experiencia en análisis, diseño, desarrollo, implementación, soporte en caliente de un sistema de información.</a:t>
+            </a:r>
+          </a:p>
+          <a:p>
+            <a:r>
+              <a:rPr lang="es-CO" dirty="0" smtClean="0"/>
+              <a:t>Metas:</a:t>
+            </a:r>
+          </a:p>
+          <a:p>
+            <a:pPr lvl="1"/>
+            <a:r>
+              <a:rPr lang="es-CO" dirty="0" smtClean="0"/>
+              <a:t>Garantizar que el equipo sea eficiente y eficaz.</a:t>
+            </a:r>
+          </a:p>
+          <a:p>
+            <a:pPr lvl="1"/>
+            <a:r>
+              <a:rPr lang="es-CO" dirty="0" smtClean="0"/>
+              <a:t>Tener capacidad de desempeñar los diferentes tipos de roles del equipo.</a:t>
+            </a:r>
+          </a:p>
+          <a:p>
+            <a:pPr lvl="1"/>
             <a:endParaRPr lang="es-CO" dirty="0"/>
           </a:p>
         </p:txBody>
@@ -4763,14 +5610,26 @@
     </p:spTree>
   </p:cSld>
   <p:clrMapOvr>
-    <a:masterClrMapping/>
+    <a:overrideClrMapping bg1="lt1" tx1="dk1" bg2="lt2" tx2="dk2" accent1="accent1" accent2="accent2" accent3="accent3" accent4="accent4" accent5="accent5" accent6="accent6" hlink="hlink" folHlink="folHlink"/>
   </p:clrMapOvr>
+  <p:timing>
+    <p:tnLst>
+      <p:par>
+        <p:cTn id="1" dur="indefinite" restart="never" nodeType="tmRoot"/>
+      </p:par>
+    </p:tnLst>
+  </p:timing>
 </p:sld>
 </file>
 
 <file path=ppt/slides/slide11.xml><?xml version="1.0" encoding="utf-8"?>
 <p:sld xmlns:a="http://schemas.openxmlformats.org/drawingml/2006/main" xmlns:r="http://schemas.openxmlformats.org/officeDocument/2006/relationships" xmlns:p="http://schemas.openxmlformats.org/presentationml/2006/main">
   <p:cSld>
+    <p:bg>
+      <p:bgRef idx="1001">
+        <a:schemeClr val="bg1"/>
+      </p:bgRef>
+    </p:bg>
     <p:spTree>
       <p:nvGrpSpPr>
         <p:cNvPr id="1" name=""/>
@@ -4802,7 +5661,7 @@
           <a:p>
             <a:r>
               <a:rPr lang="es-CO" dirty="0" smtClean="0"/>
-              <a:t>Líder de Grupo</a:t>
+              <a:t>Líder de Planeación</a:t>
             </a:r>
             <a:endParaRPr lang="es-CO" dirty="0"/>
           </a:p>
@@ -4815,64 +5674,183 @@
             <a:spLocks noGrp="1"/>
           </p:cNvSpPr>
           <p:nvPr>
-            <p:ph idx="1"/>
-          </p:nvPr>
-        </p:nvSpPr>
-        <p:spPr/>
-        <p:txBody>
-          <a:bodyPr/>
-          <a:lstStyle/>
-          <a:p>
+            <p:ph sz="quarter" idx="1"/>
+          </p:nvPr>
+        </p:nvSpPr>
+        <p:spPr/>
+        <p:txBody>
+          <a:bodyPr anchor="ctr">
+            <a:normAutofit/>
+          </a:bodyPr>
+          <a:lstStyle/>
+          <a:p>
+            <a:pPr marL="57150" indent="0">
+              <a:buNone/>
+            </a:pPr>
+            <a:endParaRPr lang="es-CO" sz="2800" dirty="0" smtClean="0">
+              <a:latin typeface="Arial"/>
+              <a:cs typeface="Arial"/>
+            </a:endParaRPr>
+          </a:p>
+          <a:p>
+            <a:pPr marL="57150" indent="0">
+              <a:buNone/>
+            </a:pPr>
+            <a:r>
+              <a:rPr lang="es-CO" sz="2800" dirty="0" smtClean="0">
+                <a:latin typeface="Arial"/>
+                <a:cs typeface="Arial"/>
+              </a:rPr>
+              <a:t> </a:t>
+            </a:r>
+            <a:r>
+              <a:rPr lang="es-CO" dirty="0">
+                <a:cs typeface="Arial"/>
+              </a:rPr>
+              <a:t> </a:t>
+            </a:r>
+            <a:r>
+              <a:rPr lang="es-CO" dirty="0"/>
+              <a:t>Adriana Ortiz </a:t>
+            </a:r>
             <a:r>
               <a:rPr lang="es-CO" dirty="0" smtClean="0"/>
-              <a:t>Iván Darío Vargas Rojas:</a:t>
+              <a:t>Rueda</a:t>
+            </a:r>
+          </a:p>
+          <a:p>
+            <a:pPr marL="57150" indent="0">
+              <a:buNone/>
+            </a:pPr>
+            <a:endParaRPr lang="es-CO" dirty="0"/>
+          </a:p>
+          <a:p>
+            <a:pPr marL="57150" indent="0">
+              <a:buNone/>
+            </a:pPr>
+            <a:r>
+              <a:rPr lang="es-CO" sz="2400" b="1" dirty="0" smtClean="0">
+                <a:latin typeface="Arial"/>
+                <a:cs typeface="Arial"/>
+              </a:rPr>
+              <a:t> </a:t>
+            </a:r>
+            <a:r>
+              <a:rPr lang="es-CO" dirty="0"/>
+              <a:t>Metas:</a:t>
             </a:r>
           </a:p>
           <a:p>
             <a:pPr lvl="1"/>
             <a:r>
+              <a:rPr lang="es-CO" sz="2300" dirty="0" smtClean="0">
+                <a:cs typeface="Arial"/>
+              </a:rPr>
+              <a:t> </a:t>
+            </a:r>
+            <a:r>
+              <a:rPr lang="es-ES" dirty="0"/>
+              <a:t>Especificar las tareas y las horas por cada una </a:t>
+            </a:r>
+            <a:r>
+              <a:rPr lang="es-CO" dirty="0"/>
+              <a:t>de </a:t>
+            </a:r>
+            <a:r>
+              <a:rPr lang="es-ES" dirty="0"/>
+              <a:t>las </a:t>
+            </a:r>
+            <a:r>
               <a:rPr lang="es-CO" dirty="0" smtClean="0"/>
-              <a:t>Capacidad en expresión oral y escrita.</a:t>
+              <a:t>faces.</a:t>
             </a:r>
           </a:p>
           <a:p>
             <a:pPr lvl="1"/>
             <a:r>
+              <a:rPr lang="es-ES" dirty="0"/>
+              <a:t>Documentar las tareas en el formato </a:t>
+            </a:r>
+            <a:r>
+              <a:rPr lang="es-CO" dirty="0"/>
+              <a:t>de </a:t>
+            </a:r>
+            <a:r>
+              <a:rPr lang="es-ES" dirty="0" smtClean="0"/>
+              <a:t>Tareas </a:t>
+            </a:r>
+            <a:endParaRPr lang="es-CO" dirty="0"/>
+          </a:p>
+          <a:p>
+            <a:pPr lvl="1"/>
+            <a:r>
+              <a:rPr lang="es-ES" dirty="0"/>
+              <a:t>Completar el formato del cronograma individual y </a:t>
+            </a:r>
+            <a:r>
+              <a:rPr lang="es-CO" dirty="0"/>
+              <a:t>del </a:t>
+            </a:r>
+            <a:r>
+              <a:rPr lang="es-ES" dirty="0" smtClean="0"/>
+              <a:t>grupo</a:t>
+            </a:r>
+            <a:endParaRPr lang="es-CO" dirty="0"/>
+          </a:p>
+          <a:p>
+            <a:pPr lvl="1"/>
+            <a:r>
+              <a:rPr lang="es-ES" dirty="0" smtClean="0"/>
+              <a:t>Identificar </a:t>
+            </a:r>
+            <a:r>
+              <a:rPr lang="es-ES" dirty="0"/>
+              <a:t>posibles desbalances en los planes</a:t>
+            </a:r>
+            <a:endParaRPr lang="es-CO" dirty="0"/>
+          </a:p>
+          <a:p>
+            <a:pPr lvl="1"/>
+            <a:r>
               <a:rPr lang="es-CO" dirty="0" smtClean="0"/>
-              <a:t>Experiencia en análisis, diseño, desarrollo, implementación, soporte en caliente de un sistema de información.</a:t>
-            </a:r>
-          </a:p>
-          <a:p>
-            <a:r>
-              <a:rPr lang="es-CO" dirty="0" smtClean="0"/>
-              <a:t>Metas:</a:t>
-            </a:r>
-          </a:p>
-          <a:p>
-            <a:pPr lvl="1"/>
-            <a:r>
-              <a:rPr lang="es-CO" dirty="0" smtClean="0"/>
-              <a:t>Garantizar que el equipo sea eficiente y eficaz.</a:t>
-            </a:r>
-          </a:p>
-          <a:p>
-            <a:pPr lvl="1"/>
-            <a:r>
-              <a:rPr lang="es-CO" dirty="0" smtClean="0"/>
-              <a:t>Tener capacidad de desempeñar los diferentes tipos de roles del equipo.</a:t>
-            </a:r>
-          </a:p>
-          <a:p>
-            <a:pPr lvl="1"/>
+              <a:t> </a:t>
+            </a:r>
+            <a:r>
+              <a:rPr lang="es-ES" dirty="0"/>
+              <a:t>Conducir el grupo para ajustar los desbalances</a:t>
+            </a:r>
             <a:endParaRPr lang="es-CO" dirty="0"/>
           </a:p>
+          <a:p>
+            <a:pPr marL="57150" indent="0">
+              <a:buNone/>
+            </a:pPr>
+            <a:endParaRPr lang="es-CO" sz="2300" dirty="0">
+              <a:solidFill>
+                <a:srgbClr val="000000"/>
+              </a:solidFill>
+              <a:cs typeface="Calibri"/>
+            </a:endParaRPr>
+          </a:p>
         </p:txBody>
       </p:sp>
     </p:spTree>
+    <p:extLst>
+      <p:ext uri="{BB962C8B-B14F-4D97-AF65-F5344CB8AC3E}">
+        <p14:creationId xmlns:p14="http://schemas.microsoft.com/office/powerpoint/2010/main" val="1334424169"/>
+      </p:ext>
+    </p:extLst>
   </p:cSld>
   <p:clrMapOvr>
-    <a:masterClrMapping/>
+    <a:overrideClrMapping bg1="lt1" tx1="dk1" bg2="lt2" tx2="dk2" accent1="accent1" accent2="accent2" accent3="accent3" accent4="accent4" accent5="accent5" accent6="accent6" hlink="hlink" folHlink="folHlink"/>
   </p:clrMapOvr>
+  <p:timing>
+    <p:tnLst>
+      <p:par>
+        <p:cTn id="1" dur="indefinite" restart="never" nodeType="tmRoot"/>
+      </p:par>
+    </p:tnLst>
+  </p:timing>
 </p:sld>
 </file>
 
@@ -4923,56 +5901,78 @@
             <a:spLocks noGrp="1"/>
           </p:cNvSpPr>
           <p:nvPr>
-            <p:ph idx="1"/>
-          </p:nvPr>
-        </p:nvSpPr>
-        <p:spPr/>
-        <p:txBody>
-          <a:bodyPr/>
-          <a:lstStyle/>
-          <a:p>
+            <p:ph sz="quarter" idx="1"/>
+          </p:nvPr>
+        </p:nvSpPr>
+        <p:spPr/>
+        <p:txBody>
+          <a:bodyPr anchor="ctr">
+            <a:normAutofit/>
+          </a:bodyPr>
+          <a:lstStyle/>
+          <a:p>
+            <a:pPr lvl="1"/>
             <a:r>
               <a:rPr lang="es-CO" dirty="0" smtClean="0"/>
-              <a:t>Iván Darío Vargas Rojas:</a:t>
+              <a:t>Producir </a:t>
+            </a:r>
+            <a:r>
+              <a:rPr lang="es-CO" dirty="0"/>
+              <a:t>un cronograma completo  y preciso de las actividades  a realizar</a:t>
             </a:r>
           </a:p>
           <a:p>
             <a:pPr lvl="1"/>
             <a:r>
+              <a:rPr lang="es-ES" dirty="0" smtClean="0"/>
+              <a:t>Reportar </a:t>
+            </a:r>
+            <a:r>
+              <a:rPr lang="es-ES" dirty="0"/>
+              <a:t>con exactitud los avances que se realicen  </a:t>
+            </a:r>
+            <a:r>
+              <a:rPr lang="es-CO" dirty="0"/>
+              <a:t>en </a:t>
+            </a:r>
+            <a:r>
+              <a:rPr lang="es-ES" dirty="0"/>
+              <a:t>las actividades  programadas para cada semana.</a:t>
+            </a:r>
+          </a:p>
+          <a:p>
+            <a:pPr lvl="1"/>
+            <a:r>
               <a:rPr lang="es-CO" dirty="0" smtClean="0"/>
-              <a:t>Capacidad en expresión oral y escrita.</a:t>
+              <a:t> </a:t>
+            </a:r>
+            <a:r>
+              <a:rPr lang="es-ES" dirty="0"/>
+              <a:t>Producir un plan completo</a:t>
+            </a:r>
+            <a:r>
+              <a:rPr lang="es-CO" dirty="0"/>
+              <a:t>, </a:t>
+            </a:r>
+            <a:r>
+              <a:rPr lang="es-ES" dirty="0"/>
+              <a:t>preciso y exacto  del plan del equipo y </a:t>
+            </a:r>
+            <a:r>
+              <a:rPr lang="es-CO" dirty="0"/>
+              <a:t>de cada uno de sus miembros</a:t>
             </a:r>
           </a:p>
           <a:p>
             <a:pPr lvl="1"/>
             <a:r>
               <a:rPr lang="es-CO" dirty="0" smtClean="0"/>
-              <a:t>Experiencia en análisis, diseño, desarrollo, implementación, soporte en caliente de un sistema de información.</a:t>
-            </a:r>
-          </a:p>
-          <a:p>
-            <a:r>
-              <a:rPr lang="es-CO" dirty="0" smtClean="0"/>
-              <a:t>Metas:</a:t>
-            </a:r>
-          </a:p>
-          <a:p>
-            <a:pPr lvl="1"/>
-            <a:r>
-              <a:rPr lang="es-CO" dirty="0" smtClean="0"/>
-              <a:t>Garantizar que el equipo sea eficiente y eficaz.</a:t>
-            </a:r>
-          </a:p>
-          <a:p>
-            <a:pPr lvl="1"/>
-            <a:r>
-              <a:rPr lang="es-CO" dirty="0" smtClean="0"/>
-              <a:t>Tener capacidad de desempeñar los diferentes tipos de roles del equipo.</a:t>
-            </a:r>
-          </a:p>
-          <a:p>
-            <a:pPr lvl="1"/>
-            <a:endParaRPr lang="es-CO" dirty="0"/>
+              <a:t>Definir </a:t>
+            </a:r>
+            <a:r>
+              <a:rPr lang="es-CO" dirty="0"/>
+              <a:t>los productos que deberán producirse y sus estimativo de tamaño</a:t>
+            </a:r>
           </a:p>
         </p:txBody>
       </p:sp>
@@ -4981,6 +5981,13 @@
   <p:clrMapOvr>
     <a:masterClrMapping/>
   </p:clrMapOvr>
+  <p:timing>
+    <p:tnLst>
+      <p:par>
+        <p:cTn id="1" dur="indefinite" restart="never" nodeType="tmRoot"/>
+      </p:par>
+    </p:tnLst>
+  </p:timing>
 </p:sld>
 </file>
 
@@ -5018,7 +6025,7 @@
           <a:p>
             <a:r>
               <a:rPr lang="es-CO" dirty="0" smtClean="0"/>
-              <a:t>Líder de Desarrollo</a:t>
+              <a:t>Líder de Planeación</a:t>
             </a:r>
             <a:endParaRPr lang="es-CO" dirty="0"/>
           </a:p>
@@ -5031,80 +6038,115 @@
             <a:spLocks noGrp="1"/>
           </p:cNvSpPr>
           <p:nvPr>
-            <p:ph idx="1"/>
-          </p:nvPr>
-        </p:nvSpPr>
-        <p:spPr/>
-        <p:txBody>
-          <a:bodyPr>
+            <p:ph sz="quarter" idx="1"/>
+          </p:nvPr>
+        </p:nvSpPr>
+        <p:spPr>
+          <a:xfrm>
+            <a:off x="673443" y="1368511"/>
+            <a:ext cx="8229600" cy="4525963"/>
+          </a:xfrm>
+        </p:spPr>
+        <p:txBody>
+          <a:bodyPr anchor="ctr">
             <a:normAutofit/>
           </a:bodyPr>
           <a:lstStyle/>
           <a:p>
-            <a:r>
-              <a:rPr lang="es-CO" b="1" dirty="0" smtClean="0"/>
-              <a:t>Luis Andrés Olarte Zabala</a:t>
-            </a:r>
-            <a:r>
-              <a:rPr lang="es-CO" b="1" dirty="0" smtClean="0"/>
-              <a:t>:</a:t>
-            </a:r>
-          </a:p>
-          <a:p>
-            <a:pPr>
-              <a:buNone/>
-            </a:pPr>
-            <a:r>
-              <a:rPr lang="es-CO" b="1" dirty="0" smtClean="0"/>
-              <a:t> </a:t>
-            </a:r>
-            <a:r>
-              <a:rPr lang="es-CO" b="1" dirty="0" smtClean="0"/>
-              <a:t>	</a:t>
-            </a:r>
+            <a:pPr lvl="1"/>
+            <a:r>
+              <a:rPr lang="es-ES" dirty="0" smtClean="0"/>
+              <a:t>Generar </a:t>
+            </a:r>
+            <a:r>
+              <a:rPr lang="es-ES" dirty="0"/>
+              <a:t>el plan consolidado </a:t>
+            </a:r>
+          </a:p>
+          <a:p>
+            <a:pPr lvl="1"/>
             <a:r>
               <a:rPr lang="es-CO" dirty="0" smtClean="0"/>
-              <a:t>Conocimientos técnicos en la plataforma seleccionada por el grupo.</a:t>
-            </a:r>
-          </a:p>
-          <a:p>
-            <a:pPr>
-              <a:buNone/>
-            </a:pPr>
-            <a:r>
-              <a:rPr lang="es-CO" b="1" dirty="0" smtClean="0"/>
-              <a:t>	</a:t>
+              <a:t>Producir </a:t>
+            </a:r>
+            <a:r>
+              <a:rPr lang="es-ES" dirty="0"/>
+              <a:t>un  reporte semanal del proyecto con respecto al valor </a:t>
+            </a:r>
+            <a:r>
+              <a:rPr lang="es-ES" dirty="0" smtClean="0"/>
+              <a:t>ganado </a:t>
             </a:r>
             <a:r>
               <a:rPr lang="es-CO" dirty="0" smtClean="0"/>
-              <a:t>Capacidad en organización y conocimiento en el campo del desarrollo.</a:t>
-            </a:r>
-          </a:p>
-          <a:p>
-            <a:pPr>
-              <a:buNone/>
-            </a:pPr>
-            <a:r>
-              <a:rPr lang="es-CO" b="1" dirty="0" smtClean="0"/>
-              <a:t>	</a:t>
-            </a:r>
+              <a:t>y </a:t>
+            </a:r>
+            <a:r>
+              <a:rPr lang="es-CO" dirty="0"/>
+              <a:t>al tiempo</a:t>
+            </a:r>
+          </a:p>
+          <a:p>
+            <a:pPr lvl="1"/>
             <a:r>
               <a:rPr lang="es-CO" dirty="0" smtClean="0"/>
-              <a:t>Experiencia con problemas comunes en el desarrollo.</a:t>
-            </a:r>
-            <a:endParaRPr lang="es-CO" dirty="0" smtClean="0"/>
+              <a:t>Generar </a:t>
+            </a:r>
+            <a:r>
+              <a:rPr lang="es-CO" dirty="0"/>
+              <a:t>el </a:t>
+            </a:r>
+            <a:r>
+              <a:rPr lang="es-CO" dirty="0" smtClean="0"/>
+              <a:t>reporte de </a:t>
+            </a:r>
+            <a:r>
+              <a:rPr lang="es-CO" dirty="0"/>
+              <a:t>estado semanal</a:t>
+            </a:r>
           </a:p>
           <a:p>
             <a:pPr lvl="1"/>
-            <a:endParaRPr lang="es-CO" u="sng" dirty="0"/>
+            <a:r>
+              <a:rPr lang="es-ES" dirty="0" smtClean="0"/>
+              <a:t>Producir </a:t>
+            </a:r>
+            <a:r>
+              <a:rPr lang="es-ES" dirty="0"/>
+              <a:t>un reporte semanal </a:t>
+            </a:r>
+            <a:r>
+              <a:rPr lang="es-CO" dirty="0"/>
+              <a:t> de análisisdel desempeño </a:t>
+            </a:r>
+            <a:r>
+              <a:rPr lang="es-CO" dirty="0" smtClean="0"/>
+              <a:t>real </a:t>
+            </a:r>
+            <a:r>
+              <a:rPr lang="es-CO" dirty="0"/>
+              <a:t>contra lo planeado</a:t>
+            </a:r>
           </a:p>
         </p:txBody>
       </p:sp>
     </p:spTree>
+    <p:extLst>
+      <p:ext uri="{BB962C8B-B14F-4D97-AF65-F5344CB8AC3E}">
+        <p14:creationId xmlns:p14="http://schemas.microsoft.com/office/powerpoint/2010/main" val="250822945"/>
+      </p:ext>
+    </p:extLst>
   </p:cSld>
   <p:clrMapOvr>
     <a:masterClrMapping/>
   </p:clrMapOvr>
+  <p:timing>
+    <p:tnLst>
+      <p:par>
+        <p:cTn id="1" dur="indefinite" restart="never" nodeType="tmRoot"/>
+      </p:par>
+    </p:tnLst>
+  </p:timing>
 </p:sld>
 </file>
 
@@ -5142,7 +6184,7 @@
           <a:p>
             <a:r>
               <a:rPr lang="es-CO" dirty="0" smtClean="0"/>
-              <a:t>Líder de Calidad</a:t>
+              <a:t>Líder de Desarrollo</a:t>
             </a:r>
             <a:endParaRPr lang="es-CO" dirty="0"/>
           </a:p>
@@ -5155,62 +6197,94 @@
             <a:spLocks noGrp="1"/>
           </p:cNvSpPr>
           <p:nvPr>
-            <p:ph idx="1"/>
-          </p:nvPr>
-        </p:nvSpPr>
-        <p:spPr/>
-        <p:txBody>
-          <a:bodyPr/>
-          <a:lstStyle/>
-          <a:p>
-            <a:r>
-              <a:rPr lang="es-CO" dirty="0">
-                <a:cs typeface="Calibri"/>
-              </a:rPr>
-              <a:t>Hollman Mauricio Paipa</a:t>
-            </a:r>
-            <a:r>
-              <a:rPr lang="es-CO" dirty="0"/>
-              <a:t>:</a:t>
-            </a:r>
-          </a:p>
+            <p:ph sz="quarter" idx="1"/>
+          </p:nvPr>
+        </p:nvSpPr>
+        <p:spPr/>
+        <p:txBody>
+          <a:bodyPr anchor="ctr">
+            <a:normAutofit fontScale="92500"/>
+          </a:bodyPr>
+          <a:lstStyle/>
           <a:p>
             <a:pPr lvl="1"/>
-            <a:r>
-              <a:rPr lang="es-CO" dirty="0"/>
-              <a:t>Capacidad en expresión oral y escrita.</a:t>
+            <a:endParaRPr lang="es-ES" dirty="0" smtClean="0"/>
+          </a:p>
+          <a:p>
+            <a:pPr marL="274320" lvl="1" indent="0">
+              <a:buNone/>
+            </a:pPr>
+            <a:r>
+              <a:rPr lang="es-CO" sz="2500" b="1" dirty="0"/>
+              <a:t>Luis Andrés Olarte</a:t>
             </a:r>
           </a:p>
           <a:p>
             <a:pPr lvl="1"/>
-            <a:r>
-              <a:rPr lang="es-CO" dirty="0"/>
-              <a:t>Experiencia en análisis, diseño, desarrollo, implementación, soporte en caliente de un sistema de información.</a:t>
-            </a:r>
-          </a:p>
-          <a:p>
-            <a:r>
-              <a:rPr lang="es-CO" dirty="0"/>
-              <a:t>Metas:</a:t>
-            </a:r>
+            <a:endParaRPr lang="es-ES" dirty="0"/>
           </a:p>
           <a:p>
             <a:pPr lvl="1"/>
             <a:r>
-              <a:rPr lang="es-CO" dirty="0"/>
-              <a:t>Garantizar que el equipo sea eficiente y eficaz.</a:t>
+              <a:rPr lang="es-ES" dirty="0" smtClean="0"/>
+              <a:t>Conocimientos </a:t>
+            </a:r>
+            <a:r>
+              <a:rPr lang="es-ES" dirty="0"/>
+              <a:t>técnicos en la plataforma seleccionada por el grupo.</a:t>
             </a:r>
           </a:p>
           <a:p>
             <a:pPr lvl="1"/>
             <a:r>
-              <a:rPr lang="es-CO" dirty="0"/>
-              <a:t>Tener capacidad de desempeñar los diferentes tipos de roles del equipo.</a:t>
+              <a:rPr lang="es-ES" dirty="0"/>
+              <a:t> Capacidad en organización y conocimiento en el campo del desarrollo.</a:t>
             </a:r>
           </a:p>
           <a:p>
             <a:pPr lvl="1"/>
-            <a:endParaRPr lang="es-CO" dirty="0"/>
+            <a:r>
+              <a:rPr lang="es-ES" dirty="0"/>
+              <a:t> Experiencia con problemas comunes en el desarrollo</a:t>
+            </a:r>
+            <a:r>
+              <a:rPr lang="es-ES" dirty="0" smtClean="0"/>
+              <a:t>.</a:t>
+            </a:r>
+          </a:p>
+          <a:p>
+            <a:pPr lvl="1"/>
+            <a:endParaRPr lang="es-ES" dirty="0"/>
+          </a:p>
+          <a:p>
+            <a:pPr marL="274320" lvl="1" indent="0">
+              <a:buNone/>
+            </a:pPr>
+            <a:r>
+              <a:rPr lang="es-ES" b="1" dirty="0" smtClean="0"/>
+              <a:t>Metas</a:t>
+            </a:r>
+          </a:p>
+          <a:p>
+            <a:pPr lvl="1"/>
+            <a:r>
+              <a:rPr lang="es-ES" dirty="0"/>
+              <a:t>Definir técnicamente por lo menos el 80% de los requerimientos.</a:t>
+            </a:r>
+          </a:p>
+          <a:p>
+            <a:pPr lvl="1"/>
+            <a:r>
+              <a:rPr lang="es-ES" dirty="0"/>
+              <a:t>Resolver el 80% de las dudas técnicas de los integrantes del grupo.</a:t>
+            </a:r>
+            <a:endParaRPr lang="es-ES" dirty="0" smtClean="0"/>
+          </a:p>
+          <a:p>
+            <a:pPr marL="274320" lvl="1" indent="0">
+              <a:buNone/>
+            </a:pPr>
+            <a:endParaRPr lang="es-CO" b="1" dirty="0"/>
           </a:p>
         </p:txBody>
       </p:sp>
@@ -5219,6 +6293,13 @@
   <p:clrMapOvr>
     <a:masterClrMapping/>
   </p:clrMapOvr>
+  <p:timing>
+    <p:tnLst>
+      <p:par>
+        <p:cTn id="1" dur="indefinite" restart="never" nodeType="tmRoot"/>
+      </p:par>
+    </p:tnLst>
+  </p:timing>
 </p:sld>
 </file>
 
@@ -5256,7 +6337,7 @@
           <a:p>
             <a:r>
               <a:rPr lang="es-CO" dirty="0" smtClean="0"/>
-              <a:t>Líder de Soporte</a:t>
+              <a:t>Líder de Desarrollo</a:t>
             </a:r>
             <a:endParaRPr lang="es-CO" dirty="0"/>
           </a:p>
@@ -5269,69 +6350,70 @@
             <a:spLocks noGrp="1"/>
           </p:cNvSpPr>
           <p:nvPr>
-            <p:ph idx="1"/>
-          </p:nvPr>
-        </p:nvSpPr>
-        <p:spPr>
-          <a:xfrm>
-            <a:off x="549460" y="1554070"/>
-            <a:ext cx="8229600" cy="4525963"/>
-          </a:xfrm>
-        </p:spPr>
-        <p:txBody>
-          <a:bodyPr/>
-          <a:lstStyle/>
-          <a:p>
-            <a:r>
-              <a:rPr lang="es-CO" dirty="0" smtClean="0"/>
-              <a:t>Iván Darío Vargas Rojas:</a:t>
-            </a:r>
-          </a:p>
+            <p:ph sz="quarter" idx="1"/>
+          </p:nvPr>
+        </p:nvSpPr>
+        <p:spPr/>
+        <p:txBody>
+          <a:bodyPr anchor="ctr"/>
+          <a:lstStyle/>
           <a:p>
             <a:pPr lvl="1"/>
             <a:r>
-              <a:rPr lang="es-CO" dirty="0" smtClean="0"/>
-              <a:t>Capacidad en expresión oral y escrita.</a:t>
+              <a:rPr lang="es-ES" dirty="0"/>
+              <a:t>Crear los estándares de codificación para la aplicación y velar por  el </a:t>
+            </a:r>
+            <a:r>
+              <a:rPr lang="es-ES" dirty="0" smtClean="0"/>
+              <a:t>80</a:t>
+            </a:r>
+            <a:r>
+              <a:rPr lang="es-ES" dirty="0"/>
+              <a:t>% del cumplimiento de </a:t>
+            </a:r>
+            <a:r>
+              <a:rPr lang="es-ES" dirty="0" smtClean="0"/>
+              <a:t>estos</a:t>
             </a:r>
           </a:p>
           <a:p>
             <a:pPr lvl="1"/>
             <a:r>
-              <a:rPr lang="es-CO" dirty="0" smtClean="0"/>
-              <a:t>Experiencia en análisis, diseño, desarrollo, implementación, soporte en caliente de un sistema de información.</a:t>
-            </a:r>
-          </a:p>
-          <a:p>
-            <a:r>
-              <a:rPr lang="es-CO" dirty="0" smtClean="0"/>
-              <a:t>Metas:</a:t>
+              <a:rPr lang="es-ES" dirty="0"/>
+              <a:t>Analizar y plantear soluciones para el 80% de los problemas técnicos de los integrantes del grupo</a:t>
+            </a:r>
+            <a:r>
+              <a:rPr lang="es-ES" dirty="0" smtClean="0"/>
+              <a:t>.</a:t>
             </a:r>
           </a:p>
           <a:p>
             <a:pPr lvl="1"/>
             <a:r>
-              <a:rPr lang="es-CO" dirty="0" smtClean="0"/>
-              <a:t>Garantizar que el equipo sea eficiente y eficaz.</a:t>
-            </a:r>
-          </a:p>
-          <a:p>
-            <a:pPr lvl="1"/>
-            <a:r>
-              <a:rPr lang="es-CO" dirty="0" smtClean="0"/>
-              <a:t>Tener capacidad de desempeñar los diferentes tipos de roles del equipo.</a:t>
-            </a:r>
-          </a:p>
-          <a:p>
-            <a:pPr lvl="1"/>
+              <a:rPr lang="es-ES" dirty="0"/>
+              <a:t>Analizar y dar aval técnico por lo menos al 80% de los casos de uso y encontrar los problemas durante el análisis de estos.</a:t>
+            </a:r>
             <a:endParaRPr lang="es-CO" dirty="0"/>
           </a:p>
         </p:txBody>
       </p:sp>
     </p:spTree>
+    <p:extLst>
+      <p:ext uri="{BB962C8B-B14F-4D97-AF65-F5344CB8AC3E}">
+        <p14:creationId xmlns:p14="http://schemas.microsoft.com/office/powerpoint/2010/main" val="1659243356"/>
+      </p:ext>
+    </p:extLst>
   </p:cSld>
   <p:clrMapOvr>
     <a:masterClrMapping/>
   </p:clrMapOvr>
+  <p:timing>
+    <p:tnLst>
+      <p:par>
+        <p:cTn id="1" dur="indefinite" restart="never" nodeType="tmRoot"/>
+      </p:par>
+    </p:tnLst>
+  </p:timing>
 </p:sld>
 </file>
 
@@ -5369,7 +6451,7 @@
           <a:p>
             <a:r>
               <a:rPr lang="es-CO" dirty="0" smtClean="0"/>
-              <a:t>Responsabilidades primer ciclo</a:t>
+              <a:t>Líder de Calidad</a:t>
             </a:r>
             <a:endParaRPr lang="es-CO" dirty="0"/>
           </a:p>
@@ -5382,32 +6464,70 @@
             <a:spLocks noGrp="1"/>
           </p:cNvSpPr>
           <p:nvPr>
-            <p:ph idx="1"/>
-          </p:nvPr>
-        </p:nvSpPr>
-        <p:spPr/>
-        <p:txBody>
-          <a:bodyPr>
-            <a:normAutofit fontScale="92500" lnSpcReduction="20000"/>
+            <p:ph sz="quarter" idx="1"/>
+          </p:nvPr>
+        </p:nvSpPr>
+        <p:spPr/>
+        <p:txBody>
+          <a:bodyPr anchor="ctr">
+            <a:normAutofit/>
           </a:bodyPr>
           <a:lstStyle/>
           <a:p>
-            <a:r>
-              <a:rPr lang="es-CO" dirty="0" smtClean="0"/>
-              <a:t>Realizar el levantamiento de los requerimientos del sistema de información (debe ir apoyado por documentos).</a:t>
-            </a:r>
-          </a:p>
-          <a:p>
-            <a:r>
-              <a:rPr lang="es-CO" dirty="0" smtClean="0"/>
-              <a:t>Realizar una visión general del sistema de información, documentando los instrumentos que se utilizarán en el desarrollo (documento de arquitectura, metodologías de planeación, de desarrollo, etc.). </a:t>
-            </a:r>
-          </a:p>
-          <a:p>
-            <a:r>
-              <a:rPr lang="es-CO" dirty="0" smtClean="0"/>
-              <a:t>Analizar los requerimientos de manera en la cual se puedan realizar los respectivos casos de uso, especificación de los mismos.</a:t>
-            </a:r>
+            <a:pPr marL="274320" lvl="1" indent="0">
+              <a:buNone/>
+            </a:pPr>
+            <a:r>
+              <a:rPr lang="es-CO" b="1" dirty="0"/>
+              <a:t>Hollman Mauricio </a:t>
+            </a:r>
+            <a:r>
+              <a:rPr lang="es-CO" b="1" dirty="0" smtClean="0"/>
+              <a:t>Paipa</a:t>
+            </a:r>
+          </a:p>
+          <a:p>
+            <a:pPr marL="274320" lvl="1" indent="0">
+              <a:buNone/>
+            </a:pPr>
+            <a:endParaRPr lang="es-ES" b="1" dirty="0" smtClean="0"/>
+          </a:p>
+          <a:p>
+            <a:pPr lvl="1"/>
+            <a:r>
+              <a:rPr lang="es-ES" dirty="0" smtClean="0"/>
+              <a:t>Verificar   </a:t>
+            </a:r>
+            <a:r>
+              <a:rPr lang="es-ES" dirty="0"/>
+              <a:t>semanalmente que las tareas  dejadas al grupo de trabajo se cumplan según lo indicado en el plan de trabajo.</a:t>
+            </a:r>
+          </a:p>
+          <a:p>
+            <a:pPr lvl="1"/>
+            <a:r>
+              <a:rPr lang="es-ES" dirty="0" smtClean="0"/>
+              <a:t>Intervenir </a:t>
+            </a:r>
+            <a:r>
+              <a:rPr lang="es-ES" dirty="0"/>
+              <a:t>en  reuniones grupales como vocero  encargado de actas  de todo lo pactado y los temas tratados en cada reunión.</a:t>
+            </a:r>
+          </a:p>
+          <a:p>
+            <a:pPr lvl="1"/>
+            <a:r>
+              <a:rPr lang="es-ES" dirty="0" smtClean="0"/>
+              <a:t>Verificar </a:t>
+            </a:r>
+            <a:r>
+              <a:rPr lang="es-ES" dirty="0"/>
+              <a:t>ortografía y calidad de trabajo de cada una de las tareas de los integrantes del grupo de trabajo y que estas cumplan con lo adecuado.</a:t>
+            </a:r>
+          </a:p>
+          <a:p>
+            <a:pPr lvl="1"/>
+            <a:endParaRPr lang="es-CO" dirty="0"/>
           </a:p>
         </p:txBody>
       </p:sp>
@@ -5416,6 +6536,13 @@
   <p:clrMapOvr>
     <a:masterClrMapping/>
   </p:clrMapOvr>
+  <p:timing>
+    <p:tnLst>
+      <p:par>
+        <p:cTn id="1" dur="indefinite" restart="never" nodeType="tmRoot"/>
+      </p:par>
+    </p:tnLst>
+  </p:timing>
 </p:sld>
 </file>
 
@@ -5453,7 +6580,7 @@
           <a:p>
             <a:r>
               <a:rPr lang="es-CO" dirty="0" smtClean="0"/>
-              <a:t>Responsabilidades primer ciclo</a:t>
+              <a:t>Líder de Soporte</a:t>
             </a:r>
             <a:endParaRPr lang="es-CO" dirty="0"/>
           </a:p>
@@ -5466,62 +6593,16 @@
             <a:spLocks noGrp="1"/>
           </p:cNvSpPr>
           <p:nvPr>
-            <p:ph idx="1"/>
-          </p:nvPr>
-        </p:nvSpPr>
-        <p:spPr/>
-        <p:txBody>
-          <a:bodyPr>
-            <a:normAutofit fontScale="92500" lnSpcReduction="10000"/>
-          </a:bodyPr>
-          <a:lstStyle/>
-          <a:p>
-            <a:r>
-              <a:rPr lang="es-CO" dirty="0" smtClean="0"/>
-              <a:t>Realizar prototipo visual que apoye los casos de uso.</a:t>
-            </a:r>
-          </a:p>
-          <a:p>
-            <a:r>
-              <a:rPr lang="es-CO" dirty="0" smtClean="0"/>
-              <a:t>Realizar la estimación de los tiempos de desarrollo para cada una de las personas, teniendo en cuenta la curva de aprendizaje. </a:t>
-            </a:r>
-          </a:p>
-          <a:p>
-            <a:r>
-              <a:rPr lang="es-CO" dirty="0" smtClean="0"/>
-              <a:t>Realizar los casos de prueba por caso de uso.</a:t>
-            </a:r>
-          </a:p>
-          <a:p>
-            <a:r>
-              <a:rPr lang="es-CO" dirty="0" smtClean="0"/>
-              <a:t>Realizar las pruebas, y la respectiva corrección.</a:t>
-            </a:r>
-          </a:p>
-          <a:p>
-            <a:r>
-              <a:rPr lang="es-CO" dirty="0" smtClean="0"/>
-              <a:t>Realizar la implementación de la solución.</a:t>
-            </a:r>
-          </a:p>
-          <a:p>
-            <a:r>
-              <a:rPr lang="es-CO" dirty="0" smtClean="0"/>
-              <a:t>Cada persona debe llevar su respectivo </a:t>
-            </a:r>
-            <a:r>
-              <a:rPr lang="es-CO" dirty="0" err="1" smtClean="0"/>
-              <a:t>psp</a:t>
-            </a:r>
-            <a:r>
-              <a:rPr lang="es-CO" dirty="0" smtClean="0"/>
-              <a:t>.</a:t>
-            </a:r>
+            <p:ph sz="quarter" idx="1"/>
+          </p:nvPr>
+        </p:nvSpPr>
+        <p:spPr/>
+        <p:txBody>
+          <a:bodyPr/>
+          <a:lstStyle/>
+          <a:p>
+            <a:pPr lvl="1"/>
             <a:endParaRPr lang="es-CO" dirty="0"/>
-          </a:p>
-          <a:p>
-            <a:endParaRPr lang="es-CO" dirty="0" smtClean="0"/>
           </a:p>
         </p:txBody>
       </p:sp>
@@ -5530,6 +6611,13 @@
   <p:clrMapOvr>
     <a:masterClrMapping/>
   </p:clrMapOvr>
+  <p:timing>
+    <p:tnLst>
+      <p:par>
+        <p:cTn id="1" dur="indefinite" restart="never" nodeType="tmRoot"/>
+      </p:par>
+    </p:tnLst>
+  </p:timing>
 </p:sld>
 </file>
 
@@ -5567,7 +6655,7 @@
           <a:p>
             <a:r>
               <a:rPr lang="es-CO" dirty="0" smtClean="0"/>
-              <a:t>Reglas generales para el grupo</a:t>
+              <a:t>Responsabilidades primer ciclo</a:t>
             </a:r>
             <a:endParaRPr lang="es-CO" dirty="0"/>
           </a:p>
@@ -5580,7 +6668,71 @@
             <a:spLocks noGrp="1"/>
           </p:cNvSpPr>
           <p:nvPr>
-            <p:ph idx="1"/>
+            <p:ph sz="quarter" idx="1"/>
+          </p:nvPr>
+        </p:nvSpPr>
+        <p:spPr/>
+        <p:txBody>
+          <a:bodyPr anchor="ctr">
+            <a:normAutofit/>
+          </a:bodyPr>
+          <a:lstStyle/>
+          <a:p>
+            <a:pPr lvl="1"/>
+            <a:r>
+              <a:rPr lang="es-CO" dirty="0"/>
+              <a:t>Realizar el levantamiento de los requerimientos del sistema de información (debe ir apoyado por documentos).</a:t>
+            </a:r>
+          </a:p>
+          <a:p>
+            <a:pPr lvl="1"/>
+            <a:r>
+              <a:rPr lang="es-CO" dirty="0"/>
+              <a:t>Realizar una visión general del sistema de información, documentando los instrumentos que se utilizarán en el desarrollo (documento de arquitectura, metodologías de planeación, de desarrollo, etc.). </a:t>
+            </a:r>
+          </a:p>
+          <a:p>
+            <a:pPr lvl="1"/>
+            <a:r>
+              <a:rPr lang="es-CO" dirty="0"/>
+              <a:t>Analizar los requerimientos de manera en la cual se puedan realizar los respectivos casos de uso, especificación de los mismos.</a:t>
+            </a:r>
+          </a:p>
+        </p:txBody>
+      </p:sp>
+    </p:spTree>
+  </p:cSld>
+  <p:clrMapOvr>
+    <a:masterClrMapping/>
+  </p:clrMapOvr>
+</p:sld>
+</file>
+
+<file path=ppt/slides/slide19.xml><?xml version="1.0" encoding="utf-8"?>
+<p:sld xmlns:a="http://schemas.openxmlformats.org/drawingml/2006/main" xmlns:r="http://schemas.openxmlformats.org/officeDocument/2006/relationships" xmlns:p="http://schemas.openxmlformats.org/presentationml/2006/main">
+  <p:cSld>
+    <p:spTree>
+      <p:nvGrpSpPr>
+        <p:cNvPr id="1" name=""/>
+        <p:cNvGrpSpPr/>
+        <p:nvPr/>
+      </p:nvGrpSpPr>
+      <p:grpSpPr>
+        <a:xfrm>
+          <a:off x="0" y="0"/>
+          <a:ext cx="0" cy="0"/>
+          <a:chOff x="0" y="0"/>
+          <a:chExt cx="0" cy="0"/>
+        </a:xfrm>
+      </p:grpSpPr>
+      <p:sp>
+        <p:nvSpPr>
+          <p:cNvPr id="2" name="1 Título"/>
+          <p:cNvSpPr>
+            <a:spLocks noGrp="1"/>
+          </p:cNvSpPr>
+          <p:nvPr>
+            <p:ph type="title"/>
           </p:nvPr>
         </p:nvSpPr>
         <p:spPr/>
@@ -5590,17 +6742,80 @@
           <a:p>
             <a:r>
               <a:rPr lang="es-CO" dirty="0" smtClean="0"/>
-              <a:t>Crear horarios de reunión semanal de manera personal, y por lo menos, 3 durante la semana de manera virtual.</a:t>
-            </a:r>
-          </a:p>
-          <a:p>
-            <a:r>
-              <a:rPr lang="es-CO" dirty="0" smtClean="0"/>
-              <a:t>Unificar las herramientas para la comunicación.</a:t>
-            </a:r>
-            <a:endParaRPr lang="es-CO" smtClean="0"/>
-          </a:p>
-          <a:p>
+              <a:t>Responsabilidades primer ciclo</a:t>
+            </a:r>
+            <a:endParaRPr lang="es-CO" dirty="0"/>
+          </a:p>
+        </p:txBody>
+      </p:sp>
+      <p:sp>
+        <p:nvSpPr>
+          <p:cNvPr id="3" name="2 Marcador de contenido"/>
+          <p:cNvSpPr>
+            <a:spLocks noGrp="1"/>
+          </p:cNvSpPr>
+          <p:nvPr>
+            <p:ph sz="quarter" idx="1"/>
+          </p:nvPr>
+        </p:nvSpPr>
+        <p:spPr/>
+        <p:txBody>
+          <a:bodyPr anchor="ctr">
+            <a:normAutofit/>
+          </a:bodyPr>
+          <a:lstStyle/>
+          <a:p>
+            <a:pPr lvl="1"/>
+            <a:r>
+              <a:rPr lang="es-CO" dirty="0"/>
+              <a:t>Realizar prototipo visual que apoye los casos de uso.</a:t>
+            </a:r>
+          </a:p>
+          <a:p>
+            <a:pPr lvl="1"/>
+            <a:r>
+              <a:rPr lang="es-CO" dirty="0"/>
+              <a:t>Realizar la estimación de los tiempos de desarrollo para cada una de las personas, teniendo en cuenta la curva de aprendizaje. </a:t>
+            </a:r>
+          </a:p>
+          <a:p>
+            <a:pPr lvl="1"/>
+            <a:r>
+              <a:rPr lang="es-CO" dirty="0"/>
+              <a:t>Realizar los casos de prueba por caso de uso.</a:t>
+            </a:r>
+          </a:p>
+          <a:p>
+            <a:pPr lvl="1"/>
+            <a:r>
+              <a:rPr lang="es-CO" dirty="0"/>
+              <a:t>Realizar las pruebas, y la respectiva corrección.</a:t>
+            </a:r>
+          </a:p>
+          <a:p>
+            <a:pPr lvl="1"/>
+            <a:r>
+              <a:rPr lang="es-CO" dirty="0"/>
+              <a:t>Realizar la implementación de la solución.</a:t>
+            </a:r>
+          </a:p>
+          <a:p>
+            <a:pPr lvl="1"/>
+            <a:r>
+              <a:rPr lang="es-CO" dirty="0"/>
+              <a:t>Cada persona debe llevar su respectivo </a:t>
+            </a:r>
+            <a:r>
+              <a:rPr lang="es-CO" dirty="0" err="1"/>
+              <a:t>psp</a:t>
+            </a:r>
+            <a:r>
+              <a:rPr lang="es-CO" dirty="0"/>
+              <a:t>.</a:t>
+            </a:r>
+          </a:p>
+          <a:p>
+            <a:pPr lvl="1"/>
             <a:endParaRPr lang="es-CO" dirty="0"/>
           </a:p>
         </p:txBody>
@@ -5660,7 +6875,69 @@
             <a:spLocks noGrp="1"/>
           </p:cNvSpPr>
           <p:nvPr>
-            <p:ph idx="1"/>
+            <p:ph sz="quarter" idx="1"/>
+          </p:nvPr>
+        </p:nvSpPr>
+        <p:spPr>
+          <a:xfrm>
+            <a:off x="440183" y="1702304"/>
+            <a:ext cx="8229600" cy="4525963"/>
+          </a:xfrm>
+        </p:spPr>
+        <p:txBody>
+          <a:bodyPr anchor="ctr">
+            <a:normAutofit/>
+          </a:bodyPr>
+          <a:lstStyle/>
+          <a:p>
+            <a:pPr lvl="1"/>
+            <a:r>
+              <a:rPr lang="es-CO" dirty="0"/>
+              <a:t>Desarrollar el sistema de información de acuerdo a los requerimientos establecidos por el cliente, además, entregar el producto con altos niveles de calidad.</a:t>
+            </a:r>
+          </a:p>
+        </p:txBody>
+      </p:sp>
+    </p:spTree>
+  </p:cSld>
+  <p:clrMapOvr>
+    <a:masterClrMapping/>
+  </p:clrMapOvr>
+  <p:timing>
+    <p:tnLst>
+      <p:par>
+        <p:cTn id="1" dur="indefinite" restart="never" nodeType="tmRoot"/>
+      </p:par>
+    </p:tnLst>
+  </p:timing>
+</p:sld>
+</file>
+
+<file path=ppt/slides/slide20.xml><?xml version="1.0" encoding="utf-8"?>
+<p:sld xmlns:a="http://schemas.openxmlformats.org/drawingml/2006/main" xmlns:r="http://schemas.openxmlformats.org/officeDocument/2006/relationships" xmlns:p="http://schemas.openxmlformats.org/presentationml/2006/main">
+  <p:cSld>
+    <p:spTree>
+      <p:nvGrpSpPr>
+        <p:cNvPr id="1" name=""/>
+        <p:cNvGrpSpPr/>
+        <p:nvPr/>
+      </p:nvGrpSpPr>
+      <p:grpSpPr>
+        <a:xfrm>
+          <a:off x="0" y="0"/>
+          <a:ext cx="0" cy="0"/>
+          <a:chOff x="0" y="0"/>
+          <a:chExt cx="0" cy="0"/>
+        </a:xfrm>
+      </p:grpSpPr>
+      <p:sp>
+        <p:nvSpPr>
+          <p:cNvPr id="2" name="1 Título"/>
+          <p:cNvSpPr>
+            <a:spLocks noGrp="1"/>
+          </p:cNvSpPr>
+          <p:nvPr>
+            <p:ph type="title"/>
           </p:nvPr>
         </p:nvSpPr>
         <p:spPr/>
@@ -5670,8 +6947,44 @@
           <a:p>
             <a:r>
               <a:rPr lang="es-CO" dirty="0" smtClean="0"/>
-              <a:t>Desarrollar el sistema de información de acuerdo a los requerimientos establecidos por el cliente, además, entregar el producto con altos niveles de calidad.</a:t>
-            </a:r>
+              <a:t>Reglas generales para el grupo</a:t>
+            </a:r>
+            <a:endParaRPr lang="es-CO" dirty="0"/>
+          </a:p>
+        </p:txBody>
+      </p:sp>
+      <p:sp>
+        <p:nvSpPr>
+          <p:cNvPr id="3" name="2 Marcador de contenido"/>
+          <p:cNvSpPr>
+            <a:spLocks noGrp="1"/>
+          </p:cNvSpPr>
+          <p:nvPr>
+            <p:ph sz="quarter" idx="1"/>
+          </p:nvPr>
+        </p:nvSpPr>
+        <p:spPr/>
+        <p:txBody>
+          <a:bodyPr anchor="ctr">
+            <a:normAutofit/>
+          </a:bodyPr>
+          <a:lstStyle/>
+          <a:p>
+            <a:pPr lvl="1"/>
+            <a:r>
+              <a:rPr lang="es-CO" dirty="0"/>
+              <a:t>Crear horarios de reunión semanal de manera personal, y por lo menos, 3 durante la semana de manera virtual.</a:t>
+            </a:r>
+          </a:p>
+          <a:p>
+            <a:pPr lvl="1"/>
+            <a:r>
+              <a:rPr lang="es-CO" dirty="0"/>
+              <a:t>Unificar las herramientas para la comunicación.</a:t>
+            </a:r>
+          </a:p>
+          <a:p>
+            <a:pPr lvl="1"/>
             <a:endParaRPr lang="es-CO" dirty="0"/>
           </a:p>
         </p:txBody>
@@ -5731,29 +7044,39 @@
             <a:spLocks noGrp="1"/>
           </p:cNvSpPr>
           <p:nvPr>
-            <p:ph idx="1"/>
-          </p:nvPr>
-        </p:nvSpPr>
-        <p:spPr/>
-        <p:txBody>
-          <a:bodyPr/>
-          <a:lstStyle/>
-          <a:p>
-            <a:r>
-              <a:rPr lang="es-CO" dirty="0" smtClean="0"/>
+            <p:ph sz="quarter" idx="1"/>
+          </p:nvPr>
+        </p:nvSpPr>
+        <p:spPr/>
+        <p:txBody>
+          <a:bodyPr anchor="ctr"/>
+          <a:lstStyle/>
+          <a:p>
+            <a:pPr lvl="1"/>
+            <a:r>
+              <a:rPr lang="es-CO" dirty="0"/>
               <a:t>Obtener gran cantidad de requerimientos, analizarlos, y no dejarlos repetidos.</a:t>
             </a:r>
           </a:p>
           <a:p>
-            <a:r>
-              <a:rPr lang="es-CO" dirty="0" smtClean="0"/>
+            <a:pPr lvl="1"/>
+            <a:r>
+              <a:rPr lang="es-CO" dirty="0"/>
               <a:t>Realizar una buena planeación para el primer ciclo, en el cual, se estimen los tiempos de las diferentes fases.</a:t>
             </a:r>
           </a:p>
           <a:p>
-            <a:r>
-              <a:rPr lang="es-CO" dirty="0" smtClean="0"/>
+            <a:pPr lvl="1"/>
+            <a:r>
+              <a:rPr lang="es-CO" dirty="0"/>
               <a:t>Realizar desarrollo optimo del sistema de información, con su respectiva documentación de código.</a:t>
+            </a:r>
+          </a:p>
+          <a:p>
+            <a:pPr lvl="1"/>
+            <a:r>
+              <a:rPr lang="es-CO" dirty="0"/>
+              <a:t>Detectar problemas con sus respectivas soluciones, para que el impacto sea mínimo durante el segundo ciclo de desarrollo del aplicativo.</a:t>
             </a:r>
           </a:p>
           <a:p>
@@ -5772,6 +7095,13 @@
   <p:clrMapOvr>
     <a:masterClrMapping/>
   </p:clrMapOvr>
+  <p:timing>
+    <p:tnLst>
+      <p:par>
+        <p:cTn id="1" dur="indefinite" restart="never" nodeType="tmRoot"/>
+      </p:par>
+    </p:tnLst>
+  </p:timing>
 </p:sld>
 </file>
 
@@ -5809,49 +7139,73 @@
           <a:p>
             <a:r>
               <a:rPr lang="es-CO" dirty="0" smtClean="0"/>
-              <a:t>Metas (</a:t>
-            </a:r>
-            <a:r>
-              <a:rPr lang="es-CO" dirty="0" err="1" smtClean="0"/>
-              <a:t>continuacion</a:t>
-            </a:r>
+              <a:t>Objetivo de cada líder</a:t>
+            </a:r>
+            <a:endParaRPr lang="es-CO" dirty="0"/>
+          </a:p>
+        </p:txBody>
+      </p:sp>
+      <p:sp>
+        <p:nvSpPr>
+          <p:cNvPr id="3" name="2 Marcador de contenido"/>
+          <p:cNvSpPr>
+            <a:spLocks noGrp="1"/>
+          </p:cNvSpPr>
+          <p:nvPr>
+            <p:ph sz="quarter" idx="1"/>
+          </p:nvPr>
+        </p:nvSpPr>
+        <p:spPr/>
+        <p:txBody>
+          <a:bodyPr anchor="ctr"/>
+          <a:lstStyle/>
+          <a:p>
             <a:r>
               <a:rPr lang="es-CO" dirty="0" smtClean="0"/>
-              <a:t>)</a:t>
-            </a:r>
-            <a:endParaRPr lang="es-CO" dirty="0"/>
-          </a:p>
-        </p:txBody>
-      </p:sp>
-      <p:sp>
-        <p:nvSpPr>
-          <p:cNvPr id="3" name="2 Marcador de contenido"/>
-          <p:cNvSpPr>
-            <a:spLocks noGrp="1"/>
-          </p:cNvSpPr>
-          <p:nvPr>
-            <p:ph idx="1"/>
-          </p:nvPr>
-        </p:nvSpPr>
-        <p:spPr/>
-        <p:txBody>
-          <a:bodyPr/>
-          <a:lstStyle/>
-          <a:p>
+              <a:t>Líder de Grupo: </a:t>
+            </a:r>
+          </a:p>
+          <a:p>
+            <a:pPr lvl="1"/>
             <a:r>
               <a:rPr lang="es-CO" dirty="0" smtClean="0"/>
-              <a:t>Detectar problemas con sus respectivas soluciones, para que el impacto sea </a:t>
-            </a:r>
-            <a:r>
-              <a:rPr lang="es-CO" dirty="0" err="1" smtClean="0"/>
-              <a:t>minimo</a:t>
-            </a:r>
+              <a:t>Mantener un equipo efectivo.</a:t>
+            </a:r>
+          </a:p>
+          <a:p>
+            <a:pPr lvl="1"/>
             <a:r>
               <a:rPr lang="es-CO" dirty="0" smtClean="0"/>
-              <a:t> durante el segundo ciclo de desarrollo del aplicativo.</a:t>
-            </a:r>
-          </a:p>
-          <a:p>
+              <a:t>Motivar a los demás integrantes del equipo.</a:t>
+            </a:r>
+          </a:p>
+          <a:p>
+            <a:pPr lvl="1"/>
+            <a:r>
+              <a:rPr lang="es-CO" dirty="0" smtClean="0"/>
+              <a:t>Resolver los conflictos presentados.</a:t>
+            </a:r>
+          </a:p>
+          <a:p>
+            <a:pPr lvl="1"/>
+            <a:r>
+              <a:rPr lang="es-CO" dirty="0" smtClean="0"/>
+              <a:t>Facilitador efectivo en las reuniones.</a:t>
+            </a:r>
+          </a:p>
+          <a:p>
+            <a:pPr lvl="1"/>
+            <a:r>
+              <a:rPr lang="es-CO" dirty="0" smtClean="0"/>
+              <a:t>Apoyar a los demás líderes del equipo.</a:t>
+            </a:r>
+          </a:p>
+          <a:p>
+            <a:pPr lvl="1"/>
+            <a:r>
+              <a:rPr lang="es-CO" dirty="0" smtClean="0"/>
+              <a:t>Aprender de los demás líderes del equipo.</a:t>
+            </a:r>
             <a:endParaRPr lang="es-CO" dirty="0"/>
           </a:p>
         </p:txBody>
@@ -5861,6 +7215,13 @@
   <p:clrMapOvr>
     <a:masterClrMapping/>
   </p:clrMapOvr>
+  <p:timing>
+    <p:tnLst>
+      <p:par>
+        <p:cTn id="1" dur="indefinite" restart="never" nodeType="tmRoot"/>
+      </p:par>
+    </p:tnLst>
+  </p:timing>
 </p:sld>
 </file>
 
@@ -5893,12 +7254,22 @@
         </p:nvSpPr>
         <p:spPr/>
         <p:txBody>
-          <a:bodyPr/>
+          <a:bodyPr>
+            <a:normAutofit/>
+          </a:bodyPr>
           <a:lstStyle/>
           <a:p>
             <a:r>
               <a:rPr lang="es-CO" dirty="0" smtClean="0"/>
-              <a:t>Objetivo de cada líder</a:t>
+              <a:t>Objetivo </a:t>
+            </a:r>
+            <a:r>
+              <a:rPr lang="es-CO" dirty="0"/>
+              <a:t>Líder de </a:t>
+            </a:r>
+            <a:r>
+              <a:rPr lang="es-CO" dirty="0" smtClean="0"/>
+              <a:t>planeación</a:t>
             </a:r>
             <a:endParaRPr lang="es-CO" dirty="0"/>
           </a:p>
@@ -5911,69 +7282,33 @@
             <a:spLocks noGrp="1"/>
           </p:cNvSpPr>
           <p:nvPr>
-            <p:ph idx="1"/>
-          </p:nvPr>
-        </p:nvSpPr>
-        <p:spPr/>
-        <p:txBody>
-          <a:bodyPr/>
-          <a:lstStyle/>
-          <a:p>
-            <a:r>
-              <a:rPr lang="es-CO" dirty="0" smtClean="0"/>
-              <a:t>Líder de Grupo: </a:t>
-            </a:r>
-          </a:p>
+            <p:ph sz="quarter" idx="1"/>
+          </p:nvPr>
+        </p:nvSpPr>
+        <p:spPr>
+          <a:xfrm>
+            <a:off x="55605" y="1445741"/>
+            <a:ext cx="8229600" cy="4525963"/>
+          </a:xfrm>
+        </p:spPr>
+        <p:txBody>
+          <a:bodyPr anchor="ctr">
+            <a:normAutofit/>
+          </a:bodyPr>
+          <a:lstStyle/>
           <a:p>
             <a:pPr lvl="1"/>
             <a:r>
-              <a:rPr lang="es-CO" dirty="0" smtClean="0"/>
-              <a:t>Mantener un equipo efectivo.</a:t>
+              <a:rPr lang="es-CO" dirty="0"/>
+              <a:t>Ser un miembro activo y productivo, que ayude a cumplir con el objetivo y  en los tiempos estimados para la realización del proyecto.</a:t>
             </a:r>
           </a:p>
           <a:p>
             <a:pPr lvl="1"/>
             <a:r>
-              <a:rPr lang="es-CO" dirty="0" smtClean="0"/>
-              <a:t>Motivar a los </a:t>
-            </a:r>
-            <a:r>
-              <a:rPr lang="es-CO" dirty="0" err="1" smtClean="0"/>
-              <a:t>demas</a:t>
-            </a:r>
-            <a:r>
-              <a:rPr lang="es-CO" dirty="0" smtClean="0"/>
-              <a:t> integrantes del equipo.</a:t>
-            </a:r>
-          </a:p>
-          <a:p>
-            <a:pPr lvl="1"/>
-            <a:r>
-              <a:rPr lang="es-CO" dirty="0" smtClean="0"/>
-              <a:t>Resolver los conflictos presentados.</a:t>
-            </a:r>
-          </a:p>
-          <a:p>
-            <a:pPr lvl="1"/>
-            <a:r>
-              <a:rPr lang="es-CO" dirty="0" smtClean="0"/>
-              <a:t>Facilitador efectivo en las reuniones.</a:t>
-            </a:r>
-          </a:p>
-          <a:p>
-            <a:pPr lvl="1"/>
-            <a:r>
-              <a:rPr lang="es-CO" dirty="0" smtClean="0"/>
-              <a:t>Apoyar a los demás líderes del equipo.</a:t>
-            </a:r>
-          </a:p>
-          <a:p>
-            <a:pPr lvl="1"/>
-            <a:r>
-              <a:rPr lang="es-CO" dirty="0" smtClean="0"/>
-              <a:t>Aprender de los demás líderes del equipo.</a:t>
-            </a:r>
-            <a:endParaRPr lang="es-CO" dirty="0"/>
+              <a:rPr lang="es-CO" dirty="0"/>
+              <a:t>Dar soporte y guía al grupo en la tareas de  Planeación y seguimiento del proyecto. </a:t>
+            </a:r>
           </a:p>
         </p:txBody>
       </p:sp>
@@ -5982,6 +7317,13 @@
   <p:clrMapOvr>
     <a:masterClrMapping/>
   </p:clrMapOvr>
+  <p:timing>
+    <p:tnLst>
+      <p:par>
+        <p:cTn id="1" dur="indefinite" restart="never" nodeType="tmRoot"/>
+      </p:par>
+    </p:tnLst>
+  </p:timing>
 </p:sld>
 </file>
 
@@ -6015,13 +7357,21 @@
         <p:spPr/>
         <p:txBody>
           <a:bodyPr>
-            <a:normAutofit fontScale="90000"/>
+            <a:normAutofit/>
           </a:bodyPr>
           <a:lstStyle/>
           <a:p>
             <a:r>
               <a:rPr lang="es-CO" dirty="0" smtClean="0"/>
-              <a:t>Objetivo de cada líder (continuación…)</a:t>
+              <a:t>Objetivo </a:t>
+            </a:r>
+            <a:r>
+              <a:rPr lang="es-CO" dirty="0"/>
+              <a:t>Líder de </a:t>
+            </a:r>
+            <a:r>
+              <a:rPr lang="es-CO" dirty="0" smtClean="0"/>
+              <a:t>desarrollo</a:t>
             </a:r>
             <a:endParaRPr lang="es-CO" dirty="0"/>
           </a:p>
@@ -6034,22 +7384,19 @@
             <a:spLocks noGrp="1"/>
           </p:cNvSpPr>
           <p:nvPr>
-            <p:ph idx="1"/>
-          </p:nvPr>
-        </p:nvSpPr>
-        <p:spPr/>
-        <p:txBody>
-          <a:bodyPr/>
-          <a:lstStyle/>
-          <a:p>
-            <a:r>
-              <a:rPr lang="es-CO" dirty="0" smtClean="0"/>
-              <a:t>Líder de planeación:</a:t>
-            </a:r>
-          </a:p>
+            <p:ph sz="quarter" idx="1"/>
+          </p:nvPr>
+        </p:nvSpPr>
+        <p:spPr/>
+        <p:txBody>
+          <a:bodyPr anchor="ctr"/>
+          <a:lstStyle/>
           <a:p>
             <a:pPr lvl="1"/>
-            <a:endParaRPr lang="es-CO" dirty="0"/>
+            <a:r>
+              <a:rPr lang="es-CO" dirty="0"/>
+              <a:t> Facilitar técnica y conceptualmente los requerimientos del usuario y velar por el desarrollo de estos y el cumplimiento de las normas establecidas por el grupo</a:t>
+            </a:r>
           </a:p>
         </p:txBody>
       </p:sp>
@@ -6091,13 +7438,21 @@
         <p:spPr/>
         <p:txBody>
           <a:bodyPr>
-            <a:normAutofit fontScale="90000"/>
+            <a:normAutofit/>
           </a:bodyPr>
           <a:lstStyle/>
           <a:p>
             <a:r>
               <a:rPr lang="es-CO" dirty="0" smtClean="0"/>
-              <a:t>Objetivo de cada líder (continuación…)</a:t>
+              <a:t>Objetivo </a:t>
+            </a:r>
+            <a:r>
+              <a:rPr lang="es-CO" dirty="0"/>
+              <a:t>Líder de </a:t>
+            </a:r>
+            <a:r>
+              <a:rPr lang="es-CO" dirty="0" smtClean="0"/>
+              <a:t>calidad</a:t>
             </a:r>
             <a:endParaRPr lang="es-CO" dirty="0"/>
           </a:p>
@@ -6110,146 +7465,39 @@
             <a:spLocks noGrp="1"/>
           </p:cNvSpPr>
           <p:nvPr>
-            <p:ph idx="1"/>
-          </p:nvPr>
-        </p:nvSpPr>
-        <p:spPr/>
-        <p:txBody>
-          <a:bodyPr>
-            <a:normAutofit fontScale="70000" lnSpcReduction="20000"/>
-          </a:bodyPr>
-          <a:lstStyle/>
-          <a:p>
+            <p:ph sz="quarter" idx="1"/>
+          </p:nvPr>
+        </p:nvSpPr>
+        <p:spPr/>
+        <p:txBody>
+          <a:bodyPr/>
+          <a:lstStyle/>
+          <a:p>
+            <a:pPr lvl="1"/>
+            <a:endParaRPr lang="es-CO" dirty="0" smtClean="0"/>
+          </a:p>
+          <a:p>
+            <a:pPr lvl="1"/>
+            <a:endParaRPr lang="es-CO" dirty="0"/>
+          </a:p>
+          <a:p>
+            <a:pPr lvl="1"/>
+            <a:endParaRPr lang="es-CO" dirty="0" smtClean="0"/>
+          </a:p>
+          <a:p>
+            <a:pPr lvl="1"/>
             <a:r>
               <a:rPr lang="es-CO" dirty="0" smtClean="0"/>
-              <a:t>Líder de desarrollo:</a:t>
-            </a:r>
-          </a:p>
-          <a:p>
-            <a:r>
-              <a:rPr lang="es-CO" b="1" dirty="0" smtClean="0"/>
-              <a:t>Objetivo General</a:t>
-            </a:r>
-          </a:p>
-          <a:p>
-            <a:pPr>
-              <a:buNone/>
-            </a:pPr>
-            <a:r>
-              <a:rPr lang="es-CO" dirty="0" smtClean="0"/>
-              <a:t>     Facilitar técnica y conceptualmente los requerimientos del usuario y velar por el desarrollo de estos y el cumplimiento de las normas establecidas por el grupo.</a:t>
-            </a:r>
-          </a:p>
-          <a:p>
-            <a:r>
-              <a:rPr lang="es-CO" b="1" dirty="0" smtClean="0"/>
-              <a:t>Metas: </a:t>
-            </a:r>
+              <a:t>Verificar  </a:t>
+            </a:r>
+            <a:r>
+              <a:rPr lang="es-CO" dirty="0"/>
+              <a:t>la eficiencia, funcionalidad y calidad de cada  uno de  los procesos que se planean  llevar a cabo por el equipo de  trabajo  durante el desarrollo del plan de   actividades  hasta  completar los ítems requeridos por el cliente.</a:t>
+            </a:r>
+            <a:endParaRPr lang="es-ES" dirty="0"/>
           </a:p>
           <a:p>
             <a:pPr lvl="1"/>
-            <a:r>
-              <a:rPr lang="es-CO" dirty="0" smtClean="0"/>
-              <a:t>Definir técnicamente por lo menos el </a:t>
-            </a:r>
-            <a:r>
-              <a:rPr lang="es-CO" dirty="0" smtClean="0">
-                <a:solidFill>
-                  <a:schemeClr val="tx2">
-                    <a:lumMod val="75000"/>
-                  </a:schemeClr>
-                </a:solidFill>
-              </a:rPr>
-              <a:t>80% </a:t>
-            </a:r>
-            <a:r>
-              <a:rPr lang="es-CO" dirty="0" smtClean="0"/>
-              <a:t>de los requerimientos.</a:t>
-            </a:r>
-          </a:p>
-          <a:p>
-            <a:pPr lvl="1"/>
-            <a:r>
-              <a:rPr lang="es-CO" dirty="0" smtClean="0"/>
-              <a:t>Resolver el </a:t>
-            </a:r>
-            <a:r>
-              <a:rPr lang="es-CO" dirty="0" smtClean="0">
-                <a:solidFill>
-                  <a:schemeClr val="tx2">
-                    <a:lumMod val="75000"/>
-                  </a:schemeClr>
-                </a:solidFill>
-              </a:rPr>
-              <a:t>80% </a:t>
-            </a:r>
-            <a:r>
-              <a:rPr lang="es-CO" dirty="0" smtClean="0"/>
-              <a:t>de las dudas técnicas de los integrantes del grupo.</a:t>
-            </a:r>
-          </a:p>
-          <a:p>
-            <a:pPr lvl="1"/>
-            <a:r>
-              <a:rPr lang="es-CO" dirty="0" smtClean="0"/>
-              <a:t>Crear los estándares de codificación para la aplicación y velar por  el </a:t>
-            </a:r>
-            <a:r>
-              <a:rPr lang="es-CO" dirty="0" smtClean="0">
-                <a:solidFill>
-                  <a:schemeClr val="tx2">
-                    <a:lumMod val="75000"/>
-                  </a:schemeClr>
-                </a:solidFill>
-              </a:rPr>
-              <a:t>80% </a:t>
-            </a:r>
-            <a:r>
-              <a:rPr lang="es-CO" dirty="0" smtClean="0"/>
-              <a:t>del cumplimiento de estos.</a:t>
-            </a:r>
-          </a:p>
-          <a:p>
-            <a:pPr lvl="1"/>
-            <a:r>
-              <a:rPr lang="es-CO" dirty="0" smtClean="0"/>
-              <a:t>Analizar y plantear soluciones para el </a:t>
-            </a:r>
-            <a:r>
-              <a:rPr lang="es-CO" dirty="0" smtClean="0">
-                <a:solidFill>
-                  <a:schemeClr val="tx2">
-                    <a:lumMod val="75000"/>
-                  </a:schemeClr>
-                </a:solidFill>
-              </a:rPr>
-              <a:t>80% </a:t>
-            </a:r>
-            <a:r>
-              <a:rPr lang="es-CO" dirty="0" smtClean="0"/>
-              <a:t>de los problemas técnicos de los integrantes del grupo.</a:t>
-            </a:r>
-          </a:p>
-          <a:p>
-            <a:pPr lvl="1"/>
-            <a:r>
-              <a:rPr lang="es-CO" dirty="0" smtClean="0"/>
-              <a:t>Analizar y dar aval técnico por lo menos al </a:t>
-            </a:r>
-            <a:r>
-              <a:rPr lang="es-CO" dirty="0" smtClean="0">
-                <a:solidFill>
-                  <a:schemeClr val="tx2">
-                    <a:lumMod val="75000"/>
-                  </a:schemeClr>
-                </a:solidFill>
-              </a:rPr>
-              <a:t>80% </a:t>
-            </a:r>
-            <a:r>
-              <a:rPr lang="es-CO" dirty="0" smtClean="0"/>
-              <a:t>de los casos de uso y encontrar los problemas durante el análisis de estos</a:t>
-            </a:r>
             <a:endParaRPr lang="es-CO" dirty="0"/>
           </a:p>
         </p:txBody>
@@ -6259,6 +7507,13 @@
   <p:clrMapOvr>
     <a:masterClrMapping/>
   </p:clrMapOvr>
+  <p:timing>
+    <p:tnLst>
+      <p:par>
+        <p:cTn id="1" dur="indefinite" restart="never" nodeType="tmRoot"/>
+      </p:par>
+    </p:tnLst>
+  </p:timing>
 </p:sld>
 </file>
 
@@ -6292,13 +7547,21 @@
         <p:spPr/>
         <p:txBody>
           <a:bodyPr>
-            <a:normAutofit fontScale="90000"/>
+            <a:normAutofit/>
           </a:bodyPr>
           <a:lstStyle/>
           <a:p>
             <a:r>
               <a:rPr lang="es-CO" dirty="0" smtClean="0"/>
-              <a:t>Objetivo de cada líder (continuación…)</a:t>
+              <a:t>Objetivo </a:t>
+            </a:r>
+            <a:r>
+              <a:rPr lang="es-CO" dirty="0"/>
+              <a:t>Líder de </a:t>
+            </a:r>
+            <a:r>
+              <a:rPr lang="es-CO" dirty="0" smtClean="0"/>
+              <a:t>soporte</a:t>
             </a:r>
             <a:endParaRPr lang="es-CO" dirty="0"/>
           </a:p>
@@ -6311,54 +7574,16 @@
             <a:spLocks noGrp="1"/>
           </p:cNvSpPr>
           <p:nvPr>
-            <p:ph idx="1"/>
-          </p:nvPr>
-        </p:nvSpPr>
-        <p:spPr/>
-        <p:txBody>
-          <a:bodyPr/>
-          <a:lstStyle/>
-          <a:p>
-            <a:r>
-              <a:rPr lang="es-CO" u="sng" dirty="0"/>
-              <a:t>Líder de calidad:</a:t>
-            </a:r>
-          </a:p>
+            <p:ph sz="quarter" idx="1"/>
+          </p:nvPr>
+        </p:nvSpPr>
+        <p:spPr/>
+        <p:txBody>
+          <a:bodyPr/>
+          <a:lstStyle/>
           <a:p>
             <a:pPr lvl="1"/>
-            <a:r>
-              <a:rPr lang="es-ES" u="sng" dirty="0">
-                <a:cs typeface="Calibri"/>
-              </a:rPr>
-              <a:t>Dar aval de calidad de trabajo  de cada tarea de los integrantes del grupo.</a:t>
-            </a:r>
-            <a:endParaRPr lang="es-CO" u="sng" dirty="0">
-              <a:cs typeface="Calibri"/>
-            </a:endParaRPr>
-          </a:p>
-          <a:p>
-            <a:pPr lvl="1"/>
-            <a:r>
-              <a:rPr lang="es-ES" u="sng" dirty="0">
-                <a:cs typeface="Calibri"/>
-              </a:rPr>
-              <a:t>Servir como intermediario y receptor de informacion en las reuniones. </a:t>
-            </a:r>
-            <a:endParaRPr lang="es-CO" u="sng" dirty="0">
-              <a:cs typeface="Calibri"/>
-            </a:endParaRPr>
-          </a:p>
-          <a:p>
-            <a:pPr lvl="1"/>
-            <a:r>
-              <a:rPr lang="es-ES" u="sng" dirty="0">
-                <a:cs typeface="Calibri"/>
-              </a:rPr>
-              <a:t>Validar la funcionalidad de procesos.</a:t>
-            </a:r>
-            <a:endParaRPr lang="es-CO" u="sng" dirty="0">
-              <a:cs typeface="Calibri"/>
-            </a:endParaRPr>
+            <a:endParaRPr lang="es-CO" dirty="0"/>
           </a:p>
         </p:txBody>
       </p:sp>
@@ -6367,6 +7592,13 @@
   <p:clrMapOvr>
     <a:masterClrMapping/>
   </p:clrMapOvr>
+  <p:timing>
+    <p:tnLst>
+      <p:par>
+        <p:cTn id="1" dur="indefinite" restart="never" nodeType="tmRoot"/>
+      </p:par>
+    </p:tnLst>
+  </p:timing>
 </p:sld>
 </file>
 
@@ -6399,14 +7631,12 @@
         </p:nvSpPr>
         <p:spPr/>
         <p:txBody>
-          <a:bodyPr>
-            <a:normAutofit fontScale="90000"/>
-          </a:bodyPr>
+          <a:bodyPr/>
           <a:lstStyle/>
           <a:p>
             <a:r>
               <a:rPr lang="es-CO" dirty="0" smtClean="0"/>
-              <a:t>Objetivo de cada líder (continuación…)</a:t>
+              <a:t>Roles</a:t>
             </a:r>
             <a:endParaRPr lang="es-CO" dirty="0"/>
           </a:p>
@@ -6419,21 +7649,49 @@
             <a:spLocks noGrp="1"/>
           </p:cNvSpPr>
           <p:nvPr>
-            <p:ph idx="1"/>
-          </p:nvPr>
-        </p:nvSpPr>
-        <p:spPr/>
-        <p:txBody>
-          <a:bodyPr/>
-          <a:lstStyle/>
-          <a:p>
-            <a:r>
-              <a:rPr lang="es-CO" dirty="0" smtClean="0"/>
-              <a:t>Líder de soporte:</a:t>
-            </a:r>
-          </a:p>
-          <a:p>
-            <a:pPr lvl="1"/>
+            <p:ph sz="quarter" idx="1"/>
+          </p:nvPr>
+        </p:nvSpPr>
+        <p:spPr/>
+        <p:txBody>
+          <a:bodyPr anchor="ctr"/>
+          <a:lstStyle/>
+          <a:p>
+            <a:pPr lvl="1" algn="just"/>
+            <a:r>
+              <a:rPr lang="es-CO" dirty="0"/>
+              <a:t>Líder de grupo : Iván diario Vargas</a:t>
+            </a:r>
+          </a:p>
+          <a:p>
+            <a:pPr lvl="1" algn="just"/>
+            <a:r>
+              <a:rPr lang="es-CO" dirty="0"/>
+              <a:t>Líder desarrollo : Luis Andrés Olarte</a:t>
+            </a:r>
+          </a:p>
+          <a:p>
+            <a:pPr lvl="1" algn="just"/>
+            <a:r>
+              <a:rPr lang="es-CO" dirty="0"/>
+              <a:t>Líder planeación : Adriana Ortiz Rueda</a:t>
+            </a:r>
+          </a:p>
+          <a:p>
+            <a:pPr lvl="1" algn="just"/>
+            <a:r>
+              <a:rPr lang="es-CO" dirty="0"/>
+              <a:t>Líder  de calidad : Hollman Mauricio Paipa</a:t>
+            </a:r>
+          </a:p>
+          <a:p>
+            <a:pPr lvl="1" algn="just"/>
+            <a:r>
+              <a:rPr lang="es-CO" dirty="0"/>
+              <a:t>Líder de soporte : </a:t>
+            </a:r>
+          </a:p>
+          <a:p>
             <a:endParaRPr lang="es-CO" dirty="0"/>
           </a:p>
         </p:txBody>
@@ -6443,13 +7701,20 @@
   <p:clrMapOvr>
     <a:masterClrMapping/>
   </p:clrMapOvr>
+  <p:timing>
+    <p:tnLst>
+      <p:par>
+        <p:cTn id="1" dur="indefinite" restart="never" nodeType="tmRoot"/>
+      </p:par>
+    </p:tnLst>
+  </p:timing>
 </p:sld>
 </file>
 
 <file path=ppt/theme/theme1.xml><?xml version="1.0" encoding="utf-8"?>
-<a:theme xmlns:a="http://schemas.openxmlformats.org/drawingml/2006/main" name="Tema de Office">
+<a:theme xmlns:a="http://schemas.openxmlformats.org/drawingml/2006/main" name="Origen">
   <a:themeElements>
-    <a:clrScheme name="Office">
+    <a:clrScheme name="Origen">
       <a:dk1>
         <a:sysClr val="windowText" lastClr="000000"/>
       </a:dk1>
@@ -6457,48 +7722,50 @@
         <a:sysClr val="window" lastClr="FFFFFF"/>
       </a:lt1>
       <a:dk2>
-        <a:srgbClr val="1F497D"/>
+        <a:srgbClr val="464653"/>
       </a:dk2>
       <a:lt2>
-        <a:srgbClr val="EEECE1"/>
+        <a:srgbClr val="DDE9EC"/>
       </a:lt2>
       <a:accent1>
-        <a:srgbClr val="4F81BD"/>
+        <a:srgbClr val="727CA3"/>
       </a:accent1>
       <a:accent2>
-        <a:srgbClr val="C0504D"/>
+        <a:srgbClr val="9FB8CD"/>
       </a:accent2>
       <a:accent3>
-        <a:srgbClr val="9BBB59"/>
+        <a:srgbClr val="D2DA7A"/>
       </a:accent3>
       <a:accent4>
-        <a:srgbClr val="8064A2"/>
+        <a:srgbClr val="FADA7A"/>
       </a:accent4>
       <a:accent5>
-        <a:srgbClr val="4BACC6"/>
+        <a:srgbClr val="B88472"/>
       </a:accent5>
       <a:accent6>
-        <a:srgbClr val="F79646"/>
+        <a:srgbClr val="8E736A"/>
       </a:accent6>
       <a:hlink>
-        <a:srgbClr val="0000FF"/>
+        <a:srgbClr val="B292CA"/>
       </a:hlink>
       <a:folHlink>
-        <a:srgbClr val="800080"/>
+        <a:srgbClr val="6B5680"/>
       </a:folHlink>
     </a:clrScheme>
-    <a:fontScheme name="Office">
+    <a:fontScheme name="Origen">
       <a:majorFont>
-        <a:latin typeface="Calibri"/>
+        <a:latin typeface="Bookman Old Style"/>
         <a:ea typeface=""/>
         <a:cs typeface=""/>
-        <a:font script="Jpan" typeface="ＭＳ Ｐゴシック"/>
-        <a:font script="Hang" typeface="맑은 고딕"/>
+        <a:font script="Grek" typeface="Cambria"/>
+        <a:font script="Cyrl" typeface="Cambria"/>
+        <a:font script="Jpan" typeface="HG明朝E"/>
+        <a:font script="Hang" typeface="돋움"/>
         <a:font script="Hans" typeface="宋体"/>
-        <a:font script="Hant" typeface="新細明體"/>
+        <a:font script="Hant" typeface="標楷體"/>
         <a:font script="Arab" typeface="Times New Roman"/>
         <a:font script="Hebr" typeface="Times New Roman"/>
-        <a:font script="Thai" typeface="Angsana New"/>
+        <a:font script="Thai" typeface="Browallia New"/>
         <a:font script="Ethi" typeface="Nyala"/>
         <a:font script="Beng" typeface="Vrinda"/>
         <a:font script="Gujr" typeface="Shruti"/>
@@ -6521,14 +7788,17 @@
         <a:font script="Mong" typeface="Mongolian Baiti"/>
         <a:font script="Viet" typeface="Times New Roman"/>
         <a:font script="Uigh" typeface="Microsoft Uighur"/>
+        <a:font script="Geor" typeface="Sylfaen"/>
       </a:majorFont>
       <a:minorFont>
-        <a:latin typeface="Calibri"/>
+        <a:latin typeface="Gill Sans MT"/>
         <a:ea typeface=""/>
         <a:cs typeface=""/>
+        <a:font script="Grek" typeface="Calibri"/>
+        <a:font script="Cyrl" typeface="Calibri"/>
         <a:font script="Jpan" typeface="ＭＳ Ｐゴシック"/>
         <a:font script="Hang" typeface="맑은 고딕"/>
-        <a:font script="Hans" typeface="宋体"/>
+        <a:font script="Hans" typeface="华文新魏"/>
         <a:font script="Hant" typeface="新細明體"/>
         <a:font script="Arab" typeface="Arial"/>
         <a:font script="Hebr" typeface="Arial"/>
@@ -6555,9 +7825,10 @@
         <a:font script="Mong" typeface="Mongolian Baiti"/>
         <a:font script="Viet" typeface="Arial"/>
         <a:font script="Uigh" typeface="Microsoft Uighur"/>
+        <a:font script="Geor" typeface="Sylfaen"/>
       </a:minorFont>
     </a:fontScheme>
-    <a:fmtScheme name="Office">
+    <a:fmtScheme name="Origen">
       <a:fillStyleLst>
         <a:solidFill>
           <a:schemeClr val="phClr"/>
@@ -6566,56 +7837,93 @@
           <a:gsLst>
             <a:gs pos="0">
               <a:schemeClr val="phClr">
-                <a:tint val="50000"/>
-                <a:satMod val="300000"/>
+                <a:tint val="45000"/>
+                <a:satMod val="200000"/>
               </a:schemeClr>
             </a:gs>
-            <a:gs pos="35000">
+            <a:gs pos="30000">
               <a:schemeClr val="phClr">
-                <a:tint val="37000"/>
-                <a:satMod val="300000"/>
+                <a:tint val="61000"/>
+                <a:satMod val="200000"/>
+              </a:schemeClr>
+            </a:gs>
+            <a:gs pos="45000">
+              <a:schemeClr val="phClr">
+                <a:tint val="66000"/>
+                <a:satMod val="200000"/>
+              </a:schemeClr>
+            </a:gs>
+            <a:gs pos="55000">
+              <a:schemeClr val="phClr">
+                <a:tint val="66000"/>
+                <a:satMod val="200000"/>
+              </a:schemeClr>
+            </a:gs>
+            <a:gs pos="73000">
+              <a:schemeClr val="phClr">
+                <a:tint val="61000"/>
+                <a:satMod val="200000"/>
               </a:schemeClr>
             </a:gs>
             <a:gs pos="100000">
               <a:schemeClr val="phClr">
-                <a:tint val="15000"/>
-                <a:satMod val="350000"/>
+                <a:tint val="45000"/>
+                <a:satMod val="200000"/>
               </a:schemeClr>
             </a:gs>
           </a:gsLst>
-          <a:lin ang="16200000" scaled="1"/>
+          <a:lin ang="950000" scaled="1"/>
         </a:gradFill>
         <a:gradFill rotWithShape="1">
           <a:gsLst>
             <a:gs pos="0">
               <a:schemeClr val="phClr">
-                <a:shade val="51000"/>
-                <a:satMod val="130000"/>
+                <a:shade val="63000"/>
               </a:schemeClr>
             </a:gs>
-            <a:gs pos="80000">
+            <a:gs pos="30000">
               <a:schemeClr val="phClr">
-                <a:shade val="93000"/>
-                <a:satMod val="130000"/>
+                <a:shade val="90000"/>
+                <a:satMod val="110000"/>
+              </a:schemeClr>
+            </a:gs>
+            <a:gs pos="45000">
+              <a:schemeClr val="phClr">
+                <a:shade val="100000"/>
+                <a:satMod val="118000"/>
+              </a:schemeClr>
+            </a:gs>
+            <a:gs pos="55000">
+              <a:schemeClr val="phClr">
+                <a:shade val="100000"/>
+                <a:satMod val="118000"/>
+              </a:schemeClr>
+            </a:gs>
+            <a:gs pos="73000">
+              <a:schemeClr val="phClr">
+                <a:shade val="90000"/>
+                <a:satMod val="110000"/>
               </a:schemeClr>
             </a:gs>
             <a:gs pos="100000">
               <a:schemeClr val="phClr">
-                <a:shade val="94000"/>
-                <a:satMod val="135000"/>
+                <a:shade val="63000"/>
               </a:schemeClr>
             </a:gs>
           </a:gsLst>
-          <a:lin ang="16200000" scaled="0"/>
+          <a:lin ang="950000" scaled="1"/>
         </a:gradFill>
       </a:fillStyleLst>
       <a:lnStyleLst>
         <a:ln w="9525" cap="flat" cmpd="sng" algn="ctr">
           <a:solidFill>
-            <a:schemeClr val="phClr">
-              <a:shade val="95000"/>
-              <a:satMod val="105000"/>
-            </a:schemeClr>
+            <a:schemeClr val="phClr"/>
+          </a:solidFill>
+          <a:prstDash val="solid"/>
+        </a:ln>
+        <a:ln w="19050" cap="flat" cmpd="sng" algn="ctr">
+          <a:solidFill>
+            <a:schemeClr val="phClr"/>
           </a:solidFill>
           <a:prstDash val="solid"/>
         </a:ln>
@@ -6625,50 +7933,66 @@
           </a:solidFill>
           <a:prstDash val="solid"/>
         </a:ln>
-        <a:ln w="38100" cap="flat" cmpd="sng" algn="ctr">
-          <a:solidFill>
-            <a:schemeClr val="phClr"/>
-          </a:solidFill>
-          <a:prstDash val="solid"/>
-        </a:ln>
       </a:lnStyleLst>
       <a:effectStyleLst>
         <a:effectStyle>
           <a:effectLst>
-            <a:outerShdw blurRad="40000" dist="20000" dir="5400000" rotWithShape="0">
+            <a:outerShdw blurRad="38100" dist="25400" dir="5400000" rotWithShape="0">
               <a:srgbClr val="000000">
-                <a:alpha val="38000"/>
+                <a:alpha val="40000"/>
               </a:srgbClr>
             </a:outerShdw>
           </a:effectLst>
         </a:effectStyle>
         <a:effectStyle>
           <a:effectLst>
-            <a:outerShdw blurRad="40000" dist="23000" dir="5400000" rotWithShape="0">
+            <a:outerShdw blurRad="50800" dist="43000" dir="5400000" rotWithShape="0">
               <a:srgbClr val="000000">
-                <a:alpha val="35000"/>
-              </a:srgbClr>
-            </a:outerShdw>
-          </a:effectLst>
-        </a:effectStyle>
-        <a:effectStyle>
-          <a:effectLst>
-            <a:outerShdw blurRad="40000" dist="23000" dir="5400000" rotWithShape="0">
-              <a:srgbClr val="000000">
-                <a:alpha val="35000"/>
+                <a:alpha val="40000"/>
               </a:srgbClr>
             </a:outerShdw>
           </a:effectLst>
           <a:scene3d>
-            <a:camera prst="orthographicFront">
+            <a:camera prst="orthographicFront" fov="0">
               <a:rot lat="0" lon="0" rev="0"/>
             </a:camera>
-            <a:lightRig rig="threePt" dir="t">
-              <a:rot lat="0" lon="0" rev="1200000"/>
+            <a:lightRig rig="balanced" dir="t">
+              <a:rot lat="0" lon="0" rev="0"/>
             </a:lightRig>
           </a:scene3d>
-          <a:sp3d>
-            <a:bevelT w="63500" h="25400"/>
+          <a:sp3d prstMaterial="matte">
+            <a:bevelT w="0" h="0"/>
+            <a:contourClr>
+              <a:schemeClr val="phClr">
+                <a:tint val="100000"/>
+                <a:shade val="100000"/>
+                <a:hueMod val="100000"/>
+                <a:satMod val="100000"/>
+              </a:schemeClr>
+            </a:contourClr>
+          </a:sp3d>
+        </a:effectStyle>
+        <a:effectStyle>
+          <a:effectLst>
+            <a:outerShdw blurRad="50800" dist="25400" dir="5400000" rotWithShape="0">
+              <a:srgbClr val="000000">
+                <a:alpha val="50000"/>
+              </a:srgbClr>
+            </a:outerShdw>
+          </a:effectLst>
+          <a:scene3d>
+            <a:camera prst="orthographicFront" fov="0">
+              <a:rot lat="0" lon="0" rev="0"/>
+            </a:camera>
+            <a:lightRig rig="soft" dir="t">
+              <a:rot lat="0" lon="0" rev="2700000"/>
+            </a:lightRig>
+          </a:scene3d>
+          <a:sp3d prstMaterial="matte">
+            <a:bevelT w="50800" h="50800"/>
+            <a:contourClr>
+              <a:schemeClr val="phClr"/>
+            </a:contourClr>
           </a:sp3d>
         </a:effectStyle>
       </a:effectStyleLst>
@@ -6680,47 +8004,39 @@
           <a:gsLst>
             <a:gs pos="0">
               <a:schemeClr val="phClr">
-                <a:tint val="40000"/>
-                <a:satMod val="350000"/>
+                <a:shade val="60000"/>
+                <a:satMod val="300000"/>
               </a:schemeClr>
             </a:gs>
-            <a:gs pos="40000">
+            <a:gs pos="30000">
               <a:schemeClr val="phClr">
-                <a:tint val="45000"/>
-                <a:shade val="99000"/>
-                <a:satMod val="350000"/>
+                <a:shade val="80000"/>
+                <a:satMod val="230000"/>
               </a:schemeClr>
             </a:gs>
             <a:gs pos="100000">
               <a:schemeClr val="phClr">
-                <a:shade val="20000"/>
-                <a:satMod val="255000"/>
+                <a:tint val="97000"/>
+                <a:satMod val="220000"/>
               </a:schemeClr>
             </a:gs>
           </a:gsLst>
-          <a:path path="circle">
-            <a:fillToRect l="50000" t="-80000" r="50000" b="180000"/>
-          </a:path>
+          <a:lin ang="16200000" scaled="1"/>
         </a:gradFill>
-        <a:gradFill rotWithShape="1">
-          <a:gsLst>
-            <a:gs pos="0">
+        <a:blipFill>
+          <a:blip xmlns:r="http://schemas.openxmlformats.org/officeDocument/2006/relationships" r:embed="rId1">
+            <a:duotone>
               <a:schemeClr val="phClr">
-                <a:tint val="80000"/>
-                <a:satMod val="300000"/>
+                <a:shade val="6000"/>
+                <a:satMod val="120000"/>
               </a:schemeClr>
-            </a:gs>
-            <a:gs pos="100000">
               <a:schemeClr val="phClr">
-                <a:shade val="30000"/>
-                <a:satMod val="200000"/>
+                <a:tint val="90000"/>
               </a:schemeClr>
-            </a:gs>
-          </a:gsLst>
-          <a:path path="circle">
-            <a:fillToRect l="50000" t="50000" r="50000" b="50000"/>
-          </a:path>
-        </a:gradFill>
+            </a:duotone>
+          </a:blip>
+          <a:tile tx="0" ty="0" sx="35000" sy="40000" flip="x" algn="tl"/>
+        </a:blipFill>
       </a:bgFillStyleLst>
     </a:fmtScheme>
   </a:themeElements>
@@ -6988,4 +8304,90 @@
     </a:ext>
   </a:extLst>
 </a:theme>
+</file>
+
+<file path=ppt/theme/themeOverride1.xml><?xml version="1.0" encoding="utf-8"?>
+<a:themeOverride xmlns:a="http://schemas.openxmlformats.org/drawingml/2006/main">
+  <a:clrScheme name="Origen">
+    <a:dk1>
+      <a:sysClr val="windowText" lastClr="000000"/>
+    </a:dk1>
+    <a:lt1>
+      <a:sysClr val="window" lastClr="FFFFFF"/>
+    </a:lt1>
+    <a:dk2>
+      <a:srgbClr val="464653"/>
+    </a:dk2>
+    <a:lt2>
+      <a:srgbClr val="DDE9EC"/>
+    </a:lt2>
+    <a:accent1>
+      <a:srgbClr val="727CA3"/>
+    </a:accent1>
+    <a:accent2>
+      <a:srgbClr val="9FB8CD"/>
+    </a:accent2>
+    <a:accent3>
+      <a:srgbClr val="D2DA7A"/>
+    </a:accent3>
+    <a:accent4>
+      <a:srgbClr val="FADA7A"/>
+    </a:accent4>
+    <a:accent5>
+      <a:srgbClr val="B88472"/>
+    </a:accent5>
+    <a:accent6>
+      <a:srgbClr val="8E736A"/>
+    </a:accent6>
+    <a:hlink>
+      <a:srgbClr val="B292CA"/>
+    </a:hlink>
+    <a:folHlink>
+      <a:srgbClr val="6B5680"/>
+    </a:folHlink>
+  </a:clrScheme>
+</a:themeOverride>
+</file>
+
+<file path=ppt/theme/themeOverride2.xml><?xml version="1.0" encoding="utf-8"?>
+<a:themeOverride xmlns:a="http://schemas.openxmlformats.org/drawingml/2006/main">
+  <a:clrScheme name="Origen">
+    <a:dk1>
+      <a:sysClr val="windowText" lastClr="000000"/>
+    </a:dk1>
+    <a:lt1>
+      <a:sysClr val="window" lastClr="FFFFFF"/>
+    </a:lt1>
+    <a:dk2>
+      <a:srgbClr val="464653"/>
+    </a:dk2>
+    <a:lt2>
+      <a:srgbClr val="DDE9EC"/>
+    </a:lt2>
+    <a:accent1>
+      <a:srgbClr val="727CA3"/>
+    </a:accent1>
+    <a:accent2>
+      <a:srgbClr val="9FB8CD"/>
+    </a:accent2>
+    <a:accent3>
+      <a:srgbClr val="D2DA7A"/>
+    </a:accent3>
+    <a:accent4>
+      <a:srgbClr val="FADA7A"/>
+    </a:accent4>
+    <a:accent5>
+      <a:srgbClr val="B88472"/>
+    </a:accent5>
+    <a:accent6>
+      <a:srgbClr val="8E736A"/>
+    </a:accent6>
+    <a:hlink>
+      <a:srgbClr val="B292CA"/>
+    </a:hlink>
+    <a:folHlink>
+      <a:srgbClr val="6B5680"/>
+    </a:folHlink>
+  </a:clrScheme>
+</a:themeOverride>
 </file>
--- a/1 - Planeacion/2 - Estrategia/Vison General TCP.pptx
+++ b/1 - Planeacion/2 - Estrategia/Vison General TCP.pptx
@@ -5,7 +5,7 @@
     <p:sldMasterId id="2147483672" r:id="rId1"/>
   </p:sldMasterIdLst>
   <p:notesMasterIdLst>
-    <p:notesMasterId r:id="rId22"/>
+    <p:notesMasterId r:id="rId20"/>
   </p:notesMasterIdLst>
   <p:sldIdLst>
     <p:sldId id="256" r:id="rId2"/>
@@ -15,19 +15,17 @@
     <p:sldId id="261" r:id="rId6"/>
     <p:sldId id="262" r:id="rId7"/>
     <p:sldId id="263" r:id="rId8"/>
-    <p:sldId id="264" r:id="rId9"/>
-    <p:sldId id="265" r:id="rId10"/>
-    <p:sldId id="266" r:id="rId11"/>
-    <p:sldId id="275" r:id="rId12"/>
-    <p:sldId id="267" r:id="rId13"/>
-    <p:sldId id="274" r:id="rId14"/>
-    <p:sldId id="268" r:id="rId15"/>
-    <p:sldId id="277" r:id="rId16"/>
-    <p:sldId id="269" r:id="rId17"/>
-    <p:sldId id="270" r:id="rId18"/>
-    <p:sldId id="271" r:id="rId19"/>
-    <p:sldId id="272" r:id="rId20"/>
-    <p:sldId id="273" r:id="rId21"/>
+    <p:sldId id="265" r:id="rId9"/>
+    <p:sldId id="266" r:id="rId10"/>
+    <p:sldId id="275" r:id="rId11"/>
+    <p:sldId id="267" r:id="rId12"/>
+    <p:sldId id="274" r:id="rId13"/>
+    <p:sldId id="268" r:id="rId14"/>
+    <p:sldId id="277" r:id="rId15"/>
+    <p:sldId id="269" r:id="rId16"/>
+    <p:sldId id="271" r:id="rId17"/>
+    <p:sldId id="272" r:id="rId18"/>
+    <p:sldId id="273" r:id="rId19"/>
   </p:sldIdLst>
   <p:sldSz cx="9144000" cy="6858000" type="screen4x3"/>
   <p:notesSz cx="6858000" cy="9144000"/>
@@ -128,7 +126,7 @@
   </p:defaultTextStyle>
   <p:extLst>
     <p:ext uri="{EFAFB233-063F-42B5-8137-9DF3F51BA10A}">
-      <p15:sldGuideLst xmlns:p15="http://schemas.microsoft.com/office/powerpoint/2012/main" xmlns="">
+      <p15:sldGuideLst xmlns="" xmlns:p15="http://schemas.microsoft.com/office/powerpoint/2012/main">
         <p15:guide id="1" orient="horz" pos="2160">
           <p15:clr>
             <a:srgbClr val="A4A3A4"/>
@@ -227,7 +225,8 @@
           <a:p>
             <a:fld id="{978C9BED-323D-4722-8F9A-3D9FEEE97F7C}" type="datetimeFigureOut">
               <a:rPr lang="es-ES"/>
-              <a:t>20/03/2013</a:t>
+              <a:pPr/>
+              <a:t>26/03/2013</a:t>
             </a:fld>
             <a:endParaRPr lang="es-ES"/>
           </a:p>
@@ -385,6 +384,7 @@
           <a:p>
             <a:fld id="{1647FEBF-0E9C-4715-A13C-A7158B04A887}" type="slidenum">
               <a:rPr lang="es-ES"/>
+              <a:pPr/>
               <a:t>‹Nº›</a:t>
             </a:fld>
             <a:endParaRPr lang="es-ES"/>
@@ -394,7 +394,7 @@
     </p:spTree>
     <p:extLst>
       <p:ext uri="{BB962C8B-B14F-4D97-AF65-F5344CB8AC3E}">
-        <p14:creationId xmlns:p14="http://schemas.microsoft.com/office/powerpoint/2010/main" val="1257561363"/>
+        <p14:creationId xmlns:p14="http://schemas.microsoft.com/office/powerpoint/2010/main" xmlns="" val="1257561363"/>
       </p:ext>
     </p:extLst>
   </p:cSld>
@@ -559,6 +559,7 @@
           <a:p>
             <a:fld id="{1647FEBF-0E9C-4715-A13C-A7158B04A887}" type="slidenum">
               <a:rPr lang="es-ES"/>
+              <a:pPr/>
               <a:t>1</a:t>
             </a:fld>
             <a:endParaRPr lang="es-ES"/>
@@ -568,7 +569,7 @@
     </p:spTree>
     <p:extLst>
       <p:ext uri="{BB962C8B-B14F-4D97-AF65-F5344CB8AC3E}">
-        <p14:creationId xmlns:p14="http://schemas.microsoft.com/office/powerpoint/2010/main" val="3058141022"/>
+        <p14:creationId xmlns:p14="http://schemas.microsoft.com/office/powerpoint/2010/main" xmlns="" val="3058141022"/>
       </p:ext>
     </p:extLst>
   </p:cSld>
@@ -643,6 +644,7 @@
           <a:p>
             <a:fld id="{1647FEBF-0E9C-4715-A13C-A7158B04A887}" type="slidenum">
               <a:rPr lang="es-ES"/>
+              <a:pPr/>
               <a:t>10</a:t>
             </a:fld>
             <a:endParaRPr lang="es-ES"/>
@@ -652,7 +654,7 @@
     </p:spTree>
     <p:extLst>
       <p:ext uri="{BB962C8B-B14F-4D97-AF65-F5344CB8AC3E}">
-        <p14:creationId xmlns:p14="http://schemas.microsoft.com/office/powerpoint/2010/main" val="3844099043"/>
+        <p14:creationId xmlns:p14="http://schemas.microsoft.com/office/powerpoint/2010/main" xmlns="" val="433392755"/>
       </p:ext>
     </p:extLst>
   </p:cSld>
@@ -727,6 +729,7 @@
           <a:p>
             <a:fld id="{1647FEBF-0E9C-4715-A13C-A7158B04A887}" type="slidenum">
               <a:rPr lang="es-ES"/>
+              <a:pPr/>
               <a:t>11</a:t>
             </a:fld>
             <a:endParaRPr lang="es-ES"/>
@@ -736,7 +739,7 @@
     </p:spTree>
     <p:extLst>
       <p:ext uri="{BB962C8B-B14F-4D97-AF65-F5344CB8AC3E}">
-        <p14:creationId xmlns:p14="http://schemas.microsoft.com/office/powerpoint/2010/main" val="433392755"/>
+        <p14:creationId xmlns:p14="http://schemas.microsoft.com/office/powerpoint/2010/main" xmlns="" val="1994906933"/>
       </p:ext>
     </p:extLst>
   </p:cSld>
@@ -811,6 +814,7 @@
           <a:p>
             <a:fld id="{1647FEBF-0E9C-4715-A13C-A7158B04A887}" type="slidenum">
               <a:rPr lang="es-ES"/>
+              <a:pPr/>
               <a:t>12</a:t>
             </a:fld>
             <a:endParaRPr lang="es-ES"/>
@@ -820,7 +824,7 @@
     </p:spTree>
     <p:extLst>
       <p:ext uri="{BB962C8B-B14F-4D97-AF65-F5344CB8AC3E}">
-        <p14:creationId xmlns:p14="http://schemas.microsoft.com/office/powerpoint/2010/main" val="1994906933"/>
+        <p14:creationId xmlns:p14="http://schemas.microsoft.com/office/powerpoint/2010/main" xmlns="" val="1426172308"/>
       </p:ext>
     </p:extLst>
   </p:cSld>
@@ -895,6 +899,7 @@
           <a:p>
             <a:fld id="{1647FEBF-0E9C-4715-A13C-A7158B04A887}" type="slidenum">
               <a:rPr lang="es-ES"/>
+              <a:pPr/>
               <a:t>13</a:t>
             </a:fld>
             <a:endParaRPr lang="es-ES"/>
@@ -904,7 +909,7 @@
     </p:spTree>
     <p:extLst>
       <p:ext uri="{BB962C8B-B14F-4D97-AF65-F5344CB8AC3E}">
-        <p14:creationId xmlns:p14="http://schemas.microsoft.com/office/powerpoint/2010/main" val="1426172308"/>
+        <p14:creationId xmlns:p14="http://schemas.microsoft.com/office/powerpoint/2010/main" xmlns="" val="3947201609"/>
       </p:ext>
     </p:extLst>
   </p:cSld>
@@ -979,6 +984,7 @@
           <a:p>
             <a:fld id="{1647FEBF-0E9C-4715-A13C-A7158B04A887}" type="slidenum">
               <a:rPr lang="es-ES"/>
+              <a:pPr/>
               <a:t>14</a:t>
             </a:fld>
             <a:endParaRPr lang="es-ES"/>
@@ -988,91 +994,7 @@
     </p:spTree>
     <p:extLst>
       <p:ext uri="{BB962C8B-B14F-4D97-AF65-F5344CB8AC3E}">
-        <p14:creationId xmlns:p14="http://schemas.microsoft.com/office/powerpoint/2010/main" val="3947201609"/>
-      </p:ext>
-    </p:extLst>
-  </p:cSld>
-  <p:clrMapOvr>
-    <a:masterClrMapping/>
-  </p:clrMapOvr>
-</p:notes>
-</file>
-
-<file path=ppt/notesSlides/notesSlide15.xml><?xml version="1.0" encoding="utf-8"?>
-<p:notes xmlns:a="http://schemas.openxmlformats.org/drawingml/2006/main" xmlns:r="http://schemas.openxmlformats.org/officeDocument/2006/relationships" xmlns:p="http://schemas.openxmlformats.org/presentationml/2006/main">
-  <p:cSld>
-    <p:spTree>
-      <p:nvGrpSpPr>
-        <p:cNvPr id="1" name=""/>
-        <p:cNvGrpSpPr/>
-        <p:nvPr/>
-      </p:nvGrpSpPr>
-      <p:grpSpPr>
-        <a:xfrm>
-          <a:off x="0" y="0"/>
-          <a:ext cx="0" cy="0"/>
-          <a:chOff x="0" y="0"/>
-          <a:chExt cx="0" cy="0"/>
-        </a:xfrm>
-      </p:grpSpPr>
-      <p:sp>
-        <p:nvSpPr>
-          <p:cNvPr id="2" name="Marcador de imagen de diapositiva 1"/>
-          <p:cNvSpPr>
-            <a:spLocks noGrp="1" noRot="1" noChangeAspect="1"/>
-          </p:cNvSpPr>
-          <p:nvPr>
-            <p:ph type="sldImg"/>
-          </p:nvPr>
-        </p:nvSpPr>
-        <p:spPr/>
-      </p:sp>
-      <p:sp>
-        <p:nvSpPr>
-          <p:cNvPr id="3" name="Marcador de notas 2"/>
-          <p:cNvSpPr>
-            <a:spLocks noGrp="1"/>
-          </p:cNvSpPr>
-          <p:nvPr>
-            <p:ph type="body" idx="1"/>
-          </p:nvPr>
-        </p:nvSpPr>
-        <p:spPr/>
-        <p:txBody>
-          <a:bodyPr/>
-          <a:lstStyle/>
-          <a:p>
-            <a:endParaRPr lang="es-ES"/>
-          </a:p>
-        </p:txBody>
-      </p:sp>
-      <p:sp>
-        <p:nvSpPr>
-          <p:cNvPr id="4" name="Marcador de número de diapositiva 3"/>
-          <p:cNvSpPr>
-            <a:spLocks noGrp="1"/>
-          </p:cNvSpPr>
-          <p:nvPr>
-            <p:ph type="sldNum" sz="quarter" idx="10"/>
-          </p:nvPr>
-        </p:nvSpPr>
-        <p:spPr/>
-        <p:txBody>
-          <a:bodyPr/>
-          <a:lstStyle/>
-          <a:p>
-            <a:fld id="{1647FEBF-0E9C-4715-A13C-A7158B04A887}" type="slidenum">
-              <a:rPr lang="es-ES"/>
-              <a:t>15</a:t>
-            </a:fld>
-            <a:endParaRPr lang="es-ES"/>
-          </a:p>
-        </p:txBody>
-      </p:sp>
-    </p:spTree>
-    <p:extLst>
-      <p:ext uri="{BB962C8B-B14F-4D97-AF65-F5344CB8AC3E}">
-        <p14:creationId xmlns:p14="http://schemas.microsoft.com/office/powerpoint/2010/main" val="3947201609"/>
+        <p14:creationId xmlns:p14="http://schemas.microsoft.com/office/powerpoint/2010/main" xmlns="" val="3947201609"/>
       </p:ext>
     </p:extLst>
   </p:cSld>
@@ -1147,6 +1069,7 @@
           <a:p>
             <a:fld id="{1647FEBF-0E9C-4715-A13C-A7158B04A887}" type="slidenum">
               <a:rPr lang="es-ES"/>
+              <a:pPr/>
               <a:t>2</a:t>
             </a:fld>
             <a:endParaRPr lang="es-ES"/>
@@ -1156,7 +1079,7 @@
     </p:spTree>
     <p:extLst>
       <p:ext uri="{BB962C8B-B14F-4D97-AF65-F5344CB8AC3E}">
-        <p14:creationId xmlns:p14="http://schemas.microsoft.com/office/powerpoint/2010/main" val="1250422788"/>
+        <p14:creationId xmlns:p14="http://schemas.microsoft.com/office/powerpoint/2010/main" xmlns="" val="1250422788"/>
       </p:ext>
     </p:extLst>
   </p:cSld>
@@ -1231,6 +1154,7 @@
           <a:p>
             <a:fld id="{1647FEBF-0E9C-4715-A13C-A7158B04A887}" type="slidenum">
               <a:rPr lang="es-ES"/>
+              <a:pPr/>
               <a:t>3</a:t>
             </a:fld>
             <a:endParaRPr lang="es-ES"/>
@@ -1240,7 +1164,7 @@
     </p:spTree>
     <p:extLst>
       <p:ext uri="{BB962C8B-B14F-4D97-AF65-F5344CB8AC3E}">
-        <p14:creationId xmlns:p14="http://schemas.microsoft.com/office/powerpoint/2010/main" val="4101105578"/>
+        <p14:creationId xmlns:p14="http://schemas.microsoft.com/office/powerpoint/2010/main" xmlns="" val="4101105578"/>
       </p:ext>
     </p:extLst>
   </p:cSld>
@@ -1315,6 +1239,7 @@
           <a:p>
             <a:fld id="{1647FEBF-0E9C-4715-A13C-A7158B04A887}" type="slidenum">
               <a:rPr lang="es-ES"/>
+              <a:pPr/>
               <a:t>4</a:t>
             </a:fld>
             <a:endParaRPr lang="es-ES"/>
@@ -1324,7 +1249,7 @@
     </p:spTree>
     <p:extLst>
       <p:ext uri="{BB962C8B-B14F-4D97-AF65-F5344CB8AC3E}">
-        <p14:creationId xmlns:p14="http://schemas.microsoft.com/office/powerpoint/2010/main" val="1198359392"/>
+        <p14:creationId xmlns:p14="http://schemas.microsoft.com/office/powerpoint/2010/main" xmlns="" val="1198359392"/>
       </p:ext>
     </p:extLst>
   </p:cSld>
@@ -1399,6 +1324,7 @@
           <a:p>
             <a:fld id="{1647FEBF-0E9C-4715-A13C-A7158B04A887}" type="slidenum">
               <a:rPr lang="es-ES"/>
+              <a:pPr/>
               <a:t>5</a:t>
             </a:fld>
             <a:endParaRPr lang="es-ES"/>
@@ -1408,7 +1334,7 @@
     </p:spTree>
     <p:extLst>
       <p:ext uri="{BB962C8B-B14F-4D97-AF65-F5344CB8AC3E}">
-        <p14:creationId xmlns:p14="http://schemas.microsoft.com/office/powerpoint/2010/main" val="1892299674"/>
+        <p14:creationId xmlns:p14="http://schemas.microsoft.com/office/powerpoint/2010/main" xmlns="" val="1892299674"/>
       </p:ext>
     </p:extLst>
   </p:cSld>
@@ -1483,6 +1409,7 @@
           <a:p>
             <a:fld id="{1647FEBF-0E9C-4715-A13C-A7158B04A887}" type="slidenum">
               <a:rPr lang="es-ES"/>
+              <a:pPr/>
               <a:t>6</a:t>
             </a:fld>
             <a:endParaRPr lang="es-ES"/>
@@ -1492,7 +1419,7 @@
     </p:spTree>
     <p:extLst>
       <p:ext uri="{BB962C8B-B14F-4D97-AF65-F5344CB8AC3E}">
-        <p14:creationId xmlns:p14="http://schemas.microsoft.com/office/powerpoint/2010/main" val="3978227645"/>
+        <p14:creationId xmlns:p14="http://schemas.microsoft.com/office/powerpoint/2010/main" xmlns="" val="3978227645"/>
       </p:ext>
     </p:extLst>
   </p:cSld>
@@ -1567,6 +1494,7 @@
           <a:p>
             <a:fld id="{1647FEBF-0E9C-4715-A13C-A7158B04A887}" type="slidenum">
               <a:rPr lang="es-ES"/>
+              <a:pPr/>
               <a:t>7</a:t>
             </a:fld>
             <a:endParaRPr lang="es-ES"/>
@@ -1576,7 +1504,7 @@
     </p:spTree>
     <p:extLst>
       <p:ext uri="{BB962C8B-B14F-4D97-AF65-F5344CB8AC3E}">
-        <p14:creationId xmlns:p14="http://schemas.microsoft.com/office/powerpoint/2010/main" val="623241201"/>
+        <p14:creationId xmlns:p14="http://schemas.microsoft.com/office/powerpoint/2010/main" xmlns="" val="623241201"/>
       </p:ext>
     </p:extLst>
   </p:cSld>
@@ -1651,6 +1579,7 @@
           <a:p>
             <a:fld id="{1647FEBF-0E9C-4715-A13C-A7158B04A887}" type="slidenum">
               <a:rPr lang="es-ES"/>
+              <a:pPr/>
               <a:t>8</a:t>
             </a:fld>
             <a:endParaRPr lang="es-ES"/>
@@ -1660,7 +1589,7 @@
     </p:spTree>
     <p:extLst>
       <p:ext uri="{BB962C8B-B14F-4D97-AF65-F5344CB8AC3E}">
-        <p14:creationId xmlns:p14="http://schemas.microsoft.com/office/powerpoint/2010/main" val="4276958325"/>
+        <p14:creationId xmlns:p14="http://schemas.microsoft.com/office/powerpoint/2010/main" xmlns="" val="2802671452"/>
       </p:ext>
     </p:extLst>
   </p:cSld>
@@ -1735,6 +1664,7 @@
           <a:p>
             <a:fld id="{1647FEBF-0E9C-4715-A13C-A7158B04A887}" type="slidenum">
               <a:rPr lang="es-ES"/>
+              <a:pPr/>
               <a:t>9</a:t>
             </a:fld>
             <a:endParaRPr lang="es-ES"/>
@@ -1744,7 +1674,7 @@
     </p:spTree>
     <p:extLst>
       <p:ext uri="{BB962C8B-B14F-4D97-AF65-F5344CB8AC3E}">
-        <p14:creationId xmlns:p14="http://schemas.microsoft.com/office/powerpoint/2010/main" val="2802671452"/>
+        <p14:creationId xmlns:p14="http://schemas.microsoft.com/office/powerpoint/2010/main" xmlns="" val="3844099043"/>
       </p:ext>
     </p:extLst>
   </p:cSld>
@@ -1897,7 +1827,8 @@
           <a:p>
             <a:fld id="{2C60F05F-D2FA-4626-9515-3950F186493E}" type="datetimeFigureOut">
               <a:rPr lang="es-CO" smtClean="0"/>
-              <a:t>20/03/2013</a:t>
+              <a:pPr/>
+              <a:t>26/03/2013</a:t>
             </a:fld>
             <a:endParaRPr lang="es-CO"/>
           </a:p>
@@ -1949,6 +1880,7 @@
           <a:p>
             <a:fld id="{C6BFD629-12FF-45EB-8C4B-ED282B76E97E}" type="slidenum">
               <a:rPr lang="es-CO" smtClean="0"/>
+              <a:pPr/>
               <a:t>‹Nº›</a:t>
             </a:fld>
             <a:endParaRPr lang="es-CO"/>
@@ -2256,7 +2188,8 @@
           <a:p>
             <a:fld id="{2C60F05F-D2FA-4626-9515-3950F186493E}" type="datetimeFigureOut">
               <a:rPr lang="es-CO" smtClean="0"/>
-              <a:t>20/03/2013</a:t>
+              <a:pPr/>
+              <a:t>26/03/2013</a:t>
             </a:fld>
             <a:endParaRPr lang="es-CO"/>
           </a:p>
@@ -2298,6 +2231,7 @@
           <a:p>
             <a:fld id="{C6BFD629-12FF-45EB-8C4B-ED282B76E97E}" type="slidenum">
               <a:rPr lang="es-CO" smtClean="0"/>
+              <a:pPr/>
               <a:t>‹Nº›</a:t>
             </a:fld>
             <a:endParaRPr lang="es-CO"/>
@@ -2431,7 +2365,8 @@
           <a:p>
             <a:fld id="{2C60F05F-D2FA-4626-9515-3950F186493E}" type="datetimeFigureOut">
               <a:rPr lang="es-CO" smtClean="0"/>
-              <a:t>20/03/2013</a:t>
+              <a:pPr/>
+              <a:t>26/03/2013</a:t>
             </a:fld>
             <a:endParaRPr lang="es-CO"/>
           </a:p>
@@ -2473,6 +2408,7 @@
           <a:p>
             <a:fld id="{C6BFD629-12FF-45EB-8C4B-ED282B76E97E}" type="slidenum">
               <a:rPr lang="es-CO" smtClean="0"/>
+              <a:pPr/>
               <a:t>‹Nº›</a:t>
             </a:fld>
             <a:endParaRPr lang="es-CO"/>
@@ -2666,7 +2602,8 @@
           <a:p>
             <a:fld id="{2C60F05F-D2FA-4626-9515-3950F186493E}" type="datetimeFigureOut">
               <a:rPr lang="es-CO" smtClean="0"/>
-              <a:t>20/03/2013</a:t>
+              <a:pPr/>
+              <a:t>26/03/2013</a:t>
             </a:fld>
             <a:endParaRPr lang="es-CO"/>
           </a:p>
@@ -2708,6 +2645,7 @@
           <a:p>
             <a:fld id="{C6BFD629-12FF-45EB-8C4B-ED282B76E97E}" type="slidenum">
               <a:rPr lang="es-CO" smtClean="0"/>
+              <a:pPr/>
               <a:t>‹Nº›</a:t>
             </a:fld>
             <a:endParaRPr lang="es-CO"/>
@@ -2935,7 +2873,8 @@
           <a:p>
             <a:fld id="{2C60F05F-D2FA-4626-9515-3950F186493E}" type="datetimeFigureOut">
               <a:rPr lang="es-CO" smtClean="0"/>
-              <a:t>20/03/2013</a:t>
+              <a:pPr/>
+              <a:t>26/03/2013</a:t>
             </a:fld>
             <a:endParaRPr lang="es-CO"/>
           </a:p>
@@ -2987,6 +2926,7 @@
           <a:p>
             <a:fld id="{C6BFD629-12FF-45EB-8C4B-ED282B76E97E}" type="slidenum">
               <a:rPr lang="es-CO" smtClean="0"/>
+              <a:pPr/>
               <a:t>‹Nº›</a:t>
             </a:fld>
             <a:endParaRPr lang="es-CO"/>
@@ -3155,7 +3095,8 @@
           <a:p>
             <a:fld id="{2C60F05F-D2FA-4626-9515-3950F186493E}" type="datetimeFigureOut">
               <a:rPr lang="es-CO" smtClean="0"/>
-              <a:t>20/03/2013</a:t>
+              <a:pPr/>
+              <a:t>26/03/2013</a:t>
             </a:fld>
             <a:endParaRPr lang="es-CO"/>
           </a:p>
@@ -3197,6 +3138,7 @@
           <a:p>
             <a:fld id="{C6BFD629-12FF-45EB-8C4B-ED282B76E97E}" type="slidenum">
               <a:rPr lang="es-CO" smtClean="0"/>
+              <a:pPr/>
               <a:t>‹Nº›</a:t>
             </a:fld>
             <a:endParaRPr lang="es-CO"/>
@@ -3507,7 +3449,8 @@
           <a:p>
             <a:fld id="{2C60F05F-D2FA-4626-9515-3950F186493E}" type="datetimeFigureOut">
               <a:rPr lang="es-CO" smtClean="0"/>
-              <a:t>20/03/2013</a:t>
+              <a:pPr/>
+              <a:t>26/03/2013</a:t>
             </a:fld>
             <a:endParaRPr lang="es-CO"/>
           </a:p>
@@ -3549,6 +3492,7 @@
           <a:p>
             <a:fld id="{C6BFD629-12FF-45EB-8C4B-ED282B76E97E}" type="slidenum">
               <a:rPr lang="es-CO" smtClean="0"/>
+              <a:pPr/>
               <a:t>‹Nº›</a:t>
             </a:fld>
             <a:endParaRPr lang="es-CO"/>
@@ -3739,7 +3683,8 @@
           <a:p>
             <a:fld id="{2C60F05F-D2FA-4626-9515-3950F186493E}" type="datetimeFigureOut">
               <a:rPr lang="es-CO" smtClean="0"/>
-              <a:t>20/03/2013</a:t>
+              <a:pPr/>
+              <a:t>26/03/2013</a:t>
             </a:fld>
             <a:endParaRPr lang="es-CO"/>
           </a:p>
@@ -3781,6 +3726,7 @@
           <a:p>
             <a:fld id="{C6BFD629-12FF-45EB-8C4B-ED282B76E97E}" type="slidenum">
               <a:rPr lang="es-CO" smtClean="0"/>
+              <a:pPr/>
               <a:t>‹Nº›</a:t>
             </a:fld>
             <a:endParaRPr lang="es-CO"/>
@@ -3879,7 +3825,8 @@
           <a:p>
             <a:fld id="{2C60F05F-D2FA-4626-9515-3950F186493E}" type="datetimeFigureOut">
               <a:rPr lang="es-CO" smtClean="0"/>
-              <a:t>20/03/2013</a:t>
+              <a:pPr/>
+              <a:t>26/03/2013</a:t>
             </a:fld>
             <a:endParaRPr lang="es-CO"/>
           </a:p>
@@ -3921,6 +3868,7 @@
           <a:p>
             <a:fld id="{C6BFD629-12FF-45EB-8C4B-ED282B76E97E}" type="slidenum">
               <a:rPr lang="es-CO" smtClean="0"/>
+              <a:pPr/>
               <a:t>‹Nº›</a:t>
             </a:fld>
             <a:endParaRPr lang="es-CO"/>
@@ -4156,7 +4104,8 @@
           <a:p>
             <a:fld id="{2C60F05F-D2FA-4626-9515-3950F186493E}" type="datetimeFigureOut">
               <a:rPr lang="es-CO" smtClean="0"/>
-              <a:t>20/03/2013</a:t>
+              <a:pPr/>
+              <a:t>26/03/2013</a:t>
             </a:fld>
             <a:endParaRPr lang="es-CO"/>
           </a:p>
@@ -4198,6 +4147,7 @@
           <a:p>
             <a:fld id="{C6BFD629-12FF-45EB-8C4B-ED282B76E97E}" type="slidenum">
               <a:rPr lang="es-CO" smtClean="0"/>
+              <a:pPr/>
               <a:t>‹Nº›</a:t>
             </a:fld>
             <a:endParaRPr lang="es-CO"/>
@@ -4563,7 +4513,8 @@
           <a:p>
             <a:fld id="{2C60F05F-D2FA-4626-9515-3950F186493E}" type="datetimeFigureOut">
               <a:rPr lang="es-CO" smtClean="0"/>
-              <a:t>20/03/2013</a:t>
+              <a:pPr/>
+              <a:t>26/03/2013</a:t>
             </a:fld>
             <a:endParaRPr lang="es-CO"/>
           </a:p>
@@ -4605,6 +4556,7 @@
           <a:p>
             <a:fld id="{C6BFD629-12FF-45EB-8C4B-ED282B76E97E}" type="slidenum">
               <a:rPr lang="es-CO" smtClean="0"/>
+              <a:pPr/>
               <a:t>‹Nº›</a:t>
             </a:fld>
             <a:endParaRPr lang="es-CO"/>
@@ -4901,7 +4853,8 @@
           <a:p>
             <a:fld id="{2C60F05F-D2FA-4626-9515-3950F186493E}" type="datetimeFigureOut">
               <a:rPr lang="es-CO" smtClean="0"/>
-              <a:t>20/03/2013</a:t>
+              <a:pPr/>
+              <a:t>26/03/2013</a:t>
             </a:fld>
             <a:endParaRPr lang="es-CO"/>
           </a:p>
@@ -4975,6 +4928,7 @@
           <a:p>
             <a:fld id="{C6BFD629-12FF-45EB-8C4B-ED282B76E97E}" type="slidenum">
               <a:rPr lang="es-CO" smtClean="0"/>
+              <a:pPr/>
               <a:t>‹Nº›</a:t>
             </a:fld>
             <a:endParaRPr lang="es-CO"/>
@@ -5541,7 +5495,7 @@
           <a:p>
             <a:r>
               <a:rPr lang="es-CO" dirty="0" smtClean="0"/>
-              <a:t>Líder de Grupo</a:t>
+              <a:t>Líder de Planeación</a:t>
             </a:r>
             <a:endParaRPr lang="es-CO" dirty="0"/>
           </a:p>
@@ -5559,55 +5513,167 @@
         </p:nvSpPr>
         <p:spPr/>
         <p:txBody>
-          <a:bodyPr anchor="ctr"/>
-          <a:lstStyle/>
-          <a:p>
+          <a:bodyPr anchor="ctr">
+            <a:normAutofit/>
+          </a:bodyPr>
+          <a:lstStyle/>
+          <a:p>
+            <a:pPr marL="57150" indent="0">
+              <a:buNone/>
+            </a:pPr>
+            <a:endParaRPr lang="es-CO" sz="2800" dirty="0" smtClean="0">
+              <a:latin typeface="Arial"/>
+              <a:cs typeface="Arial"/>
+            </a:endParaRPr>
+          </a:p>
+          <a:p>
+            <a:pPr marL="57150" indent="0">
+              <a:buNone/>
+            </a:pPr>
+            <a:r>
+              <a:rPr lang="es-CO" sz="2800" dirty="0" smtClean="0">
+                <a:latin typeface="Arial"/>
+                <a:cs typeface="Arial"/>
+              </a:rPr>
+              <a:t> </a:t>
+            </a:r>
+            <a:r>
+              <a:rPr lang="es-CO" dirty="0">
+                <a:cs typeface="Arial"/>
+              </a:rPr>
+              <a:t> </a:t>
+            </a:r>
+            <a:r>
+              <a:rPr lang="es-CO" dirty="0"/>
+              <a:t>Adriana Ortiz </a:t>
+            </a:r>
             <a:r>
               <a:rPr lang="es-CO" dirty="0" smtClean="0"/>
-              <a:t>Iván Darío Vargas Rojas:</a:t>
+              <a:t>Rueda</a:t>
+            </a:r>
+          </a:p>
+          <a:p>
+            <a:pPr marL="57150" indent="0">
+              <a:buNone/>
+            </a:pPr>
+            <a:endParaRPr lang="es-CO" dirty="0"/>
+          </a:p>
+          <a:p>
+            <a:pPr marL="57150" indent="0">
+              <a:buNone/>
+            </a:pPr>
+            <a:r>
+              <a:rPr lang="es-CO" sz="2400" b="1" dirty="0" smtClean="0">
+                <a:latin typeface="Arial"/>
+                <a:cs typeface="Arial"/>
+              </a:rPr>
+              <a:t> </a:t>
+            </a:r>
+            <a:r>
+              <a:rPr lang="es-CO" dirty="0"/>
+              <a:t>Metas:</a:t>
             </a:r>
           </a:p>
           <a:p>
             <a:pPr lvl="1"/>
             <a:r>
+              <a:rPr lang="es-CO" sz="2300" dirty="0" smtClean="0">
+                <a:cs typeface="Arial"/>
+              </a:rPr>
+              <a:t> </a:t>
+            </a:r>
+            <a:r>
+              <a:rPr lang="es-ES" dirty="0"/>
+              <a:t>Especificar las tareas y las horas por cada una </a:t>
+            </a:r>
+            <a:r>
+              <a:rPr lang="es-CO" dirty="0"/>
+              <a:t>de </a:t>
+            </a:r>
+            <a:r>
+              <a:rPr lang="es-ES" dirty="0"/>
+              <a:t>las </a:t>
+            </a:r>
+            <a:r>
               <a:rPr lang="es-CO" dirty="0" smtClean="0"/>
-              <a:t>Capacidad en expresión oral y escrita.</a:t>
+              <a:t>faces.</a:t>
             </a:r>
           </a:p>
           <a:p>
             <a:pPr lvl="1"/>
             <a:r>
+              <a:rPr lang="es-ES" dirty="0"/>
+              <a:t>Documentar las tareas en el formato </a:t>
+            </a:r>
+            <a:r>
+              <a:rPr lang="es-CO" dirty="0"/>
+              <a:t>de </a:t>
+            </a:r>
+            <a:r>
+              <a:rPr lang="es-ES" dirty="0" smtClean="0"/>
+              <a:t>Tareas </a:t>
+            </a:r>
+            <a:endParaRPr lang="es-CO" dirty="0"/>
+          </a:p>
+          <a:p>
+            <a:pPr lvl="1"/>
+            <a:r>
+              <a:rPr lang="es-ES" dirty="0"/>
+              <a:t>Completar el formato del cronograma individual y </a:t>
+            </a:r>
+            <a:r>
+              <a:rPr lang="es-CO" dirty="0"/>
+              <a:t>del </a:t>
+            </a:r>
+            <a:r>
+              <a:rPr lang="es-ES" dirty="0" smtClean="0"/>
+              <a:t>grupo</a:t>
+            </a:r>
+            <a:endParaRPr lang="es-CO" dirty="0"/>
+          </a:p>
+          <a:p>
+            <a:pPr lvl="1"/>
+            <a:r>
+              <a:rPr lang="es-ES" dirty="0" smtClean="0"/>
+              <a:t>Identificar </a:t>
+            </a:r>
+            <a:r>
+              <a:rPr lang="es-ES" dirty="0"/>
+              <a:t>posibles desbalances en los planes</a:t>
+            </a:r>
+            <a:endParaRPr lang="es-CO" dirty="0"/>
+          </a:p>
+          <a:p>
+            <a:pPr lvl="1"/>
+            <a:r>
               <a:rPr lang="es-CO" dirty="0" smtClean="0"/>
-              <a:t>Experiencia en análisis, diseño, desarrollo, implementación, soporte en caliente de un sistema de información.</a:t>
-            </a:r>
-          </a:p>
-          <a:p>
-            <a:r>
-              <a:rPr lang="es-CO" dirty="0" smtClean="0"/>
-              <a:t>Metas:</a:t>
-            </a:r>
-          </a:p>
-          <a:p>
-            <a:pPr lvl="1"/>
-            <a:r>
-              <a:rPr lang="es-CO" dirty="0" smtClean="0"/>
-              <a:t>Garantizar que el equipo sea eficiente y eficaz.</a:t>
-            </a:r>
-          </a:p>
-          <a:p>
-            <a:pPr lvl="1"/>
-            <a:r>
-              <a:rPr lang="es-CO" dirty="0" smtClean="0"/>
-              <a:t>Tener capacidad de desempeñar los diferentes tipos de roles del equipo.</a:t>
-            </a:r>
-          </a:p>
-          <a:p>
-            <a:pPr lvl="1"/>
+              <a:t> </a:t>
+            </a:r>
+            <a:r>
+              <a:rPr lang="es-ES" dirty="0"/>
+              <a:t>Conducir el grupo para ajustar los desbalances</a:t>
+            </a:r>
             <a:endParaRPr lang="es-CO" dirty="0"/>
           </a:p>
+          <a:p>
+            <a:pPr marL="57150" indent="0">
+              <a:buNone/>
+            </a:pPr>
+            <a:endParaRPr lang="es-CO" sz="2300" dirty="0">
+              <a:solidFill>
+                <a:srgbClr val="000000"/>
+              </a:solidFill>
+              <a:cs typeface="Calibri"/>
+            </a:endParaRPr>
+          </a:p>
         </p:txBody>
       </p:sp>
     </p:spTree>
+    <p:extLst>
+      <p:ext uri="{BB962C8B-B14F-4D97-AF65-F5344CB8AC3E}">
+        <p14:creationId xmlns:p14="http://schemas.microsoft.com/office/powerpoint/2010/main" xmlns="" val="1334424169"/>
+      </p:ext>
+    </p:extLst>
   </p:cSld>
   <p:clrMapOvr>
     <a:overrideClrMapping bg1="lt1" tx1="dk1" bg2="lt2" tx2="dk2" accent1="accent1" accent2="accent2" accent3="accent3" accent4="accent4" accent5="accent5" accent6="accent6" hlink="hlink" folHlink="folHlink"/>
@@ -5625,11 +5691,6 @@
 <file path=ppt/slides/slide11.xml><?xml version="1.0" encoding="utf-8"?>
 <p:sld xmlns:a="http://schemas.openxmlformats.org/drawingml/2006/main" xmlns:r="http://schemas.openxmlformats.org/officeDocument/2006/relationships" xmlns:p="http://schemas.openxmlformats.org/presentationml/2006/main">
   <p:cSld>
-    <p:bg>
-      <p:bgRef idx="1001">
-        <a:schemeClr val="bg1"/>
-      </p:bgRef>
-    </p:bg>
     <p:spTree>
       <p:nvGrpSpPr>
         <p:cNvPr id="1" name=""/>
@@ -5684,130 +5745,34 @@
           </a:bodyPr>
           <a:lstStyle/>
           <a:p>
-            <a:pPr marL="57150" indent="0">
-              <a:buNone/>
-            </a:pPr>
-            <a:endParaRPr lang="es-CO" sz="2800" dirty="0" smtClean="0">
-              <a:latin typeface="Arial"/>
-              <a:cs typeface="Arial"/>
-            </a:endParaRPr>
-          </a:p>
-          <a:p>
-            <a:pPr marL="57150" indent="0">
-              <a:buNone/>
-            </a:pPr>
-            <a:r>
-              <a:rPr lang="es-CO" sz="2800" dirty="0" smtClean="0">
-                <a:latin typeface="Arial"/>
-                <a:cs typeface="Arial"/>
-              </a:rPr>
-              <a:t> </a:t>
-            </a:r>
-            <a:r>
-              <a:rPr lang="es-CO" dirty="0">
-                <a:cs typeface="Arial"/>
-              </a:rPr>
-              <a:t> </a:t>
+            <a:pPr lvl="1"/>
+            <a:r>
+              <a:rPr lang="es-CO" dirty="0" smtClean="0"/>
+              <a:t>Producir </a:t>
             </a:r>
             <a:r>
               <a:rPr lang="es-CO" dirty="0"/>
-              <a:t>Adriana Ortiz </a:t>
-            </a:r>
-            <a:r>
-              <a:rPr lang="es-CO" dirty="0" smtClean="0"/>
-              <a:t>Rueda</a:t>
-            </a:r>
-          </a:p>
-          <a:p>
-            <a:pPr marL="57150" indent="0">
-              <a:buNone/>
-            </a:pPr>
-            <a:endParaRPr lang="es-CO" dirty="0"/>
-          </a:p>
-          <a:p>
-            <a:pPr marL="57150" indent="0">
-              <a:buNone/>
-            </a:pPr>
-            <a:r>
-              <a:rPr lang="es-CO" sz="2400" b="1" dirty="0" smtClean="0">
-                <a:latin typeface="Arial"/>
-                <a:cs typeface="Arial"/>
-              </a:rPr>
-              <a:t> </a:t>
+              <a:t>un cronograma completo  y preciso de las actividades  a realizar</a:t>
+            </a:r>
+          </a:p>
+          <a:p>
+            <a:pPr lvl="1"/>
+            <a:r>
+              <a:rPr lang="es-ES" dirty="0" smtClean="0"/>
+              <a:t>Reportar </a:t>
+            </a:r>
+            <a:r>
+              <a:rPr lang="es-ES" dirty="0"/>
+              <a:t>con exactitud los avances que se realicen  </a:t>
             </a:r>
             <a:r>
               <a:rPr lang="es-CO" dirty="0"/>
-              <a:t>Metas:</a:t>
-            </a:r>
-          </a:p>
-          <a:p>
-            <a:pPr lvl="1"/>
-            <a:r>
-              <a:rPr lang="es-CO" sz="2300" dirty="0" smtClean="0">
-                <a:cs typeface="Arial"/>
-              </a:rPr>
-              <a:t> </a:t>
+              <a:t>en </a:t>
             </a:r>
             <a:r>
               <a:rPr lang="es-ES" dirty="0"/>
-              <a:t>Especificar las tareas y las horas por cada una </a:t>
-            </a:r>
-            <a:r>
-              <a:rPr lang="es-CO" dirty="0"/>
-              <a:t>de </a:t>
-            </a:r>
-            <a:r>
-              <a:rPr lang="es-ES" dirty="0"/>
-              <a:t>las </a:t>
-            </a:r>
-            <a:r>
-              <a:rPr lang="es-CO" dirty="0" smtClean="0"/>
-              <a:t>faces.</a:t>
-            </a:r>
-          </a:p>
-          <a:p>
-            <a:pPr lvl="1"/>
-            <a:r>
-              <a:rPr lang="es-ES" dirty="0"/>
-              <a:t>Documentar las tareas en el formato </a:t>
-            </a:r>
-            <a:r>
-              <a:rPr lang="es-CO" dirty="0"/>
-              <a:t>de </a:t>
-            </a:r>
-            <a:r>
-              <a:rPr lang="es-ES" dirty="0" smtClean="0"/>
-              <a:t>Tareas </a:t>
-            </a:r>
-            <a:endParaRPr lang="es-CO" dirty="0"/>
-          </a:p>
-          <a:p>
-            <a:pPr lvl="1"/>
-            <a:r>
-              <a:rPr lang="es-ES" dirty="0"/>
-              <a:t>Completar el formato del cronograma individual y </a:t>
-            </a:r>
-            <a:r>
-              <a:rPr lang="es-CO" dirty="0"/>
-              <a:t>del </a:t>
-            </a:r>
-            <a:r>
-              <a:rPr lang="es-ES" dirty="0" smtClean="0"/>
-              <a:t>grupo</a:t>
-            </a:r>
-            <a:endParaRPr lang="es-CO" dirty="0"/>
-          </a:p>
-          <a:p>
-            <a:pPr lvl="1"/>
-            <a:r>
-              <a:rPr lang="es-ES" dirty="0" smtClean="0"/>
-              <a:t>Identificar </a:t>
-            </a:r>
-            <a:r>
-              <a:rPr lang="es-ES" dirty="0"/>
-              <a:t>posibles desbalances en los planes</a:t>
-            </a:r>
-            <a:endParaRPr lang="es-CO" dirty="0"/>
+              <a:t>las actividades  programadas para cada semana.</a:t>
+            </a:r>
           </a:p>
           <a:p>
             <a:pPr lvl="1"/>
@@ -5817,32 +5782,38 @@
             </a:r>
             <a:r>
               <a:rPr lang="es-ES" dirty="0"/>
-              <a:t>Conducir el grupo para ajustar los desbalances</a:t>
-            </a:r>
-            <a:endParaRPr lang="es-CO" dirty="0"/>
-          </a:p>
-          <a:p>
-            <a:pPr marL="57150" indent="0">
-              <a:buNone/>
-            </a:pPr>
-            <a:endParaRPr lang="es-CO" sz="2300" dirty="0">
-              <a:solidFill>
-                <a:srgbClr val="000000"/>
-              </a:solidFill>
-              <a:cs typeface="Calibri"/>
-            </a:endParaRPr>
+              <a:t>Producir un plan completo</a:t>
+            </a:r>
+            <a:r>
+              <a:rPr lang="es-CO" dirty="0"/>
+              <a:t>, </a:t>
+            </a:r>
+            <a:r>
+              <a:rPr lang="es-ES" dirty="0"/>
+              <a:t>preciso y exacto  del plan del equipo y </a:t>
+            </a:r>
+            <a:r>
+              <a:rPr lang="es-CO" dirty="0"/>
+              <a:t>de cada uno de sus miembros</a:t>
+            </a:r>
+          </a:p>
+          <a:p>
+            <a:pPr lvl="1"/>
+            <a:r>
+              <a:rPr lang="es-CO" dirty="0" smtClean="0"/>
+              <a:t>Definir </a:t>
+            </a:r>
+            <a:r>
+              <a:rPr lang="es-CO" dirty="0"/>
+              <a:t>los productos que deberán producirse y sus estimativo de tamaño</a:t>
+            </a:r>
           </a:p>
         </p:txBody>
       </p:sp>
     </p:spTree>
-    <p:extLst>
-      <p:ext uri="{BB962C8B-B14F-4D97-AF65-F5344CB8AC3E}">
-        <p14:creationId xmlns:p14="http://schemas.microsoft.com/office/powerpoint/2010/main" val="1334424169"/>
-      </p:ext>
-    </p:extLst>
   </p:cSld>
   <p:clrMapOvr>
-    <a:overrideClrMapping bg1="lt1" tx1="dk1" bg2="lt2" tx2="dk2" accent1="accent1" accent2="accent2" accent3="accent3" accent4="accent4" accent5="accent5" accent6="accent6" hlink="hlink" folHlink="folHlink"/>
+    <a:masterClrMapping/>
   </p:clrMapOvr>
   <p:timing>
     <p:tnLst>
@@ -5904,7 +5875,12 @@
             <p:ph sz="quarter" idx="1"/>
           </p:nvPr>
         </p:nvSpPr>
-        <p:spPr/>
+        <p:spPr>
+          <a:xfrm>
+            <a:off x="673443" y="1368511"/>
+            <a:ext cx="8229600" cy="4525963"/>
+          </a:xfrm>
+        </p:spPr>
         <p:txBody>
           <a:bodyPr anchor="ctr">
             <a:normAutofit/>
@@ -5913,70 +5889,87 @@
           <a:p>
             <a:pPr lvl="1"/>
             <a:r>
+              <a:rPr lang="es-ES" dirty="0" smtClean="0"/>
+              <a:t>Generar </a:t>
+            </a:r>
+            <a:r>
+              <a:rPr lang="es-ES" dirty="0"/>
+              <a:t>el plan consolidado </a:t>
+            </a:r>
+          </a:p>
+          <a:p>
+            <a:pPr lvl="1"/>
+            <a:r>
               <a:rPr lang="es-CO" dirty="0" smtClean="0"/>
               <a:t>Producir </a:t>
             </a:r>
             <a:r>
+              <a:rPr lang="es-ES" dirty="0"/>
+              <a:t>un  reporte semanal del proyecto con respecto al valor </a:t>
+            </a:r>
+            <a:r>
+              <a:rPr lang="es-ES" dirty="0" smtClean="0"/>
+              <a:t>ganado </a:t>
+            </a:r>
+            <a:r>
+              <a:rPr lang="es-CO" dirty="0" smtClean="0"/>
+              <a:t>y </a:t>
+            </a:r>
+            <a:r>
               <a:rPr lang="es-CO" dirty="0"/>
-              <a:t>un cronograma completo  y preciso de las actividades  a realizar</a:t>
+              <a:t>al tiempo</a:t>
             </a:r>
           </a:p>
           <a:p>
             <a:pPr lvl="1"/>
             <a:r>
+              <a:rPr lang="es-CO" dirty="0" smtClean="0"/>
+              <a:t>Generar </a:t>
+            </a:r>
+            <a:r>
+              <a:rPr lang="es-CO" dirty="0"/>
+              <a:t>el </a:t>
+            </a:r>
+            <a:r>
+              <a:rPr lang="es-CO" dirty="0" smtClean="0"/>
+              <a:t>reporte de </a:t>
+            </a:r>
+            <a:r>
+              <a:rPr lang="es-CO" dirty="0"/>
+              <a:t>estado semanal</a:t>
+            </a:r>
+          </a:p>
+          <a:p>
+            <a:pPr lvl="1"/>
+            <a:r>
               <a:rPr lang="es-ES" dirty="0" smtClean="0"/>
-              <a:t>Reportar </a:t>
+              <a:t>Producir </a:t>
             </a:r>
             <a:r>
               <a:rPr lang="es-ES" dirty="0"/>
-              <a:t>con exactitud los avances que se realicen  </a:t>
+              <a:t>un reporte semanal </a:t>
             </a:r>
             <a:r>
               <a:rPr lang="es-CO" dirty="0"/>
-              <a:t>en </a:t>
-            </a:r>
-            <a:r>
-              <a:rPr lang="es-ES" dirty="0"/>
-              <a:t>las actividades  programadas para cada semana.</a:t>
-            </a:r>
-          </a:p>
-          <a:p>
-            <a:pPr lvl="1"/>
+              <a:t> de análisisdel desempeño </a:t>
+            </a:r>
             <a:r>
               <a:rPr lang="es-CO" dirty="0" smtClean="0"/>
-              <a:t> </a:t>
-            </a:r>
-            <a:r>
-              <a:rPr lang="es-ES" dirty="0"/>
-              <a:t>Producir un plan completo</a:t>
+              <a:t>real </a:t>
             </a:r>
             <a:r>
               <a:rPr lang="es-CO" dirty="0"/>
-              <a:t>, </a:t>
-            </a:r>
-            <a:r>
-              <a:rPr lang="es-ES" dirty="0"/>
-              <a:t>preciso y exacto  del plan del equipo y </a:t>
-            </a:r>
-            <a:r>
-              <a:rPr lang="es-CO" dirty="0"/>
-              <a:t>de cada uno de sus miembros</a:t>
-            </a:r>
-          </a:p>
-          <a:p>
-            <a:pPr lvl="1"/>
-            <a:r>
-              <a:rPr lang="es-CO" dirty="0" smtClean="0"/>
-              <a:t>Definir </a:t>
-            </a:r>
-            <a:r>
-              <a:rPr lang="es-CO" dirty="0"/>
-              <a:t>los productos que deberán producirse y sus estimativo de tamaño</a:t>
+              <a:t>contra lo planeado</a:t>
             </a:r>
           </a:p>
         </p:txBody>
       </p:sp>
     </p:spTree>
+    <p:extLst>
+      <p:ext uri="{BB962C8B-B14F-4D97-AF65-F5344CB8AC3E}">
+        <p14:creationId xmlns:p14="http://schemas.microsoft.com/office/powerpoint/2010/main" xmlns="" val="250822945"/>
+      </p:ext>
+    </p:extLst>
   </p:cSld>
   <p:clrMapOvr>
     <a:masterClrMapping/>
@@ -6025,7 +6018,7 @@
           <a:p>
             <a:r>
               <a:rPr lang="es-CO" dirty="0" smtClean="0"/>
-              <a:t>Líder de Planeación</a:t>
+              <a:t>Líder de Desarrollo</a:t>
             </a:r>
             <a:endParaRPr lang="es-CO" dirty="0"/>
           </a:p>
@@ -6041,101 +6034,95 @@
             <p:ph sz="quarter" idx="1"/>
           </p:nvPr>
         </p:nvSpPr>
-        <p:spPr>
-          <a:xfrm>
-            <a:off x="673443" y="1368511"/>
-            <a:ext cx="8229600" cy="4525963"/>
-          </a:xfrm>
-        </p:spPr>
+        <p:spPr/>
         <p:txBody>
           <a:bodyPr anchor="ctr">
-            <a:normAutofit/>
+            <a:normAutofit fontScale="92500"/>
           </a:bodyPr>
           <a:lstStyle/>
           <a:p>
             <a:pPr lvl="1"/>
+            <a:endParaRPr lang="es-ES" dirty="0" smtClean="0"/>
+          </a:p>
+          <a:p>
+            <a:pPr marL="274320" lvl="1" indent="0">
+              <a:buNone/>
+            </a:pPr>
+            <a:r>
+              <a:rPr lang="es-CO" sz="2500" b="1" dirty="0"/>
+              <a:t>Luis Andrés Olarte</a:t>
+            </a:r>
+          </a:p>
+          <a:p>
+            <a:pPr lvl="1"/>
+            <a:endParaRPr lang="es-ES" dirty="0"/>
+          </a:p>
+          <a:p>
+            <a:pPr lvl="1"/>
             <a:r>
               <a:rPr lang="es-ES" dirty="0" smtClean="0"/>
-              <a:t>Generar </a:t>
+              <a:t>Conocimientos </a:t>
             </a:r>
             <a:r>
               <a:rPr lang="es-ES" dirty="0"/>
-              <a:t>el plan consolidado </a:t>
+              <a:t>técnicos en la plataforma seleccionada por el grupo.</a:t>
             </a:r>
           </a:p>
           <a:p>
             <a:pPr lvl="1"/>
             <a:r>
-              <a:rPr lang="es-CO" dirty="0" smtClean="0"/>
-              <a:t>Producir </a:t>
-            </a:r>
-            <a:r>
               <a:rPr lang="es-ES" dirty="0"/>
-              <a:t>un  reporte semanal del proyecto con respecto al valor </a:t>
+              <a:t> Capacidad en organización y conocimiento en el campo del desarrollo.</a:t>
+            </a:r>
+          </a:p>
+          <a:p>
+            <a:pPr lvl="1"/>
+            <a:r>
+              <a:rPr lang="es-ES" dirty="0"/>
+              <a:t> Experiencia con problemas comunes en el desarrollo</a:t>
             </a:r>
             <a:r>
               <a:rPr lang="es-ES" dirty="0" smtClean="0"/>
-              <a:t>ganado </a:t>
-            </a:r>
-            <a:r>
-              <a:rPr lang="es-CO" dirty="0" smtClean="0"/>
-              <a:t>y </a:t>
-            </a:r>
-            <a:r>
-              <a:rPr lang="es-CO" dirty="0"/>
-              <a:t>al tiempo</a:t>
+              <a:t>.</a:t>
             </a:r>
           </a:p>
           <a:p>
             <a:pPr lvl="1"/>
-            <a:r>
-              <a:rPr lang="es-CO" dirty="0" smtClean="0"/>
-              <a:t>Generar </a:t>
-            </a:r>
-            <a:r>
-              <a:rPr lang="es-CO" dirty="0"/>
-              <a:t>el </a:t>
-            </a:r>
-            <a:r>
-              <a:rPr lang="es-CO" dirty="0" smtClean="0"/>
-              <a:t>reporte de </a:t>
-            </a:r>
-            <a:r>
-              <a:rPr lang="es-CO" dirty="0"/>
-              <a:t>estado semanal</a:t>
+            <a:endParaRPr lang="es-ES" dirty="0"/>
+          </a:p>
+          <a:p>
+            <a:pPr marL="274320" lvl="1" indent="0">
+              <a:buNone/>
+            </a:pPr>
+            <a:r>
+              <a:rPr lang="es-ES" b="1" dirty="0" smtClean="0"/>
+              <a:t>Metas</a:t>
             </a:r>
           </a:p>
           <a:p>
             <a:pPr lvl="1"/>
             <a:r>
-              <a:rPr lang="es-ES" dirty="0" smtClean="0"/>
-              <a:t>Producir </a:t>
-            </a:r>
-            <a:r>
               <a:rPr lang="es-ES" dirty="0"/>
-              <a:t>un reporte semanal </a:t>
-            </a:r>
-            <a:r>
-              <a:rPr lang="es-CO" dirty="0"/>
-              <a:t> de análisisdel desempeño </a:t>
-            </a:r>
-            <a:r>
-              <a:rPr lang="es-CO" dirty="0" smtClean="0"/>
-              <a:t>real </a:t>
-            </a:r>
-            <a:r>
-              <a:rPr lang="es-CO" dirty="0"/>
-              <a:t>contra lo planeado</a:t>
-            </a:r>
+              <a:t>Definir técnicamente por lo menos el 80% de los requerimientos.</a:t>
+            </a:r>
+          </a:p>
+          <a:p>
+            <a:pPr lvl="1"/>
+            <a:r>
+              <a:rPr lang="es-ES" dirty="0"/>
+              <a:t>Resolver el 80% de las dudas técnicas de los integrantes del grupo.</a:t>
+            </a:r>
+            <a:endParaRPr lang="es-ES" dirty="0" smtClean="0"/>
+          </a:p>
+          <a:p>
+            <a:pPr marL="274320" lvl="1" indent="0">
+              <a:buNone/>
+            </a:pPr>
+            <a:endParaRPr lang="es-CO" b="1" dirty="0"/>
           </a:p>
         </p:txBody>
       </p:sp>
     </p:spTree>
-    <p:extLst>
-      <p:ext uri="{BB962C8B-B14F-4D97-AF65-F5344CB8AC3E}">
-        <p14:creationId xmlns:p14="http://schemas.microsoft.com/office/powerpoint/2010/main" val="250822945"/>
-      </p:ext>
-    </p:extLst>
   </p:cSld>
   <p:clrMapOvr>
     <a:masterClrMapping/>
@@ -6202,50 +6189,32 @@
         </p:nvSpPr>
         <p:spPr/>
         <p:txBody>
-          <a:bodyPr anchor="ctr">
-            <a:normAutofit fontScale="92500"/>
-          </a:bodyPr>
+          <a:bodyPr anchor="ctr"/>
           <a:lstStyle/>
           <a:p>
             <a:pPr lvl="1"/>
-            <a:endParaRPr lang="es-ES" dirty="0" smtClean="0"/>
-          </a:p>
-          <a:p>
-            <a:pPr marL="274320" lvl="1" indent="0">
-              <a:buNone/>
-            </a:pPr>
-            <a:r>
-              <a:rPr lang="es-CO" sz="2500" b="1" dirty="0"/>
-              <a:t>Luis Andrés Olarte</a:t>
+            <a:r>
+              <a:rPr lang="es-ES" dirty="0"/>
+              <a:t>Crear los estándares de codificación para la aplicación y velar por  el </a:t>
+            </a:r>
+            <a:r>
+              <a:rPr lang="es-ES" dirty="0" smtClean="0"/>
+              <a:t>80</a:t>
+            </a:r>
+            <a:r>
+              <a:rPr lang="es-ES" dirty="0"/>
+              <a:t>% del cumplimiento de </a:t>
+            </a:r>
+            <a:r>
+              <a:rPr lang="es-ES" dirty="0" smtClean="0"/>
+              <a:t>estos</a:t>
             </a:r>
           </a:p>
           <a:p>
             <a:pPr lvl="1"/>
-            <a:endParaRPr lang="es-ES" dirty="0"/>
-          </a:p>
-          <a:p>
-            <a:pPr lvl="1"/>
-            <a:r>
-              <a:rPr lang="es-ES" dirty="0" smtClean="0"/>
-              <a:t>Conocimientos </a:t>
-            </a:r>
             <a:r>
               <a:rPr lang="es-ES" dirty="0"/>
-              <a:t>técnicos en la plataforma seleccionada por el grupo.</a:t>
-            </a:r>
-          </a:p>
-          <a:p>
-            <a:pPr lvl="1"/>
-            <a:r>
-              <a:rPr lang="es-ES" dirty="0"/>
-              <a:t> Capacidad en organización y conocimiento en el campo del desarrollo.</a:t>
-            </a:r>
-          </a:p>
-          <a:p>
-            <a:pPr lvl="1"/>
-            <a:r>
-              <a:rPr lang="es-ES" dirty="0"/>
-              <a:t> Experiencia con problemas comunes en el desarrollo</a:t>
+              <a:t>Analizar y plantear soluciones para el 80% de los problemas técnicos de los integrantes del grupo</a:t>
             </a:r>
             <a:r>
               <a:rPr lang="es-ES" dirty="0" smtClean="0"/>
@@ -6254,41 +6223,20 @@
           </a:p>
           <a:p>
             <a:pPr lvl="1"/>
-            <a:endParaRPr lang="es-ES" dirty="0"/>
-          </a:p>
-          <a:p>
-            <a:pPr marL="274320" lvl="1" indent="0">
-              <a:buNone/>
-            </a:pPr>
-            <a:r>
-              <a:rPr lang="es-ES" b="1" dirty="0" smtClean="0"/>
-              <a:t>Metas</a:t>
-            </a:r>
-          </a:p>
-          <a:p>
-            <a:pPr lvl="1"/>
             <a:r>
               <a:rPr lang="es-ES" dirty="0"/>
-              <a:t>Definir técnicamente por lo menos el 80% de los requerimientos.</a:t>
-            </a:r>
-          </a:p>
-          <a:p>
-            <a:pPr lvl="1"/>
-            <a:r>
-              <a:rPr lang="es-ES" dirty="0"/>
-              <a:t>Resolver el 80% de las dudas técnicas de los integrantes del grupo.</a:t>
-            </a:r>
-            <a:endParaRPr lang="es-ES" dirty="0" smtClean="0"/>
-          </a:p>
-          <a:p>
-            <a:pPr marL="274320" lvl="1" indent="0">
-              <a:buNone/>
-            </a:pPr>
-            <a:endParaRPr lang="es-CO" b="1" dirty="0"/>
+              <a:t>Analizar y dar aval técnico por lo menos al 80% de los casos de uso y encontrar los problemas durante el análisis de estos.</a:t>
+            </a:r>
+            <a:endParaRPr lang="es-CO" dirty="0"/>
           </a:p>
         </p:txBody>
       </p:sp>
     </p:spTree>
+    <p:extLst>
+      <p:ext uri="{BB962C8B-B14F-4D97-AF65-F5344CB8AC3E}">
+        <p14:creationId xmlns:p14="http://schemas.microsoft.com/office/powerpoint/2010/main" xmlns="" val="1659243356"/>
+      </p:ext>
+    </p:extLst>
   </p:cSld>
   <p:clrMapOvr>
     <a:masterClrMapping/>
@@ -6337,7 +6285,7 @@
           <a:p>
             <a:r>
               <a:rPr lang="es-CO" dirty="0" smtClean="0"/>
-              <a:t>Líder de Desarrollo</a:t>
+              <a:t>Líder de Calidad</a:t>
             </a:r>
             <a:endParaRPr lang="es-CO" dirty="0"/>
           </a:p>
@@ -6355,54 +6303,69 @@
         </p:nvSpPr>
         <p:spPr/>
         <p:txBody>
-          <a:bodyPr anchor="ctr"/>
-          <a:lstStyle/>
+          <a:bodyPr anchor="ctr">
+            <a:normAutofit/>
+          </a:bodyPr>
+          <a:lstStyle/>
+          <a:p>
+            <a:pPr marL="274320" lvl="1" indent="0">
+              <a:buNone/>
+            </a:pPr>
+            <a:r>
+              <a:rPr lang="es-CO" b="1" dirty="0"/>
+              <a:t>Hollman Mauricio </a:t>
+            </a:r>
+            <a:r>
+              <a:rPr lang="es-CO" b="1" dirty="0" smtClean="0"/>
+              <a:t>Paipa</a:t>
+            </a:r>
+          </a:p>
+          <a:p>
+            <a:pPr marL="274320" lvl="1" indent="0">
+              <a:buNone/>
+            </a:pPr>
+            <a:endParaRPr lang="es-ES" b="1" dirty="0" smtClean="0"/>
+          </a:p>
           <a:p>
             <a:pPr lvl="1"/>
             <a:r>
+              <a:rPr lang="es-ES" dirty="0" smtClean="0"/>
+              <a:t>Verificar   </a:t>
+            </a:r>
+            <a:r>
               <a:rPr lang="es-ES" dirty="0"/>
-              <a:t>Crear los estándares de codificación para la aplicación y velar por  el </a:t>
-            </a:r>
+              <a:t>semanalmente que las tareas  dejadas al grupo de trabajo se cumplan según lo indicado en el plan de trabajo.</a:t>
+            </a:r>
+          </a:p>
+          <a:p>
+            <a:pPr lvl="1"/>
             <a:r>
               <a:rPr lang="es-ES" dirty="0" smtClean="0"/>
-              <a:t>80</a:t>
+              <a:t>Intervenir </a:t>
             </a:r>
             <a:r>
               <a:rPr lang="es-ES" dirty="0"/>
-              <a:t>% del cumplimiento de </a:t>
-            </a:r>
+              <a:t>en  reuniones grupales como vocero  encargado de actas  de todo lo pactado y los temas tratados en cada reunión.</a:t>
+            </a:r>
+          </a:p>
+          <a:p>
+            <a:pPr lvl="1"/>
             <a:r>
               <a:rPr lang="es-ES" dirty="0" smtClean="0"/>
-              <a:t>estos</a:t>
+              <a:t>Verificar </a:t>
+            </a:r>
+            <a:r>
+              <a:rPr lang="es-ES" dirty="0"/>
+              <a:t>ortografía y calidad de trabajo de cada una de las tareas de los integrantes del grupo de trabajo y que estas cumplan con lo adecuado.</a:t>
             </a:r>
           </a:p>
           <a:p>
             <a:pPr lvl="1"/>
-            <a:r>
-              <a:rPr lang="es-ES" dirty="0"/>
-              <a:t>Analizar y plantear soluciones para el 80% de los problemas técnicos de los integrantes del grupo</a:t>
-            </a:r>
-            <a:r>
-              <a:rPr lang="es-ES" dirty="0" smtClean="0"/>
-              <a:t>.</a:t>
-            </a:r>
-          </a:p>
-          <a:p>
-            <a:pPr lvl="1"/>
-            <a:r>
-              <a:rPr lang="es-ES" dirty="0"/>
-              <a:t>Analizar y dar aval técnico por lo menos al 80% de los casos de uso y encontrar los problemas durante el análisis de estos.</a:t>
-            </a:r>
             <a:endParaRPr lang="es-CO" dirty="0"/>
           </a:p>
         </p:txBody>
       </p:sp>
     </p:spTree>
-    <p:extLst>
-      <p:ext uri="{BB962C8B-B14F-4D97-AF65-F5344CB8AC3E}">
-        <p14:creationId xmlns:p14="http://schemas.microsoft.com/office/powerpoint/2010/main" val="1659243356"/>
-      </p:ext>
-    </p:extLst>
   </p:cSld>
   <p:clrMapOvr>
     <a:masterClrMapping/>
@@ -6451,7 +6414,7 @@
           <a:p>
             <a:r>
               <a:rPr lang="es-CO" dirty="0" smtClean="0"/>
-              <a:t>Líder de Calidad</a:t>
+              <a:t>Responsabilidades primer ciclo</a:t>
             </a:r>
             <a:endParaRPr lang="es-CO" dirty="0"/>
           </a:p>
@@ -6474,60 +6437,25 @@
           </a:bodyPr>
           <a:lstStyle/>
           <a:p>
-            <a:pPr marL="274320" lvl="1" indent="0">
-              <a:buNone/>
-            </a:pPr>
-            <a:r>
-              <a:rPr lang="es-CO" b="1" dirty="0"/>
-              <a:t>Hollman Mauricio </a:t>
-            </a:r>
-            <a:r>
-              <a:rPr lang="es-CO" b="1" dirty="0" smtClean="0"/>
-              <a:t>Paipa</a:t>
-            </a:r>
-          </a:p>
-          <a:p>
-            <a:pPr marL="274320" lvl="1" indent="0">
-              <a:buNone/>
-            </a:pPr>
-            <a:endParaRPr lang="es-ES" b="1" dirty="0" smtClean="0"/>
-          </a:p>
-          <a:p>
             <a:pPr lvl="1"/>
             <a:r>
-              <a:rPr lang="es-ES" dirty="0" smtClean="0"/>
-              <a:t>Verificar   </a:t>
-            </a:r>
-            <a:r>
-              <a:rPr lang="es-ES" dirty="0"/>
-              <a:t>semanalmente que las tareas  dejadas al grupo de trabajo se cumplan según lo indicado en el plan de trabajo.</a:t>
+              <a:rPr lang="es-CO" dirty="0"/>
+              <a:t>Realizar el levantamiento de los requerimientos del sistema de información (debe ir apoyado por documentos).</a:t>
             </a:r>
           </a:p>
           <a:p>
             <a:pPr lvl="1"/>
             <a:r>
-              <a:rPr lang="es-ES" dirty="0" smtClean="0"/>
-              <a:t>Intervenir </a:t>
-            </a:r>
-            <a:r>
-              <a:rPr lang="es-ES" dirty="0"/>
-              <a:t>en  reuniones grupales como vocero  encargado de actas  de todo lo pactado y los temas tratados en cada reunión.</a:t>
+              <a:rPr lang="es-CO" dirty="0"/>
+              <a:t>Realizar una visión general del sistema de información, documentando los instrumentos que se utilizarán en el desarrollo (documento de arquitectura, metodologías de planeación, de desarrollo, etc.). </a:t>
             </a:r>
           </a:p>
           <a:p>
             <a:pPr lvl="1"/>
             <a:r>
-              <a:rPr lang="es-ES" dirty="0" smtClean="0"/>
-              <a:t>Verificar </a:t>
-            </a:r>
-            <a:r>
-              <a:rPr lang="es-ES" dirty="0"/>
-              <a:t>ortografía y calidad de trabajo de cada una de las tareas de los integrantes del grupo de trabajo y que estas cumplan con lo adecuado.</a:t>
-            </a:r>
-          </a:p>
-          <a:p>
-            <a:pPr lvl="1"/>
-            <a:endParaRPr lang="es-CO" dirty="0"/>
+              <a:rPr lang="es-CO" dirty="0"/>
+              <a:t>Analizar los requerimientos de manera en la cual se puedan realizar los respectivos casos de uso, especificación de los mismos.</a:t>
+            </a:r>
           </a:p>
         </p:txBody>
       </p:sp>
@@ -6536,13 +6464,6 @@
   <p:clrMapOvr>
     <a:masterClrMapping/>
   </p:clrMapOvr>
-  <p:timing>
-    <p:tnLst>
-      <p:par>
-        <p:cTn id="1" dur="indefinite" restart="never" nodeType="tmRoot"/>
-      </p:par>
-    </p:tnLst>
-  </p:timing>
 </p:sld>
 </file>
 
@@ -6580,7 +6501,7 @@
           <a:p>
             <a:r>
               <a:rPr lang="es-CO" dirty="0" smtClean="0"/>
-              <a:t>Líder de Soporte</a:t>
+              <a:t>Responsabilidades primer ciclo</a:t>
             </a:r>
             <a:endParaRPr lang="es-CO" dirty="0"/>
           </a:p>
@@ -6598,8 +6519,60 @@
         </p:nvSpPr>
         <p:spPr/>
         <p:txBody>
-          <a:bodyPr/>
-          <a:lstStyle/>
+          <a:bodyPr anchor="ctr">
+            <a:normAutofit/>
+          </a:bodyPr>
+          <a:lstStyle/>
+          <a:p>
+            <a:pPr lvl="1"/>
+            <a:r>
+              <a:rPr lang="es-CO" dirty="0"/>
+              <a:t>Realizar prototipo visual que apoye los casos de uso.</a:t>
+            </a:r>
+          </a:p>
+          <a:p>
+            <a:pPr lvl="1"/>
+            <a:r>
+              <a:rPr lang="es-CO" dirty="0"/>
+              <a:t>Realizar la estimación de los tiempos de desarrollo para cada una de las personas, teniendo en cuenta la curva de aprendizaje. </a:t>
+            </a:r>
+          </a:p>
+          <a:p>
+            <a:pPr lvl="1"/>
+            <a:r>
+              <a:rPr lang="es-CO" dirty="0"/>
+              <a:t>Realizar los casos de prueba por caso de uso.</a:t>
+            </a:r>
+          </a:p>
+          <a:p>
+            <a:pPr lvl="1"/>
+            <a:r>
+              <a:rPr lang="es-CO" dirty="0"/>
+              <a:t>Realizar las pruebas, y la respectiva corrección.</a:t>
+            </a:r>
+          </a:p>
+          <a:p>
+            <a:pPr lvl="1"/>
+            <a:r>
+              <a:rPr lang="es-CO" dirty="0"/>
+              <a:t>Realizar la implementación de la solución.</a:t>
+            </a:r>
+          </a:p>
+          <a:p>
+            <a:pPr lvl="1"/>
+            <a:r>
+              <a:rPr lang="es-CO" dirty="0"/>
+              <a:t>Cada persona debe llevar su respectivo </a:t>
+            </a:r>
+            <a:r>
+              <a:rPr lang="es-CO" dirty="0" err="1"/>
+              <a:t>psp</a:t>
+            </a:r>
+            <a:r>
+              <a:rPr lang="es-CO" dirty="0"/>
+              <a:t>.</a:t>
+            </a:r>
+          </a:p>
           <a:p>
             <a:pPr lvl="1"/>
             <a:endParaRPr lang="es-CO" dirty="0"/>
@@ -6611,13 +6584,6 @@
   <p:clrMapOvr>
     <a:masterClrMapping/>
   </p:clrMapOvr>
-  <p:timing>
-    <p:tnLst>
-      <p:par>
-        <p:cTn id="1" dur="indefinite" restart="never" nodeType="tmRoot"/>
-      </p:par>
-    </p:tnLst>
-  </p:timing>
 </p:sld>
 </file>
 
@@ -6655,7 +6621,7 @@
           <a:p>
             <a:r>
               <a:rPr lang="es-CO" dirty="0" smtClean="0"/>
-              <a:t>Responsabilidades primer ciclo</a:t>
+              <a:t>Reglas generales para el grupo</a:t>
             </a:r>
             <a:endParaRPr lang="es-CO" dirty="0"/>
           </a:p>
@@ -6681,137 +6647,14 @@
             <a:pPr lvl="1"/>
             <a:r>
               <a:rPr lang="es-CO" dirty="0"/>
-              <a:t>Realizar el levantamiento de los requerimientos del sistema de información (debe ir apoyado por documentos).</a:t>
+              <a:t>Crear horarios de reunión semanal de manera personal, y por lo menos, 3 durante la semana de manera virtual.</a:t>
             </a:r>
           </a:p>
           <a:p>
             <a:pPr lvl="1"/>
             <a:r>
               <a:rPr lang="es-CO" dirty="0"/>
-              <a:t>Realizar una visión general del sistema de información, documentando los instrumentos que se utilizarán en el desarrollo (documento de arquitectura, metodologías de planeación, de desarrollo, etc.). </a:t>
-            </a:r>
-          </a:p>
-          <a:p>
-            <a:pPr lvl="1"/>
-            <a:r>
-              <a:rPr lang="es-CO" dirty="0"/>
-              <a:t>Analizar los requerimientos de manera en la cual se puedan realizar los respectivos casos de uso, especificación de los mismos.</a:t>
-            </a:r>
-          </a:p>
-        </p:txBody>
-      </p:sp>
-    </p:spTree>
-  </p:cSld>
-  <p:clrMapOvr>
-    <a:masterClrMapping/>
-  </p:clrMapOvr>
-</p:sld>
-</file>
-
-<file path=ppt/slides/slide19.xml><?xml version="1.0" encoding="utf-8"?>
-<p:sld xmlns:a="http://schemas.openxmlformats.org/drawingml/2006/main" xmlns:r="http://schemas.openxmlformats.org/officeDocument/2006/relationships" xmlns:p="http://schemas.openxmlformats.org/presentationml/2006/main">
-  <p:cSld>
-    <p:spTree>
-      <p:nvGrpSpPr>
-        <p:cNvPr id="1" name=""/>
-        <p:cNvGrpSpPr/>
-        <p:nvPr/>
-      </p:nvGrpSpPr>
-      <p:grpSpPr>
-        <a:xfrm>
-          <a:off x="0" y="0"/>
-          <a:ext cx="0" cy="0"/>
-          <a:chOff x="0" y="0"/>
-          <a:chExt cx="0" cy="0"/>
-        </a:xfrm>
-      </p:grpSpPr>
-      <p:sp>
-        <p:nvSpPr>
-          <p:cNvPr id="2" name="1 Título"/>
-          <p:cNvSpPr>
-            <a:spLocks noGrp="1"/>
-          </p:cNvSpPr>
-          <p:nvPr>
-            <p:ph type="title"/>
-          </p:nvPr>
-        </p:nvSpPr>
-        <p:spPr/>
-        <p:txBody>
-          <a:bodyPr/>
-          <a:lstStyle/>
-          <a:p>
-            <a:r>
-              <a:rPr lang="es-CO" dirty="0" smtClean="0"/>
-              <a:t>Responsabilidades primer ciclo</a:t>
-            </a:r>
-            <a:endParaRPr lang="es-CO" dirty="0"/>
-          </a:p>
-        </p:txBody>
-      </p:sp>
-      <p:sp>
-        <p:nvSpPr>
-          <p:cNvPr id="3" name="2 Marcador de contenido"/>
-          <p:cNvSpPr>
-            <a:spLocks noGrp="1"/>
-          </p:cNvSpPr>
-          <p:nvPr>
-            <p:ph sz="quarter" idx="1"/>
-          </p:nvPr>
-        </p:nvSpPr>
-        <p:spPr/>
-        <p:txBody>
-          <a:bodyPr anchor="ctr">
-            <a:normAutofit/>
-          </a:bodyPr>
-          <a:lstStyle/>
-          <a:p>
-            <a:pPr lvl="1"/>
-            <a:r>
-              <a:rPr lang="es-CO" dirty="0"/>
-              <a:t>Realizar prototipo visual que apoye los casos de uso.</a:t>
-            </a:r>
-          </a:p>
-          <a:p>
-            <a:pPr lvl="1"/>
-            <a:r>
-              <a:rPr lang="es-CO" dirty="0"/>
-              <a:t>Realizar la estimación de los tiempos de desarrollo para cada una de las personas, teniendo en cuenta la curva de aprendizaje. </a:t>
-            </a:r>
-          </a:p>
-          <a:p>
-            <a:pPr lvl="1"/>
-            <a:r>
-              <a:rPr lang="es-CO" dirty="0"/>
-              <a:t>Realizar los casos de prueba por caso de uso.</a:t>
-            </a:r>
-          </a:p>
-          <a:p>
-            <a:pPr lvl="1"/>
-            <a:r>
-              <a:rPr lang="es-CO" dirty="0"/>
-              <a:t>Realizar las pruebas, y la respectiva corrección.</a:t>
-            </a:r>
-          </a:p>
-          <a:p>
-            <a:pPr lvl="1"/>
-            <a:r>
-              <a:rPr lang="es-CO" dirty="0"/>
-              <a:t>Realizar la implementación de la solución.</a:t>
-            </a:r>
-          </a:p>
-          <a:p>
-            <a:pPr lvl="1"/>
-            <a:r>
-              <a:rPr lang="es-CO" dirty="0"/>
-              <a:t>Cada persona debe llevar su respectivo </a:t>
-            </a:r>
-            <a:r>
-              <a:rPr lang="es-CO" dirty="0" err="1"/>
-              <a:t>psp</a:t>
-            </a:r>
-            <a:r>
-              <a:rPr lang="es-CO" dirty="0"/>
-              <a:t>.</a:t>
+              <a:t>Unificar las herramientas para la comunicación.</a:t>
             </a:r>
           </a:p>
           <a:p>
@@ -6910,90 +6753,6 @@
       </p:par>
     </p:tnLst>
   </p:timing>
-</p:sld>
-</file>
-
-<file path=ppt/slides/slide20.xml><?xml version="1.0" encoding="utf-8"?>
-<p:sld xmlns:a="http://schemas.openxmlformats.org/drawingml/2006/main" xmlns:r="http://schemas.openxmlformats.org/officeDocument/2006/relationships" xmlns:p="http://schemas.openxmlformats.org/presentationml/2006/main">
-  <p:cSld>
-    <p:spTree>
-      <p:nvGrpSpPr>
-        <p:cNvPr id="1" name=""/>
-        <p:cNvGrpSpPr/>
-        <p:nvPr/>
-      </p:nvGrpSpPr>
-      <p:grpSpPr>
-        <a:xfrm>
-          <a:off x="0" y="0"/>
-          <a:ext cx="0" cy="0"/>
-          <a:chOff x="0" y="0"/>
-          <a:chExt cx="0" cy="0"/>
-        </a:xfrm>
-      </p:grpSpPr>
-      <p:sp>
-        <p:nvSpPr>
-          <p:cNvPr id="2" name="1 Título"/>
-          <p:cNvSpPr>
-            <a:spLocks noGrp="1"/>
-          </p:cNvSpPr>
-          <p:nvPr>
-            <p:ph type="title"/>
-          </p:nvPr>
-        </p:nvSpPr>
-        <p:spPr/>
-        <p:txBody>
-          <a:bodyPr/>
-          <a:lstStyle/>
-          <a:p>
-            <a:r>
-              <a:rPr lang="es-CO" dirty="0" smtClean="0"/>
-              <a:t>Reglas generales para el grupo</a:t>
-            </a:r>
-            <a:endParaRPr lang="es-CO" dirty="0"/>
-          </a:p>
-        </p:txBody>
-      </p:sp>
-      <p:sp>
-        <p:nvSpPr>
-          <p:cNvPr id="3" name="2 Marcador de contenido"/>
-          <p:cNvSpPr>
-            <a:spLocks noGrp="1"/>
-          </p:cNvSpPr>
-          <p:nvPr>
-            <p:ph sz="quarter" idx="1"/>
-          </p:nvPr>
-        </p:nvSpPr>
-        <p:spPr/>
-        <p:txBody>
-          <a:bodyPr anchor="ctr">
-            <a:normAutofit/>
-          </a:bodyPr>
-          <a:lstStyle/>
-          <a:p>
-            <a:pPr lvl="1"/>
-            <a:r>
-              <a:rPr lang="es-CO" dirty="0"/>
-              <a:t>Crear horarios de reunión semanal de manera personal, y por lo menos, 3 durante la semana de manera virtual.</a:t>
-            </a:r>
-          </a:p>
-          <a:p>
-            <a:pPr lvl="1"/>
-            <a:r>
-              <a:rPr lang="es-CO" dirty="0"/>
-              <a:t>Unificar las herramientas para la comunicación.</a:t>
-            </a:r>
-          </a:p>
-          <a:p>
-            <a:pPr lvl="1"/>
-            <a:endParaRPr lang="es-CO" dirty="0"/>
-          </a:p>
-        </p:txBody>
-      </p:sp>
-    </p:spTree>
-  </p:cSld>
-  <p:clrMapOvr>
-    <a:masterClrMapping/>
-  </p:clrMapOvr>
 </p:sld>
 </file>
 
@@ -7546,43 +7305,67 @@
         </p:nvSpPr>
         <p:spPr/>
         <p:txBody>
-          <a:bodyPr>
-            <a:normAutofit/>
-          </a:bodyPr>
+          <a:bodyPr/>
           <a:lstStyle/>
           <a:p>
             <a:r>
               <a:rPr lang="es-CO" dirty="0" smtClean="0"/>
-              <a:t>Objetivo </a:t>
-            </a:r>
+              <a:t>Roles</a:t>
+            </a:r>
+            <a:endParaRPr lang="es-CO" dirty="0"/>
+          </a:p>
+        </p:txBody>
+      </p:sp>
+      <p:sp>
+        <p:nvSpPr>
+          <p:cNvPr id="3" name="2 Marcador de contenido"/>
+          <p:cNvSpPr>
+            <a:spLocks noGrp="1"/>
+          </p:cNvSpPr>
+          <p:nvPr>
+            <p:ph sz="quarter" idx="1"/>
+          </p:nvPr>
+        </p:nvSpPr>
+        <p:spPr/>
+        <p:txBody>
+          <a:bodyPr anchor="ctr"/>
+          <a:lstStyle/>
+          <a:p>
+            <a:pPr lvl="1" algn="just"/>
             <a:r>
               <a:rPr lang="es-CO" dirty="0"/>
-              <a:t>Líder de </a:t>
-            </a:r>
-            <a:r>
-              <a:rPr lang="es-CO" dirty="0" smtClean="0"/>
-              <a:t>soporte</a:t>
-            </a:r>
-            <a:endParaRPr lang="es-CO" dirty="0"/>
-          </a:p>
-        </p:txBody>
-      </p:sp>
-      <p:sp>
-        <p:nvSpPr>
-          <p:cNvPr id="3" name="2 Marcador de contenido"/>
-          <p:cNvSpPr>
-            <a:spLocks noGrp="1"/>
-          </p:cNvSpPr>
-          <p:nvPr>
-            <p:ph sz="quarter" idx="1"/>
-          </p:nvPr>
-        </p:nvSpPr>
-        <p:spPr/>
-        <p:txBody>
-          <a:bodyPr/>
-          <a:lstStyle/>
-          <a:p>
-            <a:pPr lvl="1"/>
+              <a:t>Líder de grupo : Iván diario Vargas</a:t>
+            </a:r>
+          </a:p>
+          <a:p>
+            <a:pPr lvl="1" algn="just"/>
+            <a:r>
+              <a:rPr lang="es-CO" dirty="0"/>
+              <a:t>Líder desarrollo : Luis Andrés Olarte</a:t>
+            </a:r>
+          </a:p>
+          <a:p>
+            <a:pPr lvl="1" algn="just"/>
+            <a:r>
+              <a:rPr lang="es-CO" dirty="0"/>
+              <a:t>Líder planeación : Adriana Ortiz Rueda</a:t>
+            </a:r>
+          </a:p>
+          <a:p>
+            <a:pPr lvl="1" algn="just"/>
+            <a:r>
+              <a:rPr lang="es-CO" dirty="0"/>
+              <a:t>Líder  de calidad : Hollman Mauricio Paipa</a:t>
+            </a:r>
+          </a:p>
+          <a:p>
+            <a:pPr lvl="1" algn="just"/>
+            <a:r>
+              <a:rPr lang="es-CO" dirty="0"/>
+              <a:t>Líder de soporte : </a:t>
+            </a:r>
+          </a:p>
+          <a:p>
             <a:endParaRPr lang="es-CO" dirty="0"/>
           </a:p>
         </p:txBody>
@@ -7605,6 +7388,11 @@
 <file path=ppt/slides/slide9.xml><?xml version="1.0" encoding="utf-8"?>
 <p:sld xmlns:a="http://schemas.openxmlformats.org/drawingml/2006/main" xmlns:r="http://schemas.openxmlformats.org/officeDocument/2006/relationships" xmlns:p="http://schemas.openxmlformats.org/presentationml/2006/main">
   <p:cSld>
+    <p:bg>
+      <p:bgRef idx="1001">
+        <a:schemeClr val="bg1"/>
+      </p:bgRef>
+    </p:bg>
     <p:spTree>
       <p:nvGrpSpPr>
         <p:cNvPr id="1" name=""/>
@@ -7636,7 +7424,7 @@
           <a:p>
             <a:r>
               <a:rPr lang="es-CO" dirty="0" smtClean="0"/>
-              <a:t>Roles</a:t>
+              <a:t>Líder de Grupo</a:t>
             </a:r>
             <a:endParaRPr lang="es-CO" dirty="0"/>
           </a:p>
@@ -7657,41 +7445,47 @@
           <a:bodyPr anchor="ctr"/>
           <a:lstStyle/>
           <a:p>
-            <a:pPr lvl="1" algn="just"/>
-            <a:r>
-              <a:rPr lang="es-CO" dirty="0"/>
-              <a:t>Líder de grupo : Iván diario Vargas</a:t>
-            </a:r>
-          </a:p>
-          <a:p>
-            <a:pPr lvl="1" algn="just"/>
-            <a:r>
-              <a:rPr lang="es-CO" dirty="0"/>
-              <a:t>Líder desarrollo : Luis Andrés Olarte</a:t>
-            </a:r>
-          </a:p>
-          <a:p>
-            <a:pPr lvl="1" algn="just"/>
-            <a:r>
-              <a:rPr lang="es-CO" dirty="0"/>
-              <a:t>Líder planeación : Adriana Ortiz Rueda</a:t>
-            </a:r>
-          </a:p>
-          <a:p>
-            <a:pPr lvl="1" algn="just"/>
-            <a:r>
-              <a:rPr lang="es-CO" dirty="0"/>
-              <a:t>Líder  de calidad : Hollman Mauricio Paipa</a:t>
-            </a:r>
-          </a:p>
-          <a:p>
-            <a:pPr lvl="1" algn="just"/>
-            <a:r>
-              <a:rPr lang="es-CO" dirty="0"/>
-              <a:t>Líder de soporte : </a:t>
-            </a:r>
-          </a:p>
-          <a:p>
+            <a:r>
+              <a:rPr lang="es-CO" dirty="0" smtClean="0"/>
+              <a:t>Iván Darío Vargas Rojas:</a:t>
+            </a:r>
+          </a:p>
+          <a:p>
+            <a:pPr lvl="1"/>
+            <a:r>
+              <a:rPr lang="es-CO" dirty="0" smtClean="0"/>
+              <a:t>Capacidad en expresión oral y escrita.</a:t>
+            </a:r>
+          </a:p>
+          <a:p>
+            <a:pPr lvl="1"/>
+            <a:r>
+              <a:rPr lang="es-CO" dirty="0" smtClean="0"/>
+              <a:t>Experiencia en análisis, diseño, desarrollo, implementación, soporte en caliente de un sistema de información.</a:t>
+            </a:r>
+          </a:p>
+          <a:p>
+            <a:r>
+              <a:rPr lang="es-CO" dirty="0" smtClean="0"/>
+              <a:t>Metas:</a:t>
+            </a:r>
+          </a:p>
+          <a:p>
+            <a:pPr lvl="1"/>
+            <a:r>
+              <a:rPr lang="es-CO" dirty="0" smtClean="0"/>
+              <a:t>Garantizar que el equipo sea eficiente y eficaz.</a:t>
+            </a:r>
+          </a:p>
+          <a:p>
+            <a:pPr lvl="1"/>
+            <a:r>
+              <a:rPr lang="es-CO" dirty="0" smtClean="0"/>
+              <a:t>Tener capacidad de desempeñar los diferentes tipos de roles del equipo.</a:t>
+            </a:r>
+          </a:p>
+          <a:p>
+            <a:pPr lvl="1"/>
             <a:endParaRPr lang="es-CO" dirty="0"/>
           </a:p>
         </p:txBody>
@@ -7699,7 +7493,7 @@
     </p:spTree>
   </p:cSld>
   <p:clrMapOvr>
-    <a:masterClrMapping/>
+    <a:overrideClrMapping bg1="lt1" tx1="dk1" bg2="lt2" tx2="dk2" accent1="accent1" accent2="accent2" accent3="accent3" accent4="accent4" accent5="accent5" accent6="accent6" hlink="hlink" folHlink="folHlink"/>
   </p:clrMapOvr>
   <p:timing>
     <p:tnLst>
@@ -8300,7 +8094,7 @@
   <a:extraClrSchemeLst/>
   <a:extLst>
     <a:ext uri="{05A4C25C-085E-4340-85A3-A5531E510DB2}">
-      <thm15:themeFamily xmlns:thm15="http://schemas.microsoft.com/office/thememl/2012/main" xmlns="" name="Office Theme" id="{62F939B6-93AF-4DB8-9C6B-D6C7DFDC589F}" vid="{4A3C46E8-61CC-4603-A589-7422A47A8E4A}"/>
+      <thm15:themeFamily xmlns="" xmlns:thm15="http://schemas.microsoft.com/office/thememl/2012/main" name="Office Theme" id="{62F939B6-93AF-4DB8-9C6B-D6C7DFDC589F}" vid="{4A3C46E8-61CC-4603-A589-7422A47A8E4A}"/>
     </a:ext>
   </a:extLst>
 </a:theme>
